--- a/数据结构/PPT/07-trees-fall21.pptx
+++ b/数据结构/PPT/07-trees-fall21.pptx
@@ -5,46 +5,47 @@
     <p:sldMasterId id="2147483648" r:id="rId1"/>
   </p:sldMasterIdLst>
   <p:notesMasterIdLst>
-    <p:notesMasterId r:id="rId18"/>
+    <p:notesMasterId r:id="rId21"/>
   </p:notesMasterIdLst>
   <p:sldIdLst>
-    <p:sldId id="257" r:id="rId3"/>
-    <p:sldId id="291" r:id="rId4"/>
-    <p:sldId id="292" r:id="rId5"/>
-    <p:sldId id="293" r:id="rId6"/>
-    <p:sldId id="294" r:id="rId7"/>
-    <p:sldId id="295" r:id="rId8"/>
-    <p:sldId id="296" r:id="rId9"/>
-    <p:sldId id="297" r:id="rId10"/>
-    <p:sldId id="298" r:id="rId11"/>
+    <p:sldId id="257" r:id="rId2"/>
+    <p:sldId id="291" r:id="rId3"/>
+    <p:sldId id="292" r:id="rId4"/>
+    <p:sldId id="293" r:id="rId5"/>
+    <p:sldId id="294" r:id="rId6"/>
+    <p:sldId id="295" r:id="rId7"/>
+    <p:sldId id="296" r:id="rId8"/>
+    <p:sldId id="297" r:id="rId9"/>
+    <p:sldId id="298" r:id="rId10"/>
+    <p:sldId id="307" r:id="rId11"/>
     <p:sldId id="299" r:id="rId12"/>
     <p:sldId id="300" r:id="rId13"/>
     <p:sldId id="301" r:id="rId14"/>
     <p:sldId id="305" r:id="rId15"/>
     <p:sldId id="302" r:id="rId16"/>
     <p:sldId id="303" r:id="rId17"/>
-    <p:sldId id="304" r:id="rId19"/>
-    <p:sldId id="306" r:id="rId20"/>
-    <p:sldId id="290" r:id="rId21"/>
+    <p:sldId id="304" r:id="rId18"/>
+    <p:sldId id="306" r:id="rId19"/>
+    <p:sldId id="290" r:id="rId20"/>
   </p:sldIdLst>
   <p:sldSz cx="9144000" cy="6858000" type="screen4x3"/>
   <p:notesSz cx="6858000" cy="9144000"/>
   <p:embeddedFontLst>
     <p:embeddedFont>
       <p:font typeface="Calibri" panose="020F0502020204030204" pitchFamily="34" charset="0"/>
-      <p:regular r:id="rId25"/>
-      <p:bold r:id="rId26"/>
-      <p:italic r:id="rId27"/>
-      <p:boldItalic r:id="rId28"/>
+      <p:regular r:id="rId22"/>
+      <p:bold r:id="rId23"/>
+      <p:italic r:id="rId24"/>
+      <p:boldItalic r:id="rId25"/>
     </p:embeddedFont>
     <p:embeddedFont>
       <p:font typeface="Calibri Light" panose="020F0302020204030204" pitchFamily="34" charset="0"/>
-      <p:regular r:id="rId29"/>
-      <p:italic r:id="rId30"/>
+      <p:regular r:id="rId26"/>
+      <p:italic r:id="rId27"/>
     </p:embeddedFont>
     <p:embeddedFont>
       <p:font typeface="Cambria Math" panose="02040503050406030204" pitchFamily="18" charset="0"/>
-      <p:regular r:id="rId31"/>
+      <p:regular r:id="rId28"/>
     </p:embeddedFont>
   </p:embeddedFontLst>
   <p:defaultTextStyle>
@@ -142,6 +143,11 @@
       </a:defRPr>
     </a:lvl9pPr>
   </p:defaultTextStyle>
+  <p:extLst>
+    <p:ext uri="{EFAFB233-063F-42B5-8137-9DF3F51BA10A}">
+      <p15:sldGuideLst xmlns:p15="http://schemas.microsoft.com/office/powerpoint/2012/main"/>
+    </p:ext>
+  </p:extLst>
 </p:presentation>
 </file>
 
@@ -227,6 +233,7 @@
           <a:p>
             <a:fld id="{59F59B81-EBE2-4895-8A46-2F18F20085CD}" type="datetimeFigureOut">
               <a:rPr lang="en-US" smtClean="0"/>
+              <a:t>6/3/2023</a:t>
             </a:fld>
             <a:endParaRPr lang="en-US"/>
           </a:p>
@@ -293,7 +300,6 @@
               <a:rPr lang="zh-CN" altLang="en-US"/>
               <a:t>单击此处编辑母版文本样式</a:t>
             </a:r>
-            <a:endParaRPr lang="zh-CN" altLang="en-US"/>
           </a:p>
           <a:p>
             <a:pPr lvl="1"/>
@@ -301,7 +307,6 @@
               <a:rPr lang="zh-CN" altLang="en-US"/>
               <a:t>二级</a:t>
             </a:r>
-            <a:endParaRPr lang="zh-CN" altLang="en-US"/>
           </a:p>
           <a:p>
             <a:pPr lvl="2"/>
@@ -309,7 +314,6 @@
               <a:rPr lang="zh-CN" altLang="en-US"/>
               <a:t>三级</a:t>
             </a:r>
-            <a:endParaRPr lang="zh-CN" altLang="en-US"/>
           </a:p>
           <a:p>
             <a:pPr lvl="3"/>
@@ -317,7 +321,6 @@
               <a:rPr lang="zh-CN" altLang="en-US"/>
               <a:t>四级</a:t>
             </a:r>
-            <a:endParaRPr lang="zh-CN" altLang="en-US"/>
           </a:p>
           <a:p>
             <a:pPr lvl="4"/>
@@ -389,6 +392,7 @@
           <a:p>
             <a:fld id="{89F74F8C-A173-4BA3-A14D-81686FE513C7}" type="slidenum">
               <a:rPr lang="en-US" smtClean="0"/>
+              <a:t>‹#›</a:t>
             </a:fld>
             <a:endParaRPr lang="en-US"/>
           </a:p>
@@ -557,6 +561,7 @@
           <a:p>
             <a:fld id="{89F74F8C-A173-4BA3-A14D-81686FE513C7}" type="slidenum">
               <a:rPr lang="en-US" smtClean="0"/>
+              <a:t>16</a:t>
             </a:fld>
             <a:endParaRPr lang="en-US"/>
           </a:p>
@@ -635,6 +640,7 @@
           <a:p>
             <a:fld id="{89F74F8C-A173-4BA3-A14D-81686FE513C7}" type="slidenum">
               <a:rPr lang="en-US" smtClean="0"/>
+              <a:t>17</a:t>
             </a:fld>
             <a:endParaRPr lang="en-US"/>
           </a:p>
@@ -779,6 +785,7 @@
           <a:p>
             <a:fld id="{9090961F-81B2-4CFB-84FD-AF7ECE47B161}" type="datetimeFigureOut">
               <a:rPr lang="en-US" smtClean="0"/>
+              <a:t>6/3/2023</a:t>
             </a:fld>
             <a:endParaRPr lang="en-US"/>
           </a:p>
@@ -820,6 +827,7 @@
           <a:p>
             <a:fld id="{A99C9C7D-7003-4447-BFFF-591691C57972}" type="slidenum">
               <a:rPr lang="en-US" smtClean="0"/>
+              <a:t>‹#›</a:t>
             </a:fld>
             <a:endParaRPr lang="en-US"/>
           </a:p>
@@ -893,7 +901,6 @@
               <a:rPr lang="zh-CN" altLang="en-US"/>
               <a:t>单击此处编辑母版文本样式</a:t>
             </a:r>
-            <a:endParaRPr lang="zh-CN" altLang="en-US"/>
           </a:p>
           <a:p>
             <a:pPr lvl="1"/>
@@ -901,7 +908,6 @@
               <a:rPr lang="zh-CN" altLang="en-US"/>
               <a:t>二级</a:t>
             </a:r>
-            <a:endParaRPr lang="zh-CN" altLang="en-US"/>
           </a:p>
           <a:p>
             <a:pPr lvl="2"/>
@@ -909,7 +915,6 @@
               <a:rPr lang="zh-CN" altLang="en-US"/>
               <a:t>三级</a:t>
             </a:r>
-            <a:endParaRPr lang="zh-CN" altLang="en-US"/>
           </a:p>
           <a:p>
             <a:pPr lvl="3"/>
@@ -917,7 +922,6 @@
               <a:rPr lang="zh-CN" altLang="en-US"/>
               <a:t>四级</a:t>
             </a:r>
-            <a:endParaRPr lang="zh-CN" altLang="en-US"/>
           </a:p>
           <a:p>
             <a:pPr lvl="4"/>
@@ -946,6 +950,7 @@
           <a:p>
             <a:fld id="{9090961F-81B2-4CFB-84FD-AF7ECE47B161}" type="datetimeFigureOut">
               <a:rPr lang="en-US" smtClean="0"/>
+              <a:t>6/3/2023</a:t>
             </a:fld>
             <a:endParaRPr lang="en-US"/>
           </a:p>
@@ -987,6 +992,7 @@
           <a:p>
             <a:fld id="{A99C9C7D-7003-4447-BFFF-591691C57972}" type="slidenum">
               <a:rPr lang="en-US" smtClean="0"/>
+              <a:t>‹#›</a:t>
             </a:fld>
             <a:endParaRPr lang="en-US"/>
           </a:p>
@@ -1070,7 +1076,6 @@
               <a:rPr lang="zh-CN" altLang="en-US"/>
               <a:t>单击此处编辑母版文本样式</a:t>
             </a:r>
-            <a:endParaRPr lang="zh-CN" altLang="en-US"/>
           </a:p>
           <a:p>
             <a:pPr lvl="1"/>
@@ -1078,7 +1083,6 @@
               <a:rPr lang="zh-CN" altLang="en-US"/>
               <a:t>二级</a:t>
             </a:r>
-            <a:endParaRPr lang="zh-CN" altLang="en-US"/>
           </a:p>
           <a:p>
             <a:pPr lvl="2"/>
@@ -1086,7 +1090,6 @@
               <a:rPr lang="zh-CN" altLang="en-US"/>
               <a:t>三级</a:t>
             </a:r>
-            <a:endParaRPr lang="zh-CN" altLang="en-US"/>
           </a:p>
           <a:p>
             <a:pPr lvl="3"/>
@@ -1094,7 +1097,6 @@
               <a:rPr lang="zh-CN" altLang="en-US"/>
               <a:t>四级</a:t>
             </a:r>
-            <a:endParaRPr lang="zh-CN" altLang="en-US"/>
           </a:p>
           <a:p>
             <a:pPr lvl="4"/>
@@ -1123,6 +1125,7 @@
           <a:p>
             <a:fld id="{9090961F-81B2-4CFB-84FD-AF7ECE47B161}" type="datetimeFigureOut">
               <a:rPr lang="en-US" smtClean="0"/>
+              <a:t>6/3/2023</a:t>
             </a:fld>
             <a:endParaRPr lang="en-US"/>
           </a:p>
@@ -1164,6 +1167,7 @@
           <a:p>
             <a:fld id="{A99C9C7D-7003-4447-BFFF-591691C57972}" type="slidenum">
               <a:rPr lang="en-US" smtClean="0"/>
+              <a:t>‹#›</a:t>
             </a:fld>
             <a:endParaRPr lang="en-US"/>
           </a:p>
@@ -1237,7 +1241,6 @@
               <a:rPr lang="zh-CN" altLang="en-US"/>
               <a:t>单击此处编辑母版文本样式</a:t>
             </a:r>
-            <a:endParaRPr lang="zh-CN" altLang="en-US"/>
           </a:p>
           <a:p>
             <a:pPr lvl="1"/>
@@ -1245,7 +1248,6 @@
               <a:rPr lang="zh-CN" altLang="en-US"/>
               <a:t>二级</a:t>
             </a:r>
-            <a:endParaRPr lang="zh-CN" altLang="en-US"/>
           </a:p>
           <a:p>
             <a:pPr lvl="2"/>
@@ -1253,7 +1255,6 @@
               <a:rPr lang="zh-CN" altLang="en-US"/>
               <a:t>三级</a:t>
             </a:r>
-            <a:endParaRPr lang="zh-CN" altLang="en-US"/>
           </a:p>
           <a:p>
             <a:pPr lvl="3"/>
@@ -1261,7 +1262,6 @@
               <a:rPr lang="zh-CN" altLang="en-US"/>
               <a:t>四级</a:t>
             </a:r>
-            <a:endParaRPr lang="zh-CN" altLang="en-US"/>
           </a:p>
           <a:p>
             <a:pPr lvl="4"/>
@@ -1290,6 +1290,7 @@
           <a:p>
             <a:fld id="{9090961F-81B2-4CFB-84FD-AF7ECE47B161}" type="datetimeFigureOut">
               <a:rPr lang="en-US" smtClean="0"/>
+              <a:t>6/3/2023</a:t>
             </a:fld>
             <a:endParaRPr lang="en-US"/>
           </a:p>
@@ -1331,6 +1332,7 @@
           <a:p>
             <a:fld id="{A99C9C7D-7003-4447-BFFF-591691C57972}" type="slidenum">
               <a:rPr lang="en-US" smtClean="0"/>
+              <a:t>‹#›</a:t>
             </a:fld>
             <a:endParaRPr lang="en-US"/>
           </a:p>
@@ -1509,7 +1511,6 @@
               <a:rPr lang="zh-CN" altLang="en-US"/>
               <a:t>单击此处编辑母版文本样式</a:t>
             </a:r>
-            <a:endParaRPr lang="zh-CN" altLang="en-US"/>
           </a:p>
         </p:txBody>
       </p:sp>
@@ -1530,6 +1531,7 @@
           <a:p>
             <a:fld id="{9090961F-81B2-4CFB-84FD-AF7ECE47B161}" type="datetimeFigureOut">
               <a:rPr lang="en-US" smtClean="0"/>
+              <a:t>6/3/2023</a:t>
             </a:fld>
             <a:endParaRPr lang="en-US"/>
           </a:p>
@@ -1571,6 +1573,7 @@
           <a:p>
             <a:fld id="{A99C9C7D-7003-4447-BFFF-591691C57972}" type="slidenum">
               <a:rPr lang="en-US" smtClean="0"/>
+              <a:t>‹#›</a:t>
             </a:fld>
             <a:endParaRPr lang="en-US"/>
           </a:p>
@@ -1649,7 +1652,6 @@
               <a:rPr lang="zh-CN" altLang="en-US"/>
               <a:t>单击此处编辑母版文本样式</a:t>
             </a:r>
-            <a:endParaRPr lang="zh-CN" altLang="en-US"/>
           </a:p>
           <a:p>
             <a:pPr lvl="1"/>
@@ -1657,7 +1659,6 @@
               <a:rPr lang="zh-CN" altLang="en-US"/>
               <a:t>二级</a:t>
             </a:r>
-            <a:endParaRPr lang="zh-CN" altLang="en-US"/>
           </a:p>
           <a:p>
             <a:pPr lvl="2"/>
@@ -1665,7 +1666,6 @@
               <a:rPr lang="zh-CN" altLang="en-US"/>
               <a:t>三级</a:t>
             </a:r>
-            <a:endParaRPr lang="zh-CN" altLang="en-US"/>
           </a:p>
           <a:p>
             <a:pPr lvl="3"/>
@@ -1673,7 +1673,6 @@
               <a:rPr lang="zh-CN" altLang="en-US"/>
               <a:t>四级</a:t>
             </a:r>
-            <a:endParaRPr lang="zh-CN" altLang="en-US"/>
           </a:p>
           <a:p>
             <a:pPr lvl="4"/>
@@ -1710,7 +1709,6 @@
               <a:rPr lang="zh-CN" altLang="en-US"/>
               <a:t>单击此处编辑母版文本样式</a:t>
             </a:r>
-            <a:endParaRPr lang="zh-CN" altLang="en-US"/>
           </a:p>
           <a:p>
             <a:pPr lvl="1"/>
@@ -1718,7 +1716,6 @@
               <a:rPr lang="zh-CN" altLang="en-US"/>
               <a:t>二级</a:t>
             </a:r>
-            <a:endParaRPr lang="zh-CN" altLang="en-US"/>
           </a:p>
           <a:p>
             <a:pPr lvl="2"/>
@@ -1726,7 +1723,6 @@
               <a:rPr lang="zh-CN" altLang="en-US"/>
               <a:t>三级</a:t>
             </a:r>
-            <a:endParaRPr lang="zh-CN" altLang="en-US"/>
           </a:p>
           <a:p>
             <a:pPr lvl="3"/>
@@ -1734,7 +1730,6 @@
               <a:rPr lang="zh-CN" altLang="en-US"/>
               <a:t>四级</a:t>
             </a:r>
-            <a:endParaRPr lang="zh-CN" altLang="en-US"/>
           </a:p>
           <a:p>
             <a:pPr lvl="4"/>
@@ -1763,6 +1758,7 @@
           <a:p>
             <a:fld id="{9090961F-81B2-4CFB-84FD-AF7ECE47B161}" type="datetimeFigureOut">
               <a:rPr lang="en-US" smtClean="0"/>
+              <a:t>6/3/2023</a:t>
             </a:fld>
             <a:endParaRPr lang="en-US"/>
           </a:p>
@@ -1804,6 +1800,7 @@
           <a:p>
             <a:fld id="{A99C9C7D-7003-4447-BFFF-591691C57972}" type="slidenum">
               <a:rPr lang="en-US" smtClean="0"/>
+              <a:t>‹#›</a:t>
             </a:fld>
             <a:endParaRPr lang="en-US"/>
           </a:p>
@@ -1924,7 +1921,6 @@
               <a:rPr lang="zh-CN" altLang="en-US"/>
               <a:t>单击此处编辑母版文本样式</a:t>
             </a:r>
-            <a:endParaRPr lang="zh-CN" altLang="en-US"/>
           </a:p>
         </p:txBody>
       </p:sp>
@@ -1953,7 +1949,6 @@
               <a:rPr lang="zh-CN" altLang="en-US"/>
               <a:t>单击此处编辑母版文本样式</a:t>
             </a:r>
-            <a:endParaRPr lang="zh-CN" altLang="en-US"/>
           </a:p>
           <a:p>
             <a:pPr lvl="1"/>
@@ -1961,7 +1956,6 @@
               <a:rPr lang="zh-CN" altLang="en-US"/>
               <a:t>二级</a:t>
             </a:r>
-            <a:endParaRPr lang="zh-CN" altLang="en-US"/>
           </a:p>
           <a:p>
             <a:pPr lvl="2"/>
@@ -1969,7 +1963,6 @@
               <a:rPr lang="zh-CN" altLang="en-US"/>
               <a:t>三级</a:t>
             </a:r>
-            <a:endParaRPr lang="zh-CN" altLang="en-US"/>
           </a:p>
           <a:p>
             <a:pPr lvl="3"/>
@@ -1977,7 +1970,6 @@
               <a:rPr lang="zh-CN" altLang="en-US"/>
               <a:t>四级</a:t>
             </a:r>
-            <a:endParaRPr lang="zh-CN" altLang="en-US"/>
           </a:p>
           <a:p>
             <a:pPr lvl="4"/>
@@ -2051,7 +2043,6 @@
               <a:rPr lang="zh-CN" altLang="en-US"/>
               <a:t>单击此处编辑母版文本样式</a:t>
             </a:r>
-            <a:endParaRPr lang="zh-CN" altLang="en-US"/>
           </a:p>
         </p:txBody>
       </p:sp>
@@ -2080,7 +2071,6 @@
               <a:rPr lang="zh-CN" altLang="en-US"/>
               <a:t>单击此处编辑母版文本样式</a:t>
             </a:r>
-            <a:endParaRPr lang="zh-CN" altLang="en-US"/>
           </a:p>
           <a:p>
             <a:pPr lvl="1"/>
@@ -2088,7 +2078,6 @@
               <a:rPr lang="zh-CN" altLang="en-US"/>
               <a:t>二级</a:t>
             </a:r>
-            <a:endParaRPr lang="zh-CN" altLang="en-US"/>
           </a:p>
           <a:p>
             <a:pPr lvl="2"/>
@@ -2096,7 +2085,6 @@
               <a:rPr lang="zh-CN" altLang="en-US"/>
               <a:t>三级</a:t>
             </a:r>
-            <a:endParaRPr lang="zh-CN" altLang="en-US"/>
           </a:p>
           <a:p>
             <a:pPr lvl="3"/>
@@ -2104,7 +2092,6 @@
               <a:rPr lang="zh-CN" altLang="en-US"/>
               <a:t>四级</a:t>
             </a:r>
-            <a:endParaRPr lang="zh-CN" altLang="en-US"/>
           </a:p>
           <a:p>
             <a:pPr lvl="4"/>
@@ -2133,6 +2120,7 @@
           <a:p>
             <a:fld id="{9090961F-81B2-4CFB-84FD-AF7ECE47B161}" type="datetimeFigureOut">
               <a:rPr lang="en-US" smtClean="0"/>
+              <a:t>6/3/2023</a:t>
             </a:fld>
             <a:endParaRPr lang="en-US"/>
           </a:p>
@@ -2174,6 +2162,7 @@
           <a:p>
             <a:fld id="{A99C9C7D-7003-4447-BFFF-591691C57972}" type="slidenum">
               <a:rPr lang="en-US" smtClean="0"/>
+              <a:t>‹#›</a:t>
             </a:fld>
             <a:endParaRPr lang="en-US"/>
           </a:p>
@@ -2244,6 +2233,7 @@
           <a:p>
             <a:fld id="{9090961F-81B2-4CFB-84FD-AF7ECE47B161}" type="datetimeFigureOut">
               <a:rPr lang="en-US" smtClean="0"/>
+              <a:t>6/3/2023</a:t>
             </a:fld>
             <a:endParaRPr lang="en-US"/>
           </a:p>
@@ -2285,6 +2275,7 @@
           <a:p>
             <a:fld id="{A99C9C7D-7003-4447-BFFF-591691C57972}" type="slidenum">
               <a:rPr lang="en-US" smtClean="0"/>
+              <a:t>‹#›</a:t>
             </a:fld>
             <a:endParaRPr lang="en-US"/>
           </a:p>
@@ -2332,6 +2323,7 @@
           <a:p>
             <a:fld id="{9090961F-81B2-4CFB-84FD-AF7ECE47B161}" type="datetimeFigureOut">
               <a:rPr lang="en-US" smtClean="0"/>
+              <a:t>6/3/2023</a:t>
             </a:fld>
             <a:endParaRPr lang="en-US"/>
           </a:p>
@@ -2373,6 +2365,7 @@
           <a:p>
             <a:fld id="{A99C9C7D-7003-4447-BFFF-591691C57972}" type="slidenum">
               <a:rPr lang="en-US" smtClean="0"/>
+              <a:t>‹#›</a:t>
             </a:fld>
             <a:endParaRPr lang="en-US"/>
           </a:p>
@@ -2488,7 +2481,6 @@
               <a:rPr lang="zh-CN" altLang="en-US"/>
               <a:t>单击此处编辑母版文本样式</a:t>
             </a:r>
-            <a:endParaRPr lang="zh-CN" altLang="en-US"/>
           </a:p>
           <a:p>
             <a:pPr lvl="1"/>
@@ -2496,7 +2488,6 @@
               <a:rPr lang="zh-CN" altLang="en-US"/>
               <a:t>二级</a:t>
             </a:r>
-            <a:endParaRPr lang="zh-CN" altLang="en-US"/>
           </a:p>
           <a:p>
             <a:pPr lvl="2"/>
@@ -2504,7 +2495,6 @@
               <a:rPr lang="zh-CN" altLang="en-US"/>
               <a:t>三级</a:t>
             </a:r>
-            <a:endParaRPr lang="zh-CN" altLang="en-US"/>
           </a:p>
           <a:p>
             <a:pPr lvl="3"/>
@@ -2512,7 +2502,6 @@
               <a:rPr lang="zh-CN" altLang="en-US"/>
               <a:t>四级</a:t>
             </a:r>
-            <a:endParaRPr lang="zh-CN" altLang="en-US"/>
           </a:p>
           <a:p>
             <a:pPr lvl="4"/>
@@ -2586,7 +2575,6 @@
               <a:rPr lang="zh-CN" altLang="en-US"/>
               <a:t>单击此处编辑母版文本样式</a:t>
             </a:r>
-            <a:endParaRPr lang="zh-CN" altLang="en-US"/>
           </a:p>
         </p:txBody>
       </p:sp>
@@ -2607,6 +2595,7 @@
           <a:p>
             <a:fld id="{9090961F-81B2-4CFB-84FD-AF7ECE47B161}" type="datetimeFigureOut">
               <a:rPr lang="en-US" smtClean="0"/>
+              <a:t>6/3/2023</a:t>
             </a:fld>
             <a:endParaRPr lang="en-US"/>
           </a:p>
@@ -2648,6 +2637,7 @@
           <a:p>
             <a:fld id="{A99C9C7D-7003-4447-BFFF-591691C57972}" type="slidenum">
               <a:rPr lang="en-US" smtClean="0"/>
+              <a:t>‹#›</a:t>
             </a:fld>
             <a:endParaRPr lang="en-US"/>
           </a:p>
@@ -2833,7 +2823,6 @@
               <a:rPr lang="zh-CN" altLang="en-US"/>
               <a:t>单击此处编辑母版文本样式</a:t>
             </a:r>
-            <a:endParaRPr lang="zh-CN" altLang="en-US"/>
           </a:p>
         </p:txBody>
       </p:sp>
@@ -2854,6 +2843,7 @@
           <a:p>
             <a:fld id="{9090961F-81B2-4CFB-84FD-AF7ECE47B161}" type="datetimeFigureOut">
               <a:rPr lang="en-US" smtClean="0"/>
+              <a:t>6/3/2023</a:t>
             </a:fld>
             <a:endParaRPr lang="en-US"/>
           </a:p>
@@ -2895,6 +2885,7 @@
           <a:p>
             <a:fld id="{A99C9C7D-7003-4447-BFFF-591691C57972}" type="slidenum">
               <a:rPr lang="en-US" smtClean="0"/>
+              <a:t>‹#›</a:t>
             </a:fld>
             <a:endParaRPr lang="en-US"/>
           </a:p>
@@ -2993,7 +2984,6 @@
               <a:rPr lang="zh-CN" altLang="en-US"/>
               <a:t>单击此处编辑母版文本样式</a:t>
             </a:r>
-            <a:endParaRPr lang="zh-CN" altLang="en-US"/>
           </a:p>
           <a:p>
             <a:pPr lvl="1"/>
@@ -3001,7 +2991,6 @@
               <a:rPr lang="zh-CN" altLang="en-US"/>
               <a:t>二级</a:t>
             </a:r>
-            <a:endParaRPr lang="zh-CN" altLang="en-US"/>
           </a:p>
           <a:p>
             <a:pPr lvl="2"/>
@@ -3009,7 +2998,6 @@
               <a:rPr lang="zh-CN" altLang="en-US"/>
               <a:t>三级</a:t>
             </a:r>
-            <a:endParaRPr lang="zh-CN" altLang="en-US"/>
           </a:p>
           <a:p>
             <a:pPr lvl="3"/>
@@ -3017,7 +3005,6 @@
               <a:rPr lang="zh-CN" altLang="en-US"/>
               <a:t>四级</a:t>
             </a:r>
-            <a:endParaRPr lang="zh-CN" altLang="en-US"/>
           </a:p>
           <a:p>
             <a:pPr lvl="4"/>
@@ -3064,6 +3051,7 @@
           <a:p>
             <a:fld id="{9090961F-81B2-4CFB-84FD-AF7ECE47B161}" type="datetimeFigureOut">
               <a:rPr lang="en-US" smtClean="0"/>
+              <a:t>6/3/2023</a:t>
             </a:fld>
             <a:endParaRPr lang="en-US"/>
           </a:p>
@@ -3141,6 +3129,7 @@
           <a:p>
             <a:fld id="{A99C9C7D-7003-4447-BFFF-591691C57972}" type="slidenum">
               <a:rPr lang="en-US" smtClean="0"/>
+              <a:t>‹#›</a:t>
             </a:fld>
             <a:endParaRPr lang="en-US"/>
           </a:p>
@@ -3524,7 +3513,6 @@
               <a:rPr lang="en-GB" dirty="0"/>
               <a:t>Data Structures and Algorithms</a:t>
             </a:r>
-            <a:endParaRPr lang="en-GB" dirty="0"/>
           </a:p>
           <a:p>
             <a:pPr>
@@ -3545,13 +3533,6 @@
               </a:rPr>
               <a:t>Nanjing University, Fall 2021</a:t>
             </a:r>
-            <a:endParaRPr lang="en-GB" sz="2000" dirty="0">
-              <a:solidFill>
-                <a:schemeClr val="bg2">
-                  <a:lumMod val="50000"/>
-                </a:schemeClr>
-              </a:solidFill>
-            </a:endParaRPr>
           </a:p>
           <a:p>
             <a:pPr>
@@ -3591,6 +3572,1276 @@
 </file>
 
 <file path=ppt/slides/slide10.xml><?xml version="1.0" encoding="utf-8"?>
+<p:sld xmlns:a="http://schemas.openxmlformats.org/drawingml/2006/main" xmlns:r="http://schemas.openxmlformats.org/officeDocument/2006/relationships" xmlns:p="http://schemas.openxmlformats.org/presentationml/2006/main">
+  <p:cSld>
+    <p:spTree>
+      <p:nvGrpSpPr>
+        <p:cNvPr id="1" name=""/>
+        <p:cNvGrpSpPr/>
+        <p:nvPr/>
+      </p:nvGrpSpPr>
+      <p:grpSpPr>
+        <a:xfrm>
+          <a:off x="0" y="0"/>
+          <a:ext cx="0" cy="0"/>
+          <a:chOff x="0" y="0"/>
+          <a:chExt cx="0" cy="0"/>
+        </a:xfrm>
+      </p:grpSpPr>
+      <p:sp>
+        <p:nvSpPr>
+          <p:cNvPr id="2" name="标题 1"/>
+          <p:cNvSpPr>
+            <a:spLocks noGrp="1"/>
+          </p:cNvSpPr>
+          <p:nvPr>
+            <p:ph type="title"/>
+          </p:nvPr>
+        </p:nvSpPr>
+        <p:spPr/>
+        <p:txBody>
+          <a:bodyPr/>
+          <a:lstStyle/>
+          <a:p>
+            <a:r>
+              <a:rPr lang="en-US" dirty="0"/>
+              <a:t>Tree Traversals</a:t>
+            </a:r>
+          </a:p>
+        </p:txBody>
+      </p:sp>
+      <mc:AlternateContent xmlns:mc="http://schemas.openxmlformats.org/markup-compatibility/2006" xmlns:a14="http://schemas.microsoft.com/office/drawing/2010/main">
+        <mc:Choice Requires="a14">
+          <p:sp>
+            <p:nvSpPr>
+              <p:cNvPr id="3" name="内容占位符 2"/>
+              <p:cNvSpPr>
+                <a:spLocks noGrp="1"/>
+              </p:cNvSpPr>
+              <p:nvPr>
+                <p:ph idx="1"/>
+              </p:nvPr>
+            </p:nvSpPr>
+            <p:spPr>
+              <a:xfrm>
+                <a:off x="628650" y="1690689"/>
+                <a:ext cx="7886700" cy="4802185"/>
+              </a:xfrm>
+            </p:spPr>
+            <p:txBody>
+              <a:bodyPr>
+                <a:normAutofit/>
+              </a:bodyPr>
+              <a:lstStyle/>
+              <a:p>
+                <a:pPr>
+                  <a:spcBef>
+                    <a:spcPts val="600"/>
+                  </a:spcBef>
+                </a:pPr>
+                <a:r>
+                  <a:rPr lang="en-US" sz="2400" dirty="0"/>
+                  <a:t>Suppose we want to visit all nodes of a tree…</a:t>
+                </a:r>
+              </a:p>
+              <a:p>
+                <a:pPr>
+                  <a:spcBef>
+                    <a:spcPts val="600"/>
+                  </a:spcBef>
+                </a:pPr>
+                <a:r>
+                  <a:rPr lang="en-US" sz="2400" dirty="0"/>
+                  <a:t>Recall the </a:t>
+                </a:r>
+                <a:r>
+                  <a:rPr lang="en-US" sz="2400" i="1" dirty="0"/>
+                  <a:t>recursive</a:t>
+                </a:r>
+                <a:r>
+                  <a:rPr lang="en-US" sz="2400" dirty="0"/>
+                  <a:t> definition of trees: </a:t>
+                </a:r>
+                <a:r>
+                  <a:rPr lang="en-US" sz="2000" dirty="0"/>
+                  <a:t>a tree is either empty, or has a root connecting to the roots of zero or more non-empty subtrees.</a:t>
+                </a:r>
+              </a:p>
+              <a:p>
+                <a:pPr>
+                  <a:spcBef>
+                    <a:spcPts val="600"/>
+                  </a:spcBef>
+                </a:pPr>
+                <a:r>
+                  <a:rPr lang="en-US" sz="2400" dirty="0"/>
+                  <a:t>Many ways to traverse a tree (recursively):</a:t>
+                </a:r>
+              </a:p>
+              <a:p>
+                <a:pPr lvl="1">
+                  <a:spcBef>
+                    <a:spcPts val="300"/>
+                  </a:spcBef>
+                </a:pPr>
+                <a:r>
+                  <a:rPr lang="en-US" sz="2000" b="1" dirty="0">
+                    <a:solidFill>
+                      <a:srgbClr val="C00000"/>
+                    </a:solidFill>
+                  </a:rPr>
+                  <a:t>Preorder traversal:</a:t>
+                </a:r>
+                <a:r>
+                  <a:rPr lang="en-US" sz="2000" dirty="0"/>
+                  <a:t> given a tree with root </a:t>
+                </a:r>
+                <a14:m>
+                  <m:oMath xmlns:m="http://schemas.openxmlformats.org/officeDocument/2006/math">
+                    <m:r>
+                      <a:rPr lang="en-US" sz="2000" i="1">
+                        <a:latin typeface="Cambria Math" panose="02040503050406030204" pitchFamily="18" charset="0"/>
+                      </a:rPr>
+                      <m:t>𝑟</m:t>
+                    </m:r>
+                  </m:oMath>
+                </a14:m>
+                <a:r>
+                  <a:rPr lang="en-US" sz="2000" dirty="0"/>
+                  <a:t>, first visit </a:t>
+                </a:r>
+                <a14:m>
+                  <m:oMath xmlns:m="http://schemas.openxmlformats.org/officeDocument/2006/math">
+                    <m:r>
+                      <a:rPr lang="en-US" sz="2000" b="0" i="1" smtClean="0">
+                        <a:latin typeface="Cambria Math" panose="02040503050406030204" pitchFamily="18" charset="0"/>
+                      </a:rPr>
+                      <m:t>𝑟</m:t>
+                    </m:r>
+                  </m:oMath>
+                </a14:m>
+                <a:r>
+                  <a:rPr lang="en-US" sz="2000" dirty="0"/>
+                  <a:t>, then visit subtrees rooted at </a:t>
+                </a:r>
+                <a14:m>
+                  <m:oMath xmlns:m="http://schemas.openxmlformats.org/officeDocument/2006/math">
+                    <m:r>
+                      <a:rPr lang="en-US" sz="2000" b="0" i="1" smtClean="0">
+                        <a:latin typeface="Cambria Math" panose="02040503050406030204" pitchFamily="18" charset="0"/>
+                      </a:rPr>
+                      <m:t>𝑟</m:t>
+                    </m:r>
+                  </m:oMath>
+                </a14:m>
+                <a:r>
+                  <a:rPr lang="en-US" sz="2000" dirty="0"/>
+                  <a:t>’s children, using preorder traversal.</a:t>
+                </a:r>
+              </a:p>
+              <a:p>
+                <a:pPr lvl="1">
+                  <a:spcBef>
+                    <a:spcPts val="300"/>
+                  </a:spcBef>
+                </a:pPr>
+                <a:r>
+                  <a:rPr lang="en-US" sz="2000" b="1" dirty="0">
+                    <a:solidFill>
+                      <a:srgbClr val="C00000"/>
+                    </a:solidFill>
+                  </a:rPr>
+                  <a:t>Postorder traversal:</a:t>
+                </a:r>
+                <a:r>
+                  <a:rPr lang="en-US" sz="2000" dirty="0"/>
+                  <a:t> given a tree with root </a:t>
+                </a:r>
+                <a14:m>
+                  <m:oMath xmlns:m="http://schemas.openxmlformats.org/officeDocument/2006/math">
+                    <m:r>
+                      <a:rPr lang="en-US" sz="2000" i="1">
+                        <a:latin typeface="Cambria Math" panose="02040503050406030204" pitchFamily="18" charset="0"/>
+                      </a:rPr>
+                      <m:t>𝑟</m:t>
+                    </m:r>
+                  </m:oMath>
+                </a14:m>
+                <a:r>
+                  <a:rPr lang="en-US" sz="2000" dirty="0"/>
+                  <a:t>, first visit subtrees rooted at </a:t>
+                </a:r>
+                <a14:m>
+                  <m:oMath xmlns:m="http://schemas.openxmlformats.org/officeDocument/2006/math">
+                    <m:r>
+                      <a:rPr lang="en-US" sz="2000" i="1">
+                        <a:latin typeface="Cambria Math" panose="02040503050406030204" pitchFamily="18" charset="0"/>
+                      </a:rPr>
+                      <m:t>𝑟</m:t>
+                    </m:r>
+                  </m:oMath>
+                </a14:m>
+                <a:r>
+                  <a:rPr lang="en-US" sz="2000" dirty="0"/>
+                  <a:t>’s children using postorder traversal, then visit </a:t>
+                </a:r>
+                <a14:m>
+                  <m:oMath xmlns:m="http://schemas.openxmlformats.org/officeDocument/2006/math">
+                    <m:r>
+                      <a:rPr lang="en-US" sz="2000" i="1">
+                        <a:latin typeface="Cambria Math" panose="02040503050406030204" pitchFamily="18" charset="0"/>
+                      </a:rPr>
+                      <m:t>𝑟</m:t>
+                    </m:r>
+                  </m:oMath>
+                </a14:m>
+                <a:r>
+                  <a:rPr lang="en-US" sz="2000" dirty="0"/>
+                  <a:t>.</a:t>
+                </a:r>
+              </a:p>
+              <a:p>
+                <a:pPr lvl="1">
+                  <a:spcBef>
+                    <a:spcPts val="300"/>
+                  </a:spcBef>
+                </a:pPr>
+                <a:r>
+                  <a:rPr lang="en-US" sz="2000" b="1" dirty="0">
+                    <a:solidFill>
+                      <a:srgbClr val="C00000"/>
+                    </a:solidFill>
+                  </a:rPr>
+                  <a:t>Inorder traversal:</a:t>
+                </a:r>
+                <a:r>
+                  <a:rPr lang="en-US" sz="2000" dirty="0"/>
+                  <a:t> given a </a:t>
+                </a:r>
+                <a:r>
+                  <a:rPr lang="en-US" sz="2000" i="1" dirty="0">
+                    <a:solidFill>
+                      <a:schemeClr val="accent1">
+                        <a:lumMod val="75000"/>
+                      </a:schemeClr>
+                    </a:solidFill>
+                  </a:rPr>
+                  <a:t>binary</a:t>
+                </a:r>
+                <a:r>
+                  <a:rPr lang="en-US" sz="2000" dirty="0"/>
+                  <a:t> tree with root </a:t>
+                </a:r>
+                <a14:m>
+                  <m:oMath xmlns:m="http://schemas.openxmlformats.org/officeDocument/2006/math">
+                    <m:r>
+                      <a:rPr lang="en-US" sz="2000" i="1">
+                        <a:latin typeface="Cambria Math" panose="02040503050406030204" pitchFamily="18" charset="0"/>
+                      </a:rPr>
+                      <m:t>𝑟</m:t>
+                    </m:r>
+                  </m:oMath>
+                </a14:m>
+                <a:r>
+                  <a:rPr lang="en-US" sz="2000" dirty="0"/>
+                  <a:t>, first visit subtree rooted at </a:t>
+                </a:r>
+                <a14:m>
+                  <m:oMath xmlns:m="http://schemas.openxmlformats.org/officeDocument/2006/math">
+                    <m:r>
+                      <a:rPr lang="en-US" sz="2000" i="1">
+                        <a:latin typeface="Cambria Math" panose="02040503050406030204" pitchFamily="18" charset="0"/>
+                      </a:rPr>
+                      <m:t>𝑟</m:t>
+                    </m:r>
+                    <m:r>
+                      <a:rPr lang="en-US" sz="2000" b="0" i="1" smtClean="0">
+                        <a:latin typeface="Cambria Math" panose="02040503050406030204" pitchFamily="18" charset="0"/>
+                      </a:rPr>
+                      <m:t>.</m:t>
+                    </m:r>
+                    <m:r>
+                      <a:rPr lang="en-US" sz="2000" b="0" i="1" smtClean="0">
+                        <a:latin typeface="Cambria Math" panose="02040503050406030204" pitchFamily="18" charset="0"/>
+                      </a:rPr>
+                      <m:t>𝑙𝑒𝑓𝑡</m:t>
+                    </m:r>
+                  </m:oMath>
+                </a14:m>
+                <a:r>
+                  <a:rPr lang="en-US" sz="2000" dirty="0"/>
+                  <a:t>, then visit </a:t>
+                </a:r>
+                <a14:m>
+                  <m:oMath xmlns:m="http://schemas.openxmlformats.org/officeDocument/2006/math">
+                    <m:r>
+                      <a:rPr lang="en-US" sz="2000" i="1">
+                        <a:latin typeface="Cambria Math" panose="02040503050406030204" pitchFamily="18" charset="0"/>
+                      </a:rPr>
+                      <m:t>𝑟</m:t>
+                    </m:r>
+                  </m:oMath>
+                </a14:m>
+                <a:r>
+                  <a:rPr lang="en-US" sz="2000" dirty="0"/>
+                  <a:t>, finally visit subtree rooted at </a:t>
+                </a:r>
+                <a14:m>
+                  <m:oMath xmlns:m="http://schemas.openxmlformats.org/officeDocument/2006/math">
+                    <m:r>
+                      <a:rPr lang="en-US" sz="2000" i="1">
+                        <a:latin typeface="Cambria Math" panose="02040503050406030204" pitchFamily="18" charset="0"/>
+                      </a:rPr>
+                      <m:t>𝑟</m:t>
+                    </m:r>
+                    <m:r>
+                      <a:rPr lang="en-US" sz="2000" b="0" i="1" smtClean="0">
+                        <a:latin typeface="Cambria Math" panose="02040503050406030204" pitchFamily="18" charset="0"/>
+                      </a:rPr>
+                      <m:t>.</m:t>
+                    </m:r>
+                    <m:r>
+                      <a:rPr lang="en-US" sz="2000" b="0" i="1" smtClean="0">
+                        <a:latin typeface="Cambria Math" panose="02040503050406030204" pitchFamily="18" charset="0"/>
+                      </a:rPr>
+                      <m:t>𝑟𝑖𝑔h𝑡</m:t>
+                    </m:r>
+                  </m:oMath>
+                </a14:m>
+                <a:r>
+                  <a:rPr lang="en-US" sz="2000" dirty="0"/>
+                  <a:t>.</a:t>
+                </a:r>
+              </a:p>
+            </p:txBody>
+          </p:sp>
+        </mc:Choice>
+        <mc:Fallback xmlns="">
+          <p:sp>
+            <p:nvSpPr>
+              <p:cNvPr id="3" name="内容占位符 2"/>
+              <p:cNvSpPr>
+                <a:spLocks noRot="1" noChangeAspect="1" noMove="1" noResize="1" noEditPoints="1" noAdjustHandles="1" noChangeArrowheads="1" noChangeShapeType="1" noTextEdit="1"/>
+              </p:cNvSpPr>
+              <p:nvPr>
+                <p:ph idx="1"/>
+              </p:nvPr>
+            </p:nvSpPr>
+            <p:spPr>
+              <a:xfrm>
+                <a:off x="628650" y="1690689"/>
+                <a:ext cx="7886700" cy="4802185"/>
+              </a:xfrm>
+              <a:blipFill rotWithShape="1">
+                <a:blip r:embed="rId2"/>
+                <a:stretch>
+                  <a:fillRect t="-7" b="13"/>
+                </a:stretch>
+              </a:blipFill>
+            </p:spPr>
+            <p:txBody>
+              <a:bodyPr/>
+              <a:lstStyle/>
+              <a:p>
+                <a:r>
+                  <a:rPr lang="zh-CN" altLang="en-US">
+                    <a:noFill/>
+                  </a:rPr>
+                  <a:t> </a:t>
+                </a:r>
+              </a:p>
+            </p:txBody>
+          </p:sp>
+        </mc:Fallback>
+      </mc:AlternateContent>
+      <p:sp>
+        <p:nvSpPr>
+          <p:cNvPr id="4" name="矩形 3"/>
+          <p:cNvSpPr/>
+          <p:nvPr/>
+        </p:nvSpPr>
+        <p:spPr>
+          <a:xfrm>
+            <a:off x="628650" y="1381991"/>
+            <a:ext cx="3642014" cy="1401329"/>
+          </a:xfrm>
+          <a:prstGeom prst="rect">
+            <a:avLst/>
+          </a:prstGeom>
+          <a:solidFill>
+            <a:schemeClr val="bg1">
+              <a:lumMod val="95000"/>
+            </a:schemeClr>
+          </a:solidFill>
+          <a:ln>
+            <a:solidFill>
+              <a:schemeClr val="tx1"/>
+            </a:solidFill>
+          </a:ln>
+        </p:spPr>
+        <p:style>
+          <a:lnRef idx="2">
+            <a:schemeClr val="accent1">
+              <a:shade val="50000"/>
+            </a:schemeClr>
+          </a:lnRef>
+          <a:fillRef idx="1">
+            <a:schemeClr val="accent1"/>
+          </a:fillRef>
+          <a:effectRef idx="0">
+            <a:schemeClr val="accent1"/>
+          </a:effectRef>
+          <a:fontRef idx="minor">
+            <a:schemeClr val="lt1"/>
+          </a:fontRef>
+        </p:style>
+        <p:txBody>
+          <a:bodyPr rtlCol="0" anchor="t"/>
+          <a:lstStyle/>
+          <a:p>
+            <a:pPr>
+              <a:spcAft>
+                <a:spcPts val="600"/>
+              </a:spcAft>
+            </a:pPr>
+            <a:r>
+              <a:rPr lang="en-GB" b="1" u="sng" dirty="0" err="1">
+                <a:solidFill>
+                  <a:schemeClr val="tx1"/>
+                </a:solidFill>
+              </a:rPr>
+              <a:t>PreorderTrav</a:t>
+            </a:r>
+            <a:r>
+              <a:rPr lang="en-GB" b="1" u="sng" dirty="0">
+                <a:solidFill>
+                  <a:schemeClr val="tx1"/>
+                </a:solidFill>
+              </a:rPr>
+              <a:t>(r):</a:t>
+            </a:r>
+          </a:p>
+          <a:p>
+            <a:pPr>
+              <a:lnSpc>
+                <a:spcPct val="90000"/>
+              </a:lnSpc>
+            </a:pPr>
+            <a:r>
+              <a:rPr lang="en-GB" dirty="0">
+                <a:solidFill>
+                  <a:schemeClr val="tx1"/>
+                </a:solidFill>
+                <a:latin typeface="Courier New" panose="02070309020205020404" pitchFamily="49" charset="0"/>
+                <a:cs typeface="Courier New" panose="02070309020205020404" pitchFamily="49" charset="0"/>
+              </a:rPr>
+              <a:t>if (r != NULL)</a:t>
+            </a:r>
+          </a:p>
+          <a:p>
+            <a:pPr>
+              <a:lnSpc>
+                <a:spcPct val="90000"/>
+              </a:lnSpc>
+            </a:pPr>
+            <a:r>
+              <a:rPr lang="en-GB" dirty="0">
+                <a:solidFill>
+                  <a:schemeClr val="tx1"/>
+                </a:solidFill>
+                <a:latin typeface="Courier New" panose="02070309020205020404" pitchFamily="49" charset="0"/>
+                <a:cs typeface="Courier New" panose="02070309020205020404" pitchFamily="49" charset="0"/>
+              </a:rPr>
+              <a:t>  Visit(r)</a:t>
+            </a:r>
+          </a:p>
+          <a:p>
+            <a:pPr>
+              <a:lnSpc>
+                <a:spcPct val="90000"/>
+              </a:lnSpc>
+            </a:pPr>
+            <a:r>
+              <a:rPr lang="en-GB" dirty="0">
+                <a:solidFill>
+                  <a:schemeClr val="tx1"/>
+                </a:solidFill>
+                <a:latin typeface="Courier New" panose="02070309020205020404" pitchFamily="49" charset="0"/>
+                <a:cs typeface="Courier New" panose="02070309020205020404" pitchFamily="49" charset="0"/>
+              </a:rPr>
+              <a:t>  for (each child u of r)</a:t>
+            </a:r>
+          </a:p>
+          <a:p>
+            <a:pPr>
+              <a:lnSpc>
+                <a:spcPct val="90000"/>
+              </a:lnSpc>
+            </a:pPr>
+            <a:r>
+              <a:rPr lang="en-GB" dirty="0">
+                <a:solidFill>
+                  <a:schemeClr val="tx1"/>
+                </a:solidFill>
+                <a:latin typeface="Courier New" panose="02070309020205020404" pitchFamily="49" charset="0"/>
+                <a:cs typeface="Courier New" panose="02070309020205020404" pitchFamily="49" charset="0"/>
+              </a:rPr>
+              <a:t>    </a:t>
+            </a:r>
+            <a:r>
+              <a:rPr lang="en-GB" dirty="0" err="1">
+                <a:solidFill>
+                  <a:schemeClr val="tx1"/>
+                </a:solidFill>
+                <a:latin typeface="Courier New" panose="02070309020205020404" pitchFamily="49" charset="0"/>
+                <a:cs typeface="Courier New" panose="02070309020205020404" pitchFamily="49" charset="0"/>
+              </a:rPr>
+              <a:t>PreorderTrav</a:t>
+            </a:r>
+            <a:r>
+              <a:rPr lang="en-GB" dirty="0">
+                <a:solidFill>
+                  <a:schemeClr val="tx1"/>
+                </a:solidFill>
+                <a:latin typeface="Courier New" panose="02070309020205020404" pitchFamily="49" charset="0"/>
+                <a:cs typeface="Courier New" panose="02070309020205020404" pitchFamily="49" charset="0"/>
+              </a:rPr>
+              <a:t>(u)</a:t>
+            </a:r>
+          </a:p>
+        </p:txBody>
+      </p:sp>
+      <p:sp>
+        <p:nvSpPr>
+          <p:cNvPr id="5" name="矩形 4"/>
+          <p:cNvSpPr/>
+          <p:nvPr/>
+        </p:nvSpPr>
+        <p:spPr>
+          <a:xfrm>
+            <a:off x="4873338" y="1381991"/>
+            <a:ext cx="3642014" cy="1401329"/>
+          </a:xfrm>
+          <a:prstGeom prst="rect">
+            <a:avLst/>
+          </a:prstGeom>
+          <a:solidFill>
+            <a:schemeClr val="bg1">
+              <a:lumMod val="95000"/>
+            </a:schemeClr>
+          </a:solidFill>
+          <a:ln>
+            <a:solidFill>
+              <a:schemeClr val="tx1"/>
+            </a:solidFill>
+          </a:ln>
+        </p:spPr>
+        <p:style>
+          <a:lnRef idx="2">
+            <a:schemeClr val="accent1">
+              <a:shade val="50000"/>
+            </a:schemeClr>
+          </a:lnRef>
+          <a:fillRef idx="1">
+            <a:schemeClr val="accent1"/>
+          </a:fillRef>
+          <a:effectRef idx="0">
+            <a:schemeClr val="accent1"/>
+          </a:effectRef>
+          <a:fontRef idx="minor">
+            <a:schemeClr val="lt1"/>
+          </a:fontRef>
+        </p:style>
+        <p:txBody>
+          <a:bodyPr rtlCol="0" anchor="t"/>
+          <a:lstStyle/>
+          <a:p>
+            <a:pPr>
+              <a:spcAft>
+                <a:spcPts val="600"/>
+              </a:spcAft>
+            </a:pPr>
+            <a:r>
+              <a:rPr lang="en-GB" b="1" u="sng" dirty="0" err="1">
+                <a:solidFill>
+                  <a:schemeClr val="tx1"/>
+                </a:solidFill>
+              </a:rPr>
+              <a:t>PostorderTrav</a:t>
+            </a:r>
+            <a:r>
+              <a:rPr lang="en-GB" b="1" u="sng" dirty="0">
+                <a:solidFill>
+                  <a:schemeClr val="tx1"/>
+                </a:solidFill>
+              </a:rPr>
+              <a:t>(r):</a:t>
+            </a:r>
+          </a:p>
+          <a:p>
+            <a:pPr>
+              <a:lnSpc>
+                <a:spcPct val="90000"/>
+              </a:lnSpc>
+            </a:pPr>
+            <a:r>
+              <a:rPr lang="en-GB" dirty="0">
+                <a:solidFill>
+                  <a:schemeClr val="tx1"/>
+                </a:solidFill>
+                <a:latin typeface="Courier New" panose="02070309020205020404" pitchFamily="49" charset="0"/>
+                <a:cs typeface="Courier New" panose="02070309020205020404" pitchFamily="49" charset="0"/>
+              </a:rPr>
+              <a:t>if (r != NULL)</a:t>
+            </a:r>
+          </a:p>
+          <a:p>
+            <a:pPr>
+              <a:lnSpc>
+                <a:spcPct val="90000"/>
+              </a:lnSpc>
+            </a:pPr>
+            <a:r>
+              <a:rPr lang="en-GB" dirty="0">
+                <a:solidFill>
+                  <a:schemeClr val="tx1"/>
+                </a:solidFill>
+                <a:latin typeface="Courier New" panose="02070309020205020404" pitchFamily="49" charset="0"/>
+                <a:cs typeface="Courier New" panose="02070309020205020404" pitchFamily="49" charset="0"/>
+              </a:rPr>
+              <a:t>  for (each child u of r)</a:t>
+            </a:r>
+          </a:p>
+          <a:p>
+            <a:pPr>
+              <a:lnSpc>
+                <a:spcPct val="90000"/>
+              </a:lnSpc>
+            </a:pPr>
+            <a:r>
+              <a:rPr lang="en-GB" dirty="0">
+                <a:solidFill>
+                  <a:schemeClr val="tx1"/>
+                </a:solidFill>
+                <a:latin typeface="Courier New" panose="02070309020205020404" pitchFamily="49" charset="0"/>
+                <a:cs typeface="Courier New" panose="02070309020205020404" pitchFamily="49" charset="0"/>
+              </a:rPr>
+              <a:t>    </a:t>
+            </a:r>
+            <a:r>
+              <a:rPr lang="en-GB" dirty="0" err="1">
+                <a:solidFill>
+                  <a:schemeClr val="tx1"/>
+                </a:solidFill>
+                <a:latin typeface="Courier New" panose="02070309020205020404" pitchFamily="49" charset="0"/>
+                <a:cs typeface="Courier New" panose="02070309020205020404" pitchFamily="49" charset="0"/>
+              </a:rPr>
+              <a:t>PostorderTrav</a:t>
+            </a:r>
+            <a:r>
+              <a:rPr lang="en-GB" dirty="0">
+                <a:solidFill>
+                  <a:schemeClr val="tx1"/>
+                </a:solidFill>
+                <a:latin typeface="Courier New" panose="02070309020205020404" pitchFamily="49" charset="0"/>
+                <a:cs typeface="Courier New" panose="02070309020205020404" pitchFamily="49" charset="0"/>
+              </a:rPr>
+              <a:t>(u)</a:t>
+            </a:r>
+          </a:p>
+          <a:p>
+            <a:pPr>
+              <a:lnSpc>
+                <a:spcPct val="90000"/>
+              </a:lnSpc>
+            </a:pPr>
+            <a:r>
+              <a:rPr lang="en-GB" dirty="0">
+                <a:solidFill>
+                  <a:schemeClr val="tx1"/>
+                </a:solidFill>
+                <a:latin typeface="Courier New" panose="02070309020205020404" pitchFamily="49" charset="0"/>
+                <a:cs typeface="Courier New" panose="02070309020205020404" pitchFamily="49" charset="0"/>
+              </a:rPr>
+              <a:t>  Visit(r)</a:t>
+            </a:r>
+          </a:p>
+        </p:txBody>
+      </p:sp>
+      <p:sp>
+        <p:nvSpPr>
+          <p:cNvPr id="6" name="矩形 5"/>
+          <p:cNvSpPr/>
+          <p:nvPr/>
+        </p:nvSpPr>
+        <p:spPr>
+          <a:xfrm>
+            <a:off x="2750993" y="5055465"/>
+            <a:ext cx="3642014" cy="1401329"/>
+          </a:xfrm>
+          <a:prstGeom prst="rect">
+            <a:avLst/>
+          </a:prstGeom>
+          <a:solidFill>
+            <a:schemeClr val="bg1">
+              <a:lumMod val="95000"/>
+            </a:schemeClr>
+          </a:solidFill>
+          <a:ln>
+            <a:solidFill>
+              <a:schemeClr val="tx1"/>
+            </a:solidFill>
+          </a:ln>
+        </p:spPr>
+        <p:style>
+          <a:lnRef idx="2">
+            <a:schemeClr val="accent1">
+              <a:shade val="50000"/>
+            </a:schemeClr>
+          </a:lnRef>
+          <a:fillRef idx="1">
+            <a:schemeClr val="accent1"/>
+          </a:fillRef>
+          <a:effectRef idx="0">
+            <a:schemeClr val="accent1"/>
+          </a:effectRef>
+          <a:fontRef idx="minor">
+            <a:schemeClr val="lt1"/>
+          </a:fontRef>
+        </p:style>
+        <p:txBody>
+          <a:bodyPr rtlCol="0" anchor="t"/>
+          <a:lstStyle/>
+          <a:p>
+            <a:pPr>
+              <a:spcAft>
+                <a:spcPts val="600"/>
+              </a:spcAft>
+            </a:pPr>
+            <a:r>
+              <a:rPr lang="en-GB" b="1" u="sng" dirty="0" err="1">
+                <a:solidFill>
+                  <a:schemeClr val="tx1"/>
+                </a:solidFill>
+              </a:rPr>
+              <a:t>InorderTrav</a:t>
+            </a:r>
+            <a:r>
+              <a:rPr lang="en-GB" b="1" u="sng" dirty="0">
+                <a:solidFill>
+                  <a:schemeClr val="tx1"/>
+                </a:solidFill>
+              </a:rPr>
+              <a:t>(r):</a:t>
+            </a:r>
+          </a:p>
+          <a:p>
+            <a:pPr>
+              <a:lnSpc>
+                <a:spcPct val="90000"/>
+              </a:lnSpc>
+            </a:pPr>
+            <a:r>
+              <a:rPr lang="en-GB" dirty="0">
+                <a:solidFill>
+                  <a:schemeClr val="tx1"/>
+                </a:solidFill>
+                <a:latin typeface="Courier New" panose="02070309020205020404" pitchFamily="49" charset="0"/>
+                <a:cs typeface="Courier New" panose="02070309020205020404" pitchFamily="49" charset="0"/>
+              </a:rPr>
+              <a:t>if (r != NULL)</a:t>
+            </a:r>
+          </a:p>
+          <a:p>
+            <a:pPr>
+              <a:lnSpc>
+                <a:spcPct val="90000"/>
+              </a:lnSpc>
+            </a:pPr>
+            <a:r>
+              <a:rPr lang="en-GB" dirty="0">
+                <a:solidFill>
+                  <a:schemeClr val="tx1"/>
+                </a:solidFill>
+                <a:latin typeface="Courier New" panose="02070309020205020404" pitchFamily="49" charset="0"/>
+                <a:cs typeface="Courier New" panose="02070309020205020404" pitchFamily="49" charset="0"/>
+              </a:rPr>
+              <a:t>  </a:t>
+            </a:r>
+            <a:r>
+              <a:rPr lang="en-GB" dirty="0" err="1">
+                <a:solidFill>
+                  <a:schemeClr val="tx1"/>
+                </a:solidFill>
+                <a:latin typeface="Courier New" panose="02070309020205020404" pitchFamily="49" charset="0"/>
+                <a:cs typeface="Courier New" panose="02070309020205020404" pitchFamily="49" charset="0"/>
+              </a:rPr>
+              <a:t>InorderTrav</a:t>
+            </a:r>
+            <a:r>
+              <a:rPr lang="en-GB" dirty="0">
+                <a:solidFill>
+                  <a:schemeClr val="tx1"/>
+                </a:solidFill>
+                <a:latin typeface="Courier New" panose="02070309020205020404" pitchFamily="49" charset="0"/>
+                <a:cs typeface="Courier New" panose="02070309020205020404" pitchFamily="49" charset="0"/>
+              </a:rPr>
+              <a:t>(</a:t>
+            </a:r>
+            <a:r>
+              <a:rPr lang="en-GB" dirty="0" err="1">
+                <a:solidFill>
+                  <a:schemeClr val="tx1"/>
+                </a:solidFill>
+                <a:latin typeface="Courier New" panose="02070309020205020404" pitchFamily="49" charset="0"/>
+                <a:cs typeface="Courier New" panose="02070309020205020404" pitchFamily="49" charset="0"/>
+              </a:rPr>
+              <a:t>r.left</a:t>
+            </a:r>
+            <a:r>
+              <a:rPr lang="en-GB" dirty="0">
+                <a:solidFill>
+                  <a:schemeClr val="tx1"/>
+                </a:solidFill>
+                <a:latin typeface="Courier New" panose="02070309020205020404" pitchFamily="49" charset="0"/>
+                <a:cs typeface="Courier New" panose="02070309020205020404" pitchFamily="49" charset="0"/>
+              </a:rPr>
+              <a:t>)</a:t>
+            </a:r>
+          </a:p>
+          <a:p>
+            <a:pPr>
+              <a:lnSpc>
+                <a:spcPct val="90000"/>
+              </a:lnSpc>
+            </a:pPr>
+            <a:r>
+              <a:rPr lang="en-GB" dirty="0">
+                <a:solidFill>
+                  <a:schemeClr val="tx1"/>
+                </a:solidFill>
+                <a:latin typeface="Courier New" panose="02070309020205020404" pitchFamily="49" charset="0"/>
+                <a:cs typeface="Courier New" panose="02070309020205020404" pitchFamily="49" charset="0"/>
+              </a:rPr>
+              <a:t>  Visit(r)</a:t>
+            </a:r>
+          </a:p>
+          <a:p>
+            <a:pPr>
+              <a:lnSpc>
+                <a:spcPct val="90000"/>
+              </a:lnSpc>
+            </a:pPr>
+            <a:r>
+              <a:rPr lang="en-GB" dirty="0">
+                <a:solidFill>
+                  <a:schemeClr val="tx1"/>
+                </a:solidFill>
+                <a:latin typeface="Courier New" panose="02070309020205020404" pitchFamily="49" charset="0"/>
+                <a:cs typeface="Courier New" panose="02070309020205020404" pitchFamily="49" charset="0"/>
+              </a:rPr>
+              <a:t>  </a:t>
+            </a:r>
+            <a:r>
+              <a:rPr lang="en-GB" dirty="0" err="1">
+                <a:solidFill>
+                  <a:schemeClr val="tx1"/>
+                </a:solidFill>
+                <a:latin typeface="Courier New" panose="02070309020205020404" pitchFamily="49" charset="0"/>
+                <a:cs typeface="Courier New" panose="02070309020205020404" pitchFamily="49" charset="0"/>
+              </a:rPr>
+              <a:t>InorderTrav</a:t>
+            </a:r>
+            <a:r>
+              <a:rPr lang="en-GB" dirty="0">
+                <a:solidFill>
+                  <a:schemeClr val="tx1"/>
+                </a:solidFill>
+                <a:latin typeface="Courier New" panose="02070309020205020404" pitchFamily="49" charset="0"/>
+                <a:cs typeface="Courier New" panose="02070309020205020404" pitchFamily="49" charset="0"/>
+              </a:rPr>
+              <a:t>(</a:t>
+            </a:r>
+            <a:r>
+              <a:rPr lang="en-GB" dirty="0" err="1">
+                <a:solidFill>
+                  <a:schemeClr val="tx1"/>
+                </a:solidFill>
+                <a:latin typeface="Courier New" panose="02070309020205020404" pitchFamily="49" charset="0"/>
+                <a:cs typeface="Courier New" panose="02070309020205020404" pitchFamily="49" charset="0"/>
+              </a:rPr>
+              <a:t>r.right</a:t>
+            </a:r>
+            <a:r>
+              <a:rPr lang="en-GB" dirty="0">
+                <a:solidFill>
+                  <a:schemeClr val="tx1"/>
+                </a:solidFill>
+                <a:latin typeface="Courier New" panose="02070309020205020404" pitchFamily="49" charset="0"/>
+                <a:cs typeface="Courier New" panose="02070309020205020404" pitchFamily="49" charset="0"/>
+              </a:rPr>
+              <a:t>)</a:t>
+            </a:r>
+          </a:p>
+        </p:txBody>
+      </p:sp>
+    </p:spTree>
+    <p:extLst>
+      <p:ext uri="{BB962C8B-B14F-4D97-AF65-F5344CB8AC3E}">
+        <p14:creationId xmlns:p14="http://schemas.microsoft.com/office/powerpoint/2010/main" val="3010847475"/>
+      </p:ext>
+    </p:extLst>
+  </p:cSld>
+  <p:clrMapOvr>
+    <a:masterClrMapping/>
+  </p:clrMapOvr>
+  <p:timing>
+    <p:tnLst>
+      <p:par>
+        <p:cTn id="1" dur="indefinite" restart="never" nodeType="tmRoot">
+          <p:childTnLst>
+            <p:seq concurrent="1" nextAc="seek">
+              <p:cTn id="2" dur="indefinite" nodeType="mainSeq">
+                <p:childTnLst>
+                  <p:par>
+                    <p:cTn id="3" fill="hold">
+                      <p:stCondLst>
+                        <p:cond delay="indefinite"/>
+                      </p:stCondLst>
+                      <p:childTnLst>
+                        <p:par>
+                          <p:cTn id="4" fill="hold">
+                            <p:stCondLst>
+                              <p:cond delay="0"/>
+                            </p:stCondLst>
+                            <p:childTnLst>
+                              <p:par>
+                                <p:cTn id="5" presetID="1" presetClass="entr" presetSubtype="0" fill="hold" nodeType="clickEffect">
+                                  <p:stCondLst>
+                                    <p:cond delay="0"/>
+                                  </p:stCondLst>
+                                  <p:childTnLst>
+                                    <p:set>
+                                      <p:cBhvr>
+                                        <p:cTn id="6" dur="1" fill="hold">
+                                          <p:stCondLst>
+                                            <p:cond delay="0"/>
+                                          </p:stCondLst>
+                                        </p:cTn>
+                                        <p:tgtEl>
+                                          <p:spTgt spid="3">
+                                            <p:txEl>
+                                              <p:pRg st="1" end="1"/>
+                                            </p:txEl>
+                                          </p:spTgt>
+                                        </p:tgtEl>
+                                        <p:attrNameLst>
+                                          <p:attrName>style.visibility</p:attrName>
+                                        </p:attrNameLst>
+                                      </p:cBhvr>
+                                      <p:to>
+                                        <p:strVal val="visible"/>
+                                      </p:to>
+                                    </p:set>
+                                  </p:childTnLst>
+                                </p:cTn>
+                              </p:par>
+                            </p:childTnLst>
+                          </p:cTn>
+                        </p:par>
+                      </p:childTnLst>
+                    </p:cTn>
+                  </p:par>
+                  <p:par>
+                    <p:cTn id="7" fill="hold">
+                      <p:stCondLst>
+                        <p:cond delay="indefinite"/>
+                      </p:stCondLst>
+                      <p:childTnLst>
+                        <p:par>
+                          <p:cTn id="8" fill="hold">
+                            <p:stCondLst>
+                              <p:cond delay="0"/>
+                            </p:stCondLst>
+                            <p:childTnLst>
+                              <p:par>
+                                <p:cTn id="9" presetID="1" presetClass="entr" presetSubtype="0" fill="hold" nodeType="clickEffect">
+                                  <p:stCondLst>
+                                    <p:cond delay="0"/>
+                                  </p:stCondLst>
+                                  <p:childTnLst>
+                                    <p:set>
+                                      <p:cBhvr>
+                                        <p:cTn id="10" dur="1" fill="hold">
+                                          <p:stCondLst>
+                                            <p:cond delay="0"/>
+                                          </p:stCondLst>
+                                        </p:cTn>
+                                        <p:tgtEl>
+                                          <p:spTgt spid="3">
+                                            <p:txEl>
+                                              <p:pRg st="2" end="2"/>
+                                            </p:txEl>
+                                          </p:spTgt>
+                                        </p:tgtEl>
+                                        <p:attrNameLst>
+                                          <p:attrName>style.visibility</p:attrName>
+                                        </p:attrNameLst>
+                                      </p:cBhvr>
+                                      <p:to>
+                                        <p:strVal val="visible"/>
+                                      </p:to>
+                                    </p:set>
+                                  </p:childTnLst>
+                                </p:cTn>
+                              </p:par>
+                              <p:par>
+                                <p:cTn id="11" presetID="1" presetClass="entr" presetSubtype="0" fill="hold" nodeType="withEffect">
+                                  <p:stCondLst>
+                                    <p:cond delay="0"/>
+                                  </p:stCondLst>
+                                  <p:childTnLst>
+                                    <p:set>
+                                      <p:cBhvr>
+                                        <p:cTn id="12" dur="1" fill="hold">
+                                          <p:stCondLst>
+                                            <p:cond delay="0"/>
+                                          </p:stCondLst>
+                                        </p:cTn>
+                                        <p:tgtEl>
+                                          <p:spTgt spid="3">
+                                            <p:txEl>
+                                              <p:pRg st="3" end="3"/>
+                                            </p:txEl>
+                                          </p:spTgt>
+                                        </p:tgtEl>
+                                        <p:attrNameLst>
+                                          <p:attrName>style.visibility</p:attrName>
+                                        </p:attrNameLst>
+                                      </p:cBhvr>
+                                      <p:to>
+                                        <p:strVal val="visible"/>
+                                      </p:to>
+                                    </p:set>
+                                  </p:childTnLst>
+                                </p:cTn>
+                              </p:par>
+                              <p:par>
+                                <p:cTn id="13" presetID="1" presetClass="entr" presetSubtype="0" fill="hold" grpId="0" nodeType="withEffect">
+                                  <p:stCondLst>
+                                    <p:cond delay="0"/>
+                                  </p:stCondLst>
+                                  <p:childTnLst>
+                                    <p:set>
+                                      <p:cBhvr>
+                                        <p:cTn id="14" dur="1" fill="hold">
+                                          <p:stCondLst>
+                                            <p:cond delay="0"/>
+                                          </p:stCondLst>
+                                        </p:cTn>
+                                        <p:tgtEl>
+                                          <p:spTgt spid="4"/>
+                                        </p:tgtEl>
+                                        <p:attrNameLst>
+                                          <p:attrName>style.visibility</p:attrName>
+                                        </p:attrNameLst>
+                                      </p:cBhvr>
+                                      <p:to>
+                                        <p:strVal val="visible"/>
+                                      </p:to>
+                                    </p:set>
+                                  </p:childTnLst>
+                                </p:cTn>
+                              </p:par>
+                            </p:childTnLst>
+                          </p:cTn>
+                        </p:par>
+                      </p:childTnLst>
+                    </p:cTn>
+                  </p:par>
+                  <p:par>
+                    <p:cTn id="15" fill="hold">
+                      <p:stCondLst>
+                        <p:cond delay="indefinite"/>
+                      </p:stCondLst>
+                      <p:childTnLst>
+                        <p:par>
+                          <p:cTn id="16" fill="hold">
+                            <p:stCondLst>
+                              <p:cond delay="0"/>
+                            </p:stCondLst>
+                            <p:childTnLst>
+                              <p:par>
+                                <p:cTn id="17" presetID="1" presetClass="entr" presetSubtype="0" fill="hold" nodeType="clickEffect">
+                                  <p:stCondLst>
+                                    <p:cond delay="0"/>
+                                  </p:stCondLst>
+                                  <p:childTnLst>
+                                    <p:set>
+                                      <p:cBhvr>
+                                        <p:cTn id="18" dur="1" fill="hold">
+                                          <p:stCondLst>
+                                            <p:cond delay="0"/>
+                                          </p:stCondLst>
+                                        </p:cTn>
+                                        <p:tgtEl>
+                                          <p:spTgt spid="3">
+                                            <p:txEl>
+                                              <p:pRg st="4" end="4"/>
+                                            </p:txEl>
+                                          </p:spTgt>
+                                        </p:tgtEl>
+                                        <p:attrNameLst>
+                                          <p:attrName>style.visibility</p:attrName>
+                                        </p:attrNameLst>
+                                      </p:cBhvr>
+                                      <p:to>
+                                        <p:strVal val="visible"/>
+                                      </p:to>
+                                    </p:set>
+                                  </p:childTnLst>
+                                </p:cTn>
+                              </p:par>
+                              <p:par>
+                                <p:cTn id="19" presetID="1" presetClass="entr" presetSubtype="0" fill="hold" grpId="0" nodeType="withEffect">
+                                  <p:stCondLst>
+                                    <p:cond delay="0"/>
+                                  </p:stCondLst>
+                                  <p:childTnLst>
+                                    <p:set>
+                                      <p:cBhvr>
+                                        <p:cTn id="20" dur="1" fill="hold">
+                                          <p:stCondLst>
+                                            <p:cond delay="0"/>
+                                          </p:stCondLst>
+                                        </p:cTn>
+                                        <p:tgtEl>
+                                          <p:spTgt spid="5"/>
+                                        </p:tgtEl>
+                                        <p:attrNameLst>
+                                          <p:attrName>style.visibility</p:attrName>
+                                        </p:attrNameLst>
+                                      </p:cBhvr>
+                                      <p:to>
+                                        <p:strVal val="visible"/>
+                                      </p:to>
+                                    </p:set>
+                                  </p:childTnLst>
+                                </p:cTn>
+                              </p:par>
+                            </p:childTnLst>
+                          </p:cTn>
+                        </p:par>
+                      </p:childTnLst>
+                    </p:cTn>
+                  </p:par>
+                  <p:par>
+                    <p:cTn id="21" fill="hold">
+                      <p:stCondLst>
+                        <p:cond delay="indefinite"/>
+                      </p:stCondLst>
+                      <p:childTnLst>
+                        <p:par>
+                          <p:cTn id="22" fill="hold">
+                            <p:stCondLst>
+                              <p:cond delay="0"/>
+                            </p:stCondLst>
+                            <p:childTnLst>
+                              <p:par>
+                                <p:cTn id="23" presetID="1" presetClass="entr" presetSubtype="0" fill="hold" nodeType="clickEffect">
+                                  <p:stCondLst>
+                                    <p:cond delay="0"/>
+                                  </p:stCondLst>
+                                  <p:childTnLst>
+                                    <p:set>
+                                      <p:cBhvr>
+                                        <p:cTn id="24" dur="1" fill="hold">
+                                          <p:stCondLst>
+                                            <p:cond delay="0"/>
+                                          </p:stCondLst>
+                                        </p:cTn>
+                                        <p:tgtEl>
+                                          <p:spTgt spid="3">
+                                            <p:txEl>
+                                              <p:pRg st="5" end="5"/>
+                                            </p:txEl>
+                                          </p:spTgt>
+                                        </p:tgtEl>
+                                        <p:attrNameLst>
+                                          <p:attrName>style.visibility</p:attrName>
+                                        </p:attrNameLst>
+                                      </p:cBhvr>
+                                      <p:to>
+                                        <p:strVal val="visible"/>
+                                      </p:to>
+                                    </p:set>
+                                  </p:childTnLst>
+                                </p:cTn>
+                              </p:par>
+                              <p:par>
+                                <p:cTn id="25" presetID="1" presetClass="entr" presetSubtype="0" fill="hold" grpId="0" nodeType="withEffect">
+                                  <p:stCondLst>
+                                    <p:cond delay="0"/>
+                                  </p:stCondLst>
+                                  <p:childTnLst>
+                                    <p:set>
+                                      <p:cBhvr>
+                                        <p:cTn id="26" dur="1" fill="hold">
+                                          <p:stCondLst>
+                                            <p:cond delay="0"/>
+                                          </p:stCondLst>
+                                        </p:cTn>
+                                        <p:tgtEl>
+                                          <p:spTgt spid="6"/>
+                                        </p:tgtEl>
+                                        <p:attrNameLst>
+                                          <p:attrName>style.visibility</p:attrName>
+                                        </p:attrNameLst>
+                                      </p:cBhvr>
+                                      <p:to>
+                                        <p:strVal val="visible"/>
+                                      </p:to>
+                                    </p:set>
+                                  </p:childTnLst>
+                                </p:cTn>
+                              </p:par>
+                            </p:childTnLst>
+                          </p:cTn>
+                        </p:par>
+                      </p:childTnLst>
+                    </p:cTn>
+                  </p:par>
+                </p:childTnLst>
+              </p:cTn>
+              <p:prevCondLst>
+                <p:cond evt="onPrev" delay="0">
+                  <p:tgtEl>
+                    <p:sldTgt/>
+                  </p:tgtEl>
+                </p:cond>
+              </p:prevCondLst>
+              <p:nextCondLst>
+                <p:cond evt="onNext" delay="0">
+                  <p:tgtEl>
+                    <p:sldTgt/>
+                  </p:tgtEl>
+                </p:cond>
+              </p:nextCondLst>
+            </p:seq>
+          </p:childTnLst>
+        </p:cTn>
+      </p:par>
+    </p:tnLst>
+    <p:bldLst>
+      <p:bldP spid="4" grpId="0" animBg="1"/>
+      <p:bldP spid="5" grpId="0" animBg="1"/>
+      <p:bldP spid="6" grpId="0" animBg="1"/>
+    </p:bldLst>
+  </p:timing>
+</p:sld>
+</file>
+
+<file path=ppt/slides/slide11.xml><?xml version="1.0" encoding="utf-8"?>
 <p:sld xmlns:a="http://schemas.openxmlformats.org/drawingml/2006/main" xmlns:r="http://schemas.openxmlformats.org/officeDocument/2006/relationships" xmlns:p="http://schemas.openxmlformats.org/presentationml/2006/main">
   <p:cSld>
     <p:spTree>
@@ -3626,7 +4877,6 @@
               <a:rPr lang="en-US" dirty="0"/>
               <a:t>Preorder Traversal</a:t>
             </a:r>
-            <a:endParaRPr lang="en-US" dirty="0"/>
           </a:p>
         </p:txBody>
       </p:sp>
@@ -3696,11 +4946,6 @@
               </a:rPr>
               <a:t>(r):</a:t>
             </a:r>
-            <a:endParaRPr lang="en-GB" b="1" u="sng" dirty="0">
-              <a:solidFill>
-                <a:schemeClr val="tx1"/>
-              </a:solidFill>
-            </a:endParaRPr>
           </a:p>
           <a:p>
             <a:pPr>
@@ -3718,13 +4963,6 @@
               </a:rPr>
               <a:t>if (r != NULL)</a:t>
             </a:r>
-            <a:endParaRPr lang="en-GB" dirty="0">
-              <a:solidFill>
-                <a:schemeClr val="tx1"/>
-              </a:solidFill>
-              <a:latin typeface="Courier New" panose="02070309020205020404" pitchFamily="49" charset="0"/>
-              <a:cs typeface="Courier New" panose="02070309020205020404" pitchFamily="49" charset="0"/>
-            </a:endParaRPr>
           </a:p>
           <a:p>
             <a:pPr>
@@ -3742,13 +4980,6 @@
               </a:rPr>
               <a:t>  Visit(r)</a:t>
             </a:r>
-            <a:endParaRPr lang="en-GB" dirty="0">
-              <a:solidFill>
-                <a:schemeClr val="tx1"/>
-              </a:solidFill>
-              <a:latin typeface="Courier New" panose="02070309020205020404" pitchFamily="49" charset="0"/>
-              <a:cs typeface="Courier New" panose="02070309020205020404" pitchFamily="49" charset="0"/>
-            </a:endParaRPr>
           </a:p>
           <a:p>
             <a:pPr>
@@ -3766,13 +4997,6 @@
               </a:rPr>
               <a:t>  for (each child u of r)</a:t>
             </a:r>
-            <a:endParaRPr lang="en-GB" dirty="0">
-              <a:solidFill>
-                <a:schemeClr val="tx1"/>
-              </a:solidFill>
-              <a:latin typeface="Courier New" panose="02070309020205020404" pitchFamily="49" charset="0"/>
-              <a:cs typeface="Courier New" panose="02070309020205020404" pitchFamily="49" charset="0"/>
-            </a:endParaRPr>
           </a:p>
           <a:p>
             <a:pPr>
@@ -3810,18 +5034,11 @@
               </a:rPr>
               <a:t>(u)</a:t>
             </a:r>
-            <a:endParaRPr lang="en-GB" dirty="0">
-              <a:solidFill>
-                <a:schemeClr val="tx1"/>
-              </a:solidFill>
-              <a:latin typeface="Courier New" panose="02070309020205020404" pitchFamily="49" charset="0"/>
-              <a:cs typeface="Courier New" panose="02070309020205020404" pitchFamily="49" charset="0"/>
-            </a:endParaRPr>
           </a:p>
         </p:txBody>
       </p:sp>
-      <mc:AlternateContent xmlns:mc="http://schemas.openxmlformats.org/markup-compatibility/2006">
-        <mc:Choice xmlns:a14="http://schemas.microsoft.com/office/drawing/2010/main" Requires="a14">
+      <mc:AlternateContent xmlns:mc="http://schemas.openxmlformats.org/markup-compatibility/2006" xmlns:a14="http://schemas.microsoft.com/office/drawing/2010/main">
+        <mc:Choice Requires="a14">
           <p:sp>
             <p:nvSpPr>
               <p:cNvPr id="13" name="椭圆 12"/>
@@ -3891,7 +5108,7 @@
             </p:txBody>
           </p:sp>
         </mc:Choice>
-        <mc:Fallback>
+        <mc:Fallback xmlns="">
           <p:sp>
             <p:nvSpPr>
               <p:cNvPr id="13" name="椭圆 12"/>
@@ -3909,7 +5126,7 @@
                 <a:avLst/>
               </a:prstGeom>
               <a:blipFill rotWithShape="1">
-                <a:blip r:embed="rId1"/>
+                <a:blip r:embed="rId2"/>
                 <a:stretch>
                   <a:fillRect l="-2379" t="-2438" r="-2359" b="-2300"/>
                 </a:stretch>
@@ -3989,8 +5206,8 @@
           </a:fontRef>
         </p:style>
       </p:cxnSp>
-      <mc:AlternateContent xmlns:mc="http://schemas.openxmlformats.org/markup-compatibility/2006">
-        <mc:Choice xmlns:a14="http://schemas.microsoft.com/office/drawing/2010/main" Requires="a14">
+      <mc:AlternateContent xmlns:mc="http://schemas.openxmlformats.org/markup-compatibility/2006" xmlns:a14="http://schemas.microsoft.com/office/drawing/2010/main">
+        <mc:Choice Requires="a14">
           <p:sp>
             <p:nvSpPr>
               <p:cNvPr id="27" name="椭圆 26"/>
@@ -4060,7 +5277,7 @@
             </p:txBody>
           </p:sp>
         </mc:Choice>
-        <mc:Fallback>
+        <mc:Fallback xmlns="">
           <p:sp>
             <p:nvSpPr>
               <p:cNvPr id="27" name="椭圆 26"/>
@@ -4078,7 +5295,7 @@
                 <a:avLst/>
               </a:prstGeom>
               <a:blipFill rotWithShape="1">
-                <a:blip r:embed="rId2"/>
+                <a:blip r:embed="rId3"/>
                 <a:stretch>
                   <a:fillRect l="-2379" t="-2502" r="-2359" b="-2236"/>
                 </a:stretch>
@@ -4120,8 +5337,8 @@
           </p:sp>
         </mc:Fallback>
       </mc:AlternateContent>
-      <mc:AlternateContent xmlns:mc="http://schemas.openxmlformats.org/markup-compatibility/2006">
-        <mc:Choice xmlns:a14="http://schemas.microsoft.com/office/drawing/2010/main" Requires="a14">
+      <mc:AlternateContent xmlns:mc="http://schemas.openxmlformats.org/markup-compatibility/2006" xmlns:a14="http://schemas.microsoft.com/office/drawing/2010/main">
+        <mc:Choice Requires="a14">
           <p:sp>
             <p:nvSpPr>
               <p:cNvPr id="28" name="椭圆 27"/>
@@ -4191,7 +5408,7 @@
             </p:txBody>
           </p:sp>
         </mc:Choice>
-        <mc:Fallback>
+        <mc:Fallback xmlns="">
           <p:sp>
             <p:nvSpPr>
               <p:cNvPr id="28" name="椭圆 27"/>
@@ -4209,7 +5426,7 @@
                 <a:avLst/>
               </a:prstGeom>
               <a:blipFill rotWithShape="1">
-                <a:blip r:embed="rId3"/>
+                <a:blip r:embed="rId4"/>
                 <a:stretch>
                   <a:fillRect l="-2465" t="-2502" r="-2273" b="-2236"/>
                 </a:stretch>
@@ -4251,8 +5468,8 @@
           </p:sp>
         </mc:Fallback>
       </mc:AlternateContent>
-      <mc:AlternateContent xmlns:mc="http://schemas.openxmlformats.org/markup-compatibility/2006">
-        <mc:Choice xmlns:a14="http://schemas.microsoft.com/office/drawing/2010/main" Requires="a14">
+      <mc:AlternateContent xmlns:mc="http://schemas.openxmlformats.org/markup-compatibility/2006" xmlns:a14="http://schemas.microsoft.com/office/drawing/2010/main">
+        <mc:Choice Requires="a14">
           <p:sp>
             <p:nvSpPr>
               <p:cNvPr id="29" name="椭圆 28"/>
@@ -4322,7 +5539,7 @@
             </p:txBody>
           </p:sp>
         </mc:Choice>
-        <mc:Fallback>
+        <mc:Fallback xmlns="">
           <p:sp>
             <p:nvSpPr>
               <p:cNvPr id="29" name="椭圆 28"/>
@@ -4340,7 +5557,7 @@
                 <a:avLst/>
               </a:prstGeom>
               <a:blipFill rotWithShape="1">
-                <a:blip r:embed="rId4"/>
+                <a:blip r:embed="rId5"/>
                 <a:stretch>
                   <a:fillRect l="-2400" t="-2409" r="-2339" b="-2329"/>
                 </a:stretch>
@@ -4382,8 +5599,8 @@
           </p:sp>
         </mc:Fallback>
       </mc:AlternateContent>
-      <mc:AlternateContent xmlns:mc="http://schemas.openxmlformats.org/markup-compatibility/2006">
-        <mc:Choice xmlns:a14="http://schemas.microsoft.com/office/drawing/2010/main" Requires="a14">
+      <mc:AlternateContent xmlns:mc="http://schemas.openxmlformats.org/markup-compatibility/2006" xmlns:a14="http://schemas.microsoft.com/office/drawing/2010/main">
+        <mc:Choice Requires="a14">
           <p:sp>
             <p:nvSpPr>
               <p:cNvPr id="30" name="椭圆 29"/>
@@ -4453,7 +5670,7 @@
             </p:txBody>
           </p:sp>
         </mc:Choice>
-        <mc:Fallback>
+        <mc:Fallback xmlns="">
           <p:sp>
             <p:nvSpPr>
               <p:cNvPr id="30" name="椭圆 29"/>
@@ -4471,7 +5688,7 @@
                 <a:avLst/>
               </a:prstGeom>
               <a:blipFill rotWithShape="1">
-                <a:blip r:embed="rId5"/>
+                <a:blip r:embed="rId6"/>
                 <a:stretch>
                   <a:fillRect l="-2516" t="-2409" r="-2222" b="-2329"/>
                 </a:stretch>
@@ -4513,8 +5730,8 @@
           </p:sp>
         </mc:Fallback>
       </mc:AlternateContent>
-      <mc:AlternateContent xmlns:mc="http://schemas.openxmlformats.org/markup-compatibility/2006">
-        <mc:Choice xmlns:a14="http://schemas.microsoft.com/office/drawing/2010/main" Requires="a14">
+      <mc:AlternateContent xmlns:mc="http://schemas.openxmlformats.org/markup-compatibility/2006" xmlns:a14="http://schemas.microsoft.com/office/drawing/2010/main">
+        <mc:Choice Requires="a14">
           <p:sp>
             <p:nvSpPr>
               <p:cNvPr id="31" name="椭圆 30"/>
@@ -4584,7 +5801,7 @@
             </p:txBody>
           </p:sp>
         </mc:Choice>
-        <mc:Fallback>
+        <mc:Fallback xmlns="">
           <p:sp>
             <p:nvSpPr>
               <p:cNvPr id="31" name="椭圆 30"/>
@@ -4602,7 +5819,7 @@
                 <a:avLst/>
               </a:prstGeom>
               <a:blipFill rotWithShape="1">
-                <a:blip r:embed="rId6"/>
+                <a:blip r:embed="rId7"/>
                 <a:stretch>
                   <a:fillRect l="-2485" t="-2409" r="-2253" b="-2329"/>
                 </a:stretch>
@@ -4644,8 +5861,8 @@
           </p:sp>
         </mc:Fallback>
       </mc:AlternateContent>
-      <mc:AlternateContent xmlns:mc="http://schemas.openxmlformats.org/markup-compatibility/2006">
-        <mc:Choice xmlns:a14="http://schemas.microsoft.com/office/drawing/2010/main" Requires="a14">
+      <mc:AlternateContent xmlns:mc="http://schemas.openxmlformats.org/markup-compatibility/2006" xmlns:a14="http://schemas.microsoft.com/office/drawing/2010/main">
+        <mc:Choice Requires="a14">
           <p:sp>
             <p:nvSpPr>
               <p:cNvPr id="32" name="椭圆 31"/>
@@ -4715,7 +5932,7 @@
             </p:txBody>
           </p:sp>
         </mc:Choice>
-        <mc:Fallback>
+        <mc:Fallback xmlns="">
           <p:sp>
             <p:nvSpPr>
               <p:cNvPr id="32" name="椭圆 31"/>
@@ -4733,7 +5950,7 @@
                 <a:avLst/>
               </a:prstGeom>
               <a:blipFill rotWithShape="1">
-                <a:blip r:embed="rId7"/>
+                <a:blip r:embed="rId8"/>
                 <a:stretch>
                   <a:fillRect l="-2445" t="-2409" r="-2294" b="-2329"/>
                 </a:stretch>
@@ -4775,8 +5992,8 @@
           </p:sp>
         </mc:Fallback>
       </mc:AlternateContent>
-      <mc:AlternateContent xmlns:mc="http://schemas.openxmlformats.org/markup-compatibility/2006">
-        <mc:Choice xmlns:a14="http://schemas.microsoft.com/office/drawing/2010/main" Requires="a14">
+      <mc:AlternateContent xmlns:mc="http://schemas.openxmlformats.org/markup-compatibility/2006" xmlns:a14="http://schemas.microsoft.com/office/drawing/2010/main">
+        <mc:Choice Requires="a14">
           <p:sp>
             <p:nvSpPr>
               <p:cNvPr id="33" name="椭圆 32"/>
@@ -4846,7 +6063,7 @@
             </p:txBody>
           </p:sp>
         </mc:Choice>
-        <mc:Fallback>
+        <mc:Fallback xmlns="">
           <p:sp>
             <p:nvSpPr>
               <p:cNvPr id="33" name="椭圆 32"/>
@@ -4864,7 +6081,7 @@
                 <a:avLst/>
               </a:prstGeom>
               <a:blipFill rotWithShape="1">
-                <a:blip r:embed="rId8"/>
+                <a:blip r:embed="rId9"/>
                 <a:stretch>
                   <a:fillRect l="-2420" t="-2403" r="-2318" b="-2335"/>
                 </a:stretch>
@@ -4906,8 +6123,8 @@
           </p:sp>
         </mc:Fallback>
       </mc:AlternateContent>
-      <mc:AlternateContent xmlns:mc="http://schemas.openxmlformats.org/markup-compatibility/2006">
-        <mc:Choice xmlns:a14="http://schemas.microsoft.com/office/drawing/2010/main" Requires="a14">
+      <mc:AlternateContent xmlns:mc="http://schemas.openxmlformats.org/markup-compatibility/2006" xmlns:a14="http://schemas.microsoft.com/office/drawing/2010/main">
+        <mc:Choice Requires="a14">
           <p:sp>
             <p:nvSpPr>
               <p:cNvPr id="34" name="椭圆 33"/>
@@ -4977,7 +6194,7 @@
             </p:txBody>
           </p:sp>
         </mc:Choice>
-        <mc:Fallback>
+        <mc:Fallback xmlns="">
           <p:sp>
             <p:nvSpPr>
               <p:cNvPr id="34" name="椭圆 33"/>
@@ -4995,7 +6212,7 @@
                 <a:avLst/>
               </a:prstGeom>
               <a:blipFill rotWithShape="1">
-                <a:blip r:embed="rId9"/>
+                <a:blip r:embed="rId10"/>
                 <a:stretch>
                   <a:fillRect l="-2379" t="-2403" r="-2359" b="-2335"/>
                 </a:stretch>
@@ -5037,8 +6254,8 @@
           </p:sp>
         </mc:Fallback>
       </mc:AlternateContent>
-      <mc:AlternateContent xmlns:mc="http://schemas.openxmlformats.org/markup-compatibility/2006">
-        <mc:Choice xmlns:a14="http://schemas.microsoft.com/office/drawing/2010/main" Requires="a14">
+      <mc:AlternateContent xmlns:mc="http://schemas.openxmlformats.org/markup-compatibility/2006" xmlns:a14="http://schemas.microsoft.com/office/drawing/2010/main">
+        <mc:Choice Requires="a14">
           <p:sp>
             <p:nvSpPr>
               <p:cNvPr id="35" name="椭圆 34"/>
@@ -5108,7 +6325,7 @@
             </p:txBody>
           </p:sp>
         </mc:Choice>
-        <mc:Fallback>
+        <mc:Fallback xmlns="">
           <p:sp>
             <p:nvSpPr>
               <p:cNvPr id="35" name="椭圆 34"/>
@@ -5126,7 +6343,7 @@
                 <a:avLst/>
               </a:prstGeom>
               <a:blipFill rotWithShape="1">
-                <a:blip r:embed="rId10"/>
+                <a:blip r:embed="rId11"/>
                 <a:stretch>
                   <a:fillRect l="-2496" t="-2403" r="-2242" b="-2335"/>
                 </a:stretch>
@@ -6802,7 +8019,7 @@
 </p:sld>
 </file>
 
-<file path=ppt/slides/slide11.xml><?xml version="1.0" encoding="utf-8"?>
+<file path=ppt/slides/slide12.xml><?xml version="1.0" encoding="utf-8"?>
 <p:sld xmlns:a="http://schemas.openxmlformats.org/drawingml/2006/main" xmlns:r="http://schemas.openxmlformats.org/officeDocument/2006/relationships" xmlns:p="http://schemas.openxmlformats.org/presentationml/2006/main">
   <p:cSld>
     <p:spTree>
@@ -6838,12 +8055,11 @@
               <a:rPr lang="en-US" dirty="0"/>
               <a:t>Postorder Traversal</a:t>
             </a:r>
-            <a:endParaRPr lang="en-US" dirty="0"/>
           </a:p>
         </p:txBody>
       </p:sp>
-      <mc:AlternateContent xmlns:mc="http://schemas.openxmlformats.org/markup-compatibility/2006">
-        <mc:Choice xmlns:a14="http://schemas.microsoft.com/office/drawing/2010/main" Requires="a14">
+      <mc:AlternateContent xmlns:mc="http://schemas.openxmlformats.org/markup-compatibility/2006" xmlns:a14="http://schemas.microsoft.com/office/drawing/2010/main">
+        <mc:Choice Requires="a14">
           <p:sp>
             <p:nvSpPr>
               <p:cNvPr id="13" name="椭圆 12"/>
@@ -6913,7 +8129,7 @@
             </p:txBody>
           </p:sp>
         </mc:Choice>
-        <mc:Fallback>
+        <mc:Fallback xmlns="">
           <p:sp>
             <p:nvSpPr>
               <p:cNvPr id="13" name="椭圆 12"/>
@@ -6931,7 +8147,7 @@
                 <a:avLst/>
               </a:prstGeom>
               <a:blipFill rotWithShape="1">
-                <a:blip r:embed="rId1"/>
+                <a:blip r:embed="rId2"/>
                 <a:stretch>
                   <a:fillRect l="-2379" t="-2438" r="-2359" b="-2300"/>
                 </a:stretch>
@@ -7011,8 +8227,8 @@
           </a:fontRef>
         </p:style>
       </p:cxnSp>
-      <mc:AlternateContent xmlns:mc="http://schemas.openxmlformats.org/markup-compatibility/2006">
-        <mc:Choice xmlns:a14="http://schemas.microsoft.com/office/drawing/2010/main" Requires="a14">
+      <mc:AlternateContent xmlns:mc="http://schemas.openxmlformats.org/markup-compatibility/2006" xmlns:a14="http://schemas.microsoft.com/office/drawing/2010/main">
+        <mc:Choice Requires="a14">
           <p:sp>
             <p:nvSpPr>
               <p:cNvPr id="27" name="椭圆 26"/>
@@ -7082,7 +8298,7 @@
             </p:txBody>
           </p:sp>
         </mc:Choice>
-        <mc:Fallback>
+        <mc:Fallback xmlns="">
           <p:sp>
             <p:nvSpPr>
               <p:cNvPr id="27" name="椭圆 26"/>
@@ -7100,7 +8316,7 @@
                 <a:avLst/>
               </a:prstGeom>
               <a:blipFill rotWithShape="1">
-                <a:blip r:embed="rId2"/>
+                <a:blip r:embed="rId3"/>
                 <a:stretch>
                   <a:fillRect l="-2379" t="-2502" r="-2359" b="-2236"/>
                 </a:stretch>
@@ -7142,8 +8358,8 @@
           </p:sp>
         </mc:Fallback>
       </mc:AlternateContent>
-      <mc:AlternateContent xmlns:mc="http://schemas.openxmlformats.org/markup-compatibility/2006">
-        <mc:Choice xmlns:a14="http://schemas.microsoft.com/office/drawing/2010/main" Requires="a14">
+      <mc:AlternateContent xmlns:mc="http://schemas.openxmlformats.org/markup-compatibility/2006" xmlns:a14="http://schemas.microsoft.com/office/drawing/2010/main">
+        <mc:Choice Requires="a14">
           <p:sp>
             <p:nvSpPr>
               <p:cNvPr id="28" name="椭圆 27"/>
@@ -7213,7 +8429,7 @@
             </p:txBody>
           </p:sp>
         </mc:Choice>
-        <mc:Fallback>
+        <mc:Fallback xmlns="">
           <p:sp>
             <p:nvSpPr>
               <p:cNvPr id="28" name="椭圆 27"/>
@@ -7231,7 +8447,7 @@
                 <a:avLst/>
               </a:prstGeom>
               <a:blipFill rotWithShape="1">
-                <a:blip r:embed="rId3"/>
+                <a:blip r:embed="rId4"/>
                 <a:stretch>
                   <a:fillRect l="-2465" t="-2502" r="-2273" b="-2236"/>
                 </a:stretch>
@@ -7273,8 +8489,8 @@
           </p:sp>
         </mc:Fallback>
       </mc:AlternateContent>
-      <mc:AlternateContent xmlns:mc="http://schemas.openxmlformats.org/markup-compatibility/2006">
-        <mc:Choice xmlns:a14="http://schemas.microsoft.com/office/drawing/2010/main" Requires="a14">
+      <mc:AlternateContent xmlns:mc="http://schemas.openxmlformats.org/markup-compatibility/2006" xmlns:a14="http://schemas.microsoft.com/office/drawing/2010/main">
+        <mc:Choice Requires="a14">
           <p:sp>
             <p:nvSpPr>
               <p:cNvPr id="29" name="椭圆 28"/>
@@ -7344,7 +8560,7 @@
             </p:txBody>
           </p:sp>
         </mc:Choice>
-        <mc:Fallback>
+        <mc:Fallback xmlns="">
           <p:sp>
             <p:nvSpPr>
               <p:cNvPr id="29" name="椭圆 28"/>
@@ -7362,7 +8578,7 @@
                 <a:avLst/>
               </a:prstGeom>
               <a:blipFill rotWithShape="1">
-                <a:blip r:embed="rId4"/>
+                <a:blip r:embed="rId5"/>
                 <a:stretch>
                   <a:fillRect l="-2400" t="-2409" r="-2339" b="-2329"/>
                 </a:stretch>
@@ -7404,8 +8620,8 @@
           </p:sp>
         </mc:Fallback>
       </mc:AlternateContent>
-      <mc:AlternateContent xmlns:mc="http://schemas.openxmlformats.org/markup-compatibility/2006">
-        <mc:Choice xmlns:a14="http://schemas.microsoft.com/office/drawing/2010/main" Requires="a14">
+      <mc:AlternateContent xmlns:mc="http://schemas.openxmlformats.org/markup-compatibility/2006" xmlns:a14="http://schemas.microsoft.com/office/drawing/2010/main">
+        <mc:Choice Requires="a14">
           <p:sp>
             <p:nvSpPr>
               <p:cNvPr id="30" name="椭圆 29"/>
@@ -7475,7 +8691,7 @@
             </p:txBody>
           </p:sp>
         </mc:Choice>
-        <mc:Fallback>
+        <mc:Fallback xmlns="">
           <p:sp>
             <p:nvSpPr>
               <p:cNvPr id="30" name="椭圆 29"/>
@@ -7493,7 +8709,7 @@
                 <a:avLst/>
               </a:prstGeom>
               <a:blipFill rotWithShape="1">
-                <a:blip r:embed="rId5"/>
+                <a:blip r:embed="rId6"/>
                 <a:stretch>
                   <a:fillRect l="-2516" t="-2409" r="-2222" b="-2329"/>
                 </a:stretch>
@@ -7535,8 +8751,8 @@
           </p:sp>
         </mc:Fallback>
       </mc:AlternateContent>
-      <mc:AlternateContent xmlns:mc="http://schemas.openxmlformats.org/markup-compatibility/2006">
-        <mc:Choice xmlns:a14="http://schemas.microsoft.com/office/drawing/2010/main" Requires="a14">
+      <mc:AlternateContent xmlns:mc="http://schemas.openxmlformats.org/markup-compatibility/2006" xmlns:a14="http://schemas.microsoft.com/office/drawing/2010/main">
+        <mc:Choice Requires="a14">
           <p:sp>
             <p:nvSpPr>
               <p:cNvPr id="31" name="椭圆 30"/>
@@ -7606,7 +8822,7 @@
             </p:txBody>
           </p:sp>
         </mc:Choice>
-        <mc:Fallback>
+        <mc:Fallback xmlns="">
           <p:sp>
             <p:nvSpPr>
               <p:cNvPr id="31" name="椭圆 30"/>
@@ -7624,7 +8840,7 @@
                 <a:avLst/>
               </a:prstGeom>
               <a:blipFill rotWithShape="1">
-                <a:blip r:embed="rId6"/>
+                <a:blip r:embed="rId7"/>
                 <a:stretch>
                   <a:fillRect l="-2485" t="-2409" r="-2253" b="-2329"/>
                 </a:stretch>
@@ -7666,8 +8882,8 @@
           </p:sp>
         </mc:Fallback>
       </mc:AlternateContent>
-      <mc:AlternateContent xmlns:mc="http://schemas.openxmlformats.org/markup-compatibility/2006">
-        <mc:Choice xmlns:a14="http://schemas.microsoft.com/office/drawing/2010/main" Requires="a14">
+      <mc:AlternateContent xmlns:mc="http://schemas.openxmlformats.org/markup-compatibility/2006" xmlns:a14="http://schemas.microsoft.com/office/drawing/2010/main">
+        <mc:Choice Requires="a14">
           <p:sp>
             <p:nvSpPr>
               <p:cNvPr id="32" name="椭圆 31"/>
@@ -7737,7 +8953,7 @@
             </p:txBody>
           </p:sp>
         </mc:Choice>
-        <mc:Fallback>
+        <mc:Fallback xmlns="">
           <p:sp>
             <p:nvSpPr>
               <p:cNvPr id="32" name="椭圆 31"/>
@@ -7755,7 +8971,7 @@
                 <a:avLst/>
               </a:prstGeom>
               <a:blipFill rotWithShape="1">
-                <a:blip r:embed="rId7"/>
+                <a:blip r:embed="rId8"/>
                 <a:stretch>
                   <a:fillRect l="-2445" t="-2409" r="-2294" b="-2329"/>
                 </a:stretch>
@@ -7797,8 +9013,8 @@
           </p:sp>
         </mc:Fallback>
       </mc:AlternateContent>
-      <mc:AlternateContent xmlns:mc="http://schemas.openxmlformats.org/markup-compatibility/2006">
-        <mc:Choice xmlns:a14="http://schemas.microsoft.com/office/drawing/2010/main" Requires="a14">
+      <mc:AlternateContent xmlns:mc="http://schemas.openxmlformats.org/markup-compatibility/2006" xmlns:a14="http://schemas.microsoft.com/office/drawing/2010/main">
+        <mc:Choice Requires="a14">
           <p:sp>
             <p:nvSpPr>
               <p:cNvPr id="33" name="椭圆 32"/>
@@ -7868,7 +9084,7 @@
             </p:txBody>
           </p:sp>
         </mc:Choice>
-        <mc:Fallback>
+        <mc:Fallback xmlns="">
           <p:sp>
             <p:nvSpPr>
               <p:cNvPr id="33" name="椭圆 32"/>
@@ -7886,7 +9102,7 @@
                 <a:avLst/>
               </a:prstGeom>
               <a:blipFill rotWithShape="1">
-                <a:blip r:embed="rId8"/>
+                <a:blip r:embed="rId9"/>
                 <a:stretch>
                   <a:fillRect l="-2420" t="-2403" r="-2318" b="-2335"/>
                 </a:stretch>
@@ -7928,8 +9144,8 @@
           </p:sp>
         </mc:Fallback>
       </mc:AlternateContent>
-      <mc:AlternateContent xmlns:mc="http://schemas.openxmlformats.org/markup-compatibility/2006">
-        <mc:Choice xmlns:a14="http://schemas.microsoft.com/office/drawing/2010/main" Requires="a14">
+      <mc:AlternateContent xmlns:mc="http://schemas.openxmlformats.org/markup-compatibility/2006" xmlns:a14="http://schemas.microsoft.com/office/drawing/2010/main">
+        <mc:Choice Requires="a14">
           <p:sp>
             <p:nvSpPr>
               <p:cNvPr id="34" name="椭圆 33"/>
@@ -7999,7 +9215,7 @@
             </p:txBody>
           </p:sp>
         </mc:Choice>
-        <mc:Fallback>
+        <mc:Fallback xmlns="">
           <p:sp>
             <p:nvSpPr>
               <p:cNvPr id="34" name="椭圆 33"/>
@@ -8017,7 +9233,7 @@
                 <a:avLst/>
               </a:prstGeom>
               <a:blipFill rotWithShape="1">
-                <a:blip r:embed="rId9"/>
+                <a:blip r:embed="rId10"/>
                 <a:stretch>
                   <a:fillRect l="-2379" t="-2403" r="-2359" b="-2335"/>
                 </a:stretch>
@@ -8059,8 +9275,8 @@
           </p:sp>
         </mc:Fallback>
       </mc:AlternateContent>
-      <mc:AlternateContent xmlns:mc="http://schemas.openxmlformats.org/markup-compatibility/2006">
-        <mc:Choice xmlns:a14="http://schemas.microsoft.com/office/drawing/2010/main" Requires="a14">
+      <mc:AlternateContent xmlns:mc="http://schemas.openxmlformats.org/markup-compatibility/2006" xmlns:a14="http://schemas.microsoft.com/office/drawing/2010/main">
+        <mc:Choice Requires="a14">
           <p:sp>
             <p:nvSpPr>
               <p:cNvPr id="35" name="椭圆 34"/>
@@ -8130,7 +9346,7 @@
             </p:txBody>
           </p:sp>
         </mc:Choice>
-        <mc:Fallback>
+        <mc:Fallback xmlns="">
           <p:sp>
             <p:nvSpPr>
               <p:cNvPr id="35" name="椭圆 34"/>
@@ -8148,7 +9364,7 @@
                 <a:avLst/>
               </a:prstGeom>
               <a:blipFill rotWithShape="1">
-                <a:blip r:embed="rId10"/>
+                <a:blip r:embed="rId11"/>
                 <a:stretch>
                   <a:fillRect l="-2496" t="-2403" r="-2242" b="-2335"/>
                 </a:stretch>
@@ -8860,11 +10076,6 @@
               </a:rPr>
               <a:t>(r):</a:t>
             </a:r>
-            <a:endParaRPr lang="en-GB" b="1" u="sng" dirty="0">
-              <a:solidFill>
-                <a:schemeClr val="tx1"/>
-              </a:solidFill>
-            </a:endParaRPr>
           </a:p>
           <a:p>
             <a:pPr>
@@ -8882,13 +10093,6 @@
               </a:rPr>
               <a:t>if (r != NULL)</a:t>
             </a:r>
-            <a:endParaRPr lang="en-GB" dirty="0">
-              <a:solidFill>
-                <a:schemeClr val="tx1"/>
-              </a:solidFill>
-              <a:latin typeface="Courier New" panose="02070309020205020404" pitchFamily="49" charset="0"/>
-              <a:cs typeface="Courier New" panose="02070309020205020404" pitchFamily="49" charset="0"/>
-            </a:endParaRPr>
           </a:p>
           <a:p>
             <a:pPr>
@@ -8906,13 +10110,6 @@
               </a:rPr>
               <a:t>  for (each child u of r)</a:t>
             </a:r>
-            <a:endParaRPr lang="en-GB" dirty="0">
-              <a:solidFill>
-                <a:schemeClr val="tx1"/>
-              </a:solidFill>
-              <a:latin typeface="Courier New" panose="02070309020205020404" pitchFamily="49" charset="0"/>
-              <a:cs typeface="Courier New" panose="02070309020205020404" pitchFamily="49" charset="0"/>
-            </a:endParaRPr>
           </a:p>
           <a:p>
             <a:pPr>
@@ -8950,13 +10147,6 @@
               </a:rPr>
               <a:t>(u)</a:t>
             </a:r>
-            <a:endParaRPr lang="en-GB" dirty="0">
-              <a:solidFill>
-                <a:schemeClr val="tx1"/>
-              </a:solidFill>
-              <a:latin typeface="Courier New" panose="02070309020205020404" pitchFamily="49" charset="0"/>
-              <a:cs typeface="Courier New" panose="02070309020205020404" pitchFamily="49" charset="0"/>
-            </a:endParaRPr>
           </a:p>
           <a:p>
             <a:pPr>
@@ -8974,13 +10164,6 @@
               </a:rPr>
               <a:t>  Visit(r)</a:t>
             </a:r>
-            <a:endParaRPr lang="en-GB" dirty="0">
-              <a:solidFill>
-                <a:schemeClr val="tx1"/>
-              </a:solidFill>
-              <a:latin typeface="Courier New" panose="02070309020205020404" pitchFamily="49" charset="0"/>
-              <a:cs typeface="Courier New" panose="02070309020205020404" pitchFamily="49" charset="0"/>
-            </a:endParaRPr>
           </a:p>
         </p:txBody>
       </p:sp>
@@ -10014,7 +11197,7 @@
 </p:sld>
 </file>
 
-<file path=ppt/slides/slide12.xml><?xml version="1.0" encoding="utf-8"?>
+<file path=ppt/slides/slide13.xml><?xml version="1.0" encoding="utf-8"?>
 <p:sld xmlns:a="http://schemas.openxmlformats.org/drawingml/2006/main" xmlns:r="http://schemas.openxmlformats.org/officeDocument/2006/relationships" xmlns:p="http://schemas.openxmlformats.org/presentationml/2006/main">
   <p:cSld>
     <p:spTree>
@@ -10050,12 +11233,11 @@
               <a:rPr lang="en-US" dirty="0"/>
               <a:t>Inorder Traversal</a:t>
             </a:r>
-            <a:endParaRPr lang="en-US" dirty="0"/>
           </a:p>
         </p:txBody>
       </p:sp>
-      <mc:AlternateContent xmlns:mc="http://schemas.openxmlformats.org/markup-compatibility/2006">
-        <mc:Choice xmlns:a14="http://schemas.microsoft.com/office/drawing/2010/main" Requires="a14">
+      <mc:AlternateContent xmlns:mc="http://schemas.openxmlformats.org/markup-compatibility/2006" xmlns:a14="http://schemas.microsoft.com/office/drawing/2010/main">
+        <mc:Choice Requires="a14">
           <p:sp>
             <p:nvSpPr>
               <p:cNvPr id="13" name="椭圆 12"/>
@@ -10125,7 +11307,7 @@
             </p:txBody>
           </p:sp>
         </mc:Choice>
-        <mc:Fallback>
+        <mc:Fallback xmlns="">
           <p:sp>
             <p:nvSpPr>
               <p:cNvPr id="13" name="椭圆 12"/>
@@ -10143,7 +11325,7 @@
                 <a:avLst/>
               </a:prstGeom>
               <a:blipFill rotWithShape="1">
-                <a:blip r:embed="rId1"/>
+                <a:blip r:embed="rId2"/>
                 <a:stretch>
                   <a:fillRect l="-2379" t="-2438" r="-2359" b="-2300"/>
                 </a:stretch>
@@ -10223,8 +11405,8 @@
           </a:fontRef>
         </p:style>
       </p:cxnSp>
-      <mc:AlternateContent xmlns:mc="http://schemas.openxmlformats.org/markup-compatibility/2006">
-        <mc:Choice xmlns:a14="http://schemas.microsoft.com/office/drawing/2010/main" Requires="a14">
+      <mc:AlternateContent xmlns:mc="http://schemas.openxmlformats.org/markup-compatibility/2006" xmlns:a14="http://schemas.microsoft.com/office/drawing/2010/main">
+        <mc:Choice Requires="a14">
           <p:sp>
             <p:nvSpPr>
               <p:cNvPr id="27" name="椭圆 26"/>
@@ -10294,7 +11476,7 @@
             </p:txBody>
           </p:sp>
         </mc:Choice>
-        <mc:Fallback>
+        <mc:Fallback xmlns="">
           <p:sp>
             <p:nvSpPr>
               <p:cNvPr id="27" name="椭圆 26"/>
@@ -10312,7 +11494,7 @@
                 <a:avLst/>
               </a:prstGeom>
               <a:blipFill rotWithShape="1">
-                <a:blip r:embed="rId2"/>
+                <a:blip r:embed="rId3"/>
                 <a:stretch>
                   <a:fillRect l="-2379" t="-2502" r="-2359" b="-2236"/>
                 </a:stretch>
@@ -10354,8 +11536,8 @@
           </p:sp>
         </mc:Fallback>
       </mc:AlternateContent>
-      <mc:AlternateContent xmlns:mc="http://schemas.openxmlformats.org/markup-compatibility/2006">
-        <mc:Choice xmlns:a14="http://schemas.microsoft.com/office/drawing/2010/main" Requires="a14">
+      <mc:AlternateContent xmlns:mc="http://schemas.openxmlformats.org/markup-compatibility/2006" xmlns:a14="http://schemas.microsoft.com/office/drawing/2010/main">
+        <mc:Choice Requires="a14">
           <p:sp>
             <p:nvSpPr>
               <p:cNvPr id="28" name="椭圆 27"/>
@@ -10425,7 +11607,7 @@
             </p:txBody>
           </p:sp>
         </mc:Choice>
-        <mc:Fallback>
+        <mc:Fallback xmlns="">
           <p:sp>
             <p:nvSpPr>
               <p:cNvPr id="28" name="椭圆 27"/>
@@ -10443,7 +11625,7 @@
                 <a:avLst/>
               </a:prstGeom>
               <a:blipFill rotWithShape="1">
-                <a:blip r:embed="rId3"/>
+                <a:blip r:embed="rId4"/>
                 <a:stretch>
                   <a:fillRect l="-2465" t="-2502" r="-2273" b="-2236"/>
                 </a:stretch>
@@ -10485,8 +11667,8 @@
           </p:sp>
         </mc:Fallback>
       </mc:AlternateContent>
-      <mc:AlternateContent xmlns:mc="http://schemas.openxmlformats.org/markup-compatibility/2006">
-        <mc:Choice xmlns:a14="http://schemas.microsoft.com/office/drawing/2010/main" Requires="a14">
+      <mc:AlternateContent xmlns:mc="http://schemas.openxmlformats.org/markup-compatibility/2006" xmlns:a14="http://schemas.microsoft.com/office/drawing/2010/main">
+        <mc:Choice Requires="a14">
           <p:sp>
             <p:nvSpPr>
               <p:cNvPr id="29" name="椭圆 28"/>
@@ -10556,7 +11738,7 @@
             </p:txBody>
           </p:sp>
         </mc:Choice>
-        <mc:Fallback>
+        <mc:Fallback xmlns="">
           <p:sp>
             <p:nvSpPr>
               <p:cNvPr id="29" name="椭圆 28"/>
@@ -10574,7 +11756,7 @@
                 <a:avLst/>
               </a:prstGeom>
               <a:blipFill rotWithShape="1">
-                <a:blip r:embed="rId4"/>
+                <a:blip r:embed="rId5"/>
                 <a:stretch>
                   <a:fillRect l="-2400" t="-2409" r="-2339" b="-2329"/>
                 </a:stretch>
@@ -10616,8 +11798,8 @@
           </p:sp>
         </mc:Fallback>
       </mc:AlternateContent>
-      <mc:AlternateContent xmlns:mc="http://schemas.openxmlformats.org/markup-compatibility/2006">
-        <mc:Choice xmlns:a14="http://schemas.microsoft.com/office/drawing/2010/main" Requires="a14">
+      <mc:AlternateContent xmlns:mc="http://schemas.openxmlformats.org/markup-compatibility/2006" xmlns:a14="http://schemas.microsoft.com/office/drawing/2010/main">
+        <mc:Choice Requires="a14">
           <p:sp>
             <p:nvSpPr>
               <p:cNvPr id="30" name="椭圆 29"/>
@@ -10687,7 +11869,7 @@
             </p:txBody>
           </p:sp>
         </mc:Choice>
-        <mc:Fallback>
+        <mc:Fallback xmlns="">
           <p:sp>
             <p:nvSpPr>
               <p:cNvPr id="30" name="椭圆 29"/>
@@ -10705,7 +11887,7 @@
                 <a:avLst/>
               </a:prstGeom>
               <a:blipFill rotWithShape="1">
-                <a:blip r:embed="rId5"/>
+                <a:blip r:embed="rId6"/>
                 <a:stretch>
                   <a:fillRect l="-2516" t="-2409" r="-2222" b="-2329"/>
                 </a:stretch>
@@ -10747,8 +11929,8 @@
           </p:sp>
         </mc:Fallback>
       </mc:AlternateContent>
-      <mc:AlternateContent xmlns:mc="http://schemas.openxmlformats.org/markup-compatibility/2006">
-        <mc:Choice xmlns:a14="http://schemas.microsoft.com/office/drawing/2010/main" Requires="a14">
+      <mc:AlternateContent xmlns:mc="http://schemas.openxmlformats.org/markup-compatibility/2006" xmlns:a14="http://schemas.microsoft.com/office/drawing/2010/main">
+        <mc:Choice Requires="a14">
           <p:sp>
             <p:nvSpPr>
               <p:cNvPr id="31" name="椭圆 30"/>
@@ -10818,7 +12000,7 @@
             </p:txBody>
           </p:sp>
         </mc:Choice>
-        <mc:Fallback>
+        <mc:Fallback xmlns="">
           <p:sp>
             <p:nvSpPr>
               <p:cNvPr id="31" name="椭圆 30"/>
@@ -10836,7 +12018,7 @@
                 <a:avLst/>
               </a:prstGeom>
               <a:blipFill rotWithShape="1">
-                <a:blip r:embed="rId6"/>
+                <a:blip r:embed="rId7"/>
                 <a:stretch>
                   <a:fillRect l="-2485" t="-2409" r="-2253" b="-2329"/>
                 </a:stretch>
@@ -10878,8 +12060,8 @@
           </p:sp>
         </mc:Fallback>
       </mc:AlternateContent>
-      <mc:AlternateContent xmlns:mc="http://schemas.openxmlformats.org/markup-compatibility/2006">
-        <mc:Choice xmlns:a14="http://schemas.microsoft.com/office/drawing/2010/main" Requires="a14">
+      <mc:AlternateContent xmlns:mc="http://schemas.openxmlformats.org/markup-compatibility/2006" xmlns:a14="http://schemas.microsoft.com/office/drawing/2010/main">
+        <mc:Choice Requires="a14">
           <p:sp>
             <p:nvSpPr>
               <p:cNvPr id="32" name="椭圆 31"/>
@@ -10949,7 +12131,7 @@
             </p:txBody>
           </p:sp>
         </mc:Choice>
-        <mc:Fallback>
+        <mc:Fallback xmlns="">
           <p:sp>
             <p:nvSpPr>
               <p:cNvPr id="32" name="椭圆 31"/>
@@ -10967,7 +12149,7 @@
                 <a:avLst/>
               </a:prstGeom>
               <a:blipFill rotWithShape="1">
-                <a:blip r:embed="rId7"/>
+                <a:blip r:embed="rId8"/>
                 <a:stretch>
                   <a:fillRect l="-2445" t="-2409" r="-2294" b="-2329"/>
                 </a:stretch>
@@ -11009,8 +12191,8 @@
           </p:sp>
         </mc:Fallback>
       </mc:AlternateContent>
-      <mc:AlternateContent xmlns:mc="http://schemas.openxmlformats.org/markup-compatibility/2006">
-        <mc:Choice xmlns:a14="http://schemas.microsoft.com/office/drawing/2010/main" Requires="a14">
+      <mc:AlternateContent xmlns:mc="http://schemas.openxmlformats.org/markup-compatibility/2006" xmlns:a14="http://schemas.microsoft.com/office/drawing/2010/main">
+        <mc:Choice Requires="a14">
           <p:sp>
             <p:nvSpPr>
               <p:cNvPr id="33" name="椭圆 32"/>
@@ -11080,7 +12262,7 @@
             </p:txBody>
           </p:sp>
         </mc:Choice>
-        <mc:Fallback>
+        <mc:Fallback xmlns="">
           <p:sp>
             <p:nvSpPr>
               <p:cNvPr id="33" name="椭圆 32"/>
@@ -11098,7 +12280,7 @@
                 <a:avLst/>
               </a:prstGeom>
               <a:blipFill rotWithShape="1">
-                <a:blip r:embed="rId8"/>
+                <a:blip r:embed="rId9"/>
                 <a:stretch>
                   <a:fillRect l="-2420" t="-2403" r="-2318" b="-2335"/>
                 </a:stretch>
@@ -11140,8 +12322,8 @@
           </p:sp>
         </mc:Fallback>
       </mc:AlternateContent>
-      <mc:AlternateContent xmlns:mc="http://schemas.openxmlformats.org/markup-compatibility/2006">
-        <mc:Choice xmlns:a14="http://schemas.microsoft.com/office/drawing/2010/main" Requires="a14">
+      <mc:AlternateContent xmlns:mc="http://schemas.openxmlformats.org/markup-compatibility/2006" xmlns:a14="http://schemas.microsoft.com/office/drawing/2010/main">
+        <mc:Choice Requires="a14">
           <p:sp>
             <p:nvSpPr>
               <p:cNvPr id="34" name="椭圆 33"/>
@@ -11211,7 +12393,7 @@
             </p:txBody>
           </p:sp>
         </mc:Choice>
-        <mc:Fallback>
+        <mc:Fallback xmlns="">
           <p:sp>
             <p:nvSpPr>
               <p:cNvPr id="34" name="椭圆 33"/>
@@ -11229,7 +12411,7 @@
                 <a:avLst/>
               </a:prstGeom>
               <a:blipFill rotWithShape="1">
-                <a:blip r:embed="rId9"/>
+                <a:blip r:embed="rId10"/>
                 <a:stretch>
                   <a:fillRect l="-2379" t="-2403" r="-2359" b="-2335"/>
                 </a:stretch>
@@ -11271,8 +12453,8 @@
           </p:sp>
         </mc:Fallback>
       </mc:AlternateContent>
-      <mc:AlternateContent xmlns:mc="http://schemas.openxmlformats.org/markup-compatibility/2006">
-        <mc:Choice xmlns:a14="http://schemas.microsoft.com/office/drawing/2010/main" Requires="a14">
+      <mc:AlternateContent xmlns:mc="http://schemas.openxmlformats.org/markup-compatibility/2006" xmlns:a14="http://schemas.microsoft.com/office/drawing/2010/main">
+        <mc:Choice Requires="a14">
           <p:sp>
             <p:nvSpPr>
               <p:cNvPr id="35" name="椭圆 34"/>
@@ -11342,7 +12524,7 @@
             </p:txBody>
           </p:sp>
         </mc:Choice>
-        <mc:Fallback>
+        <mc:Fallback xmlns="">
           <p:sp>
             <p:nvSpPr>
               <p:cNvPr id="35" name="椭圆 34"/>
@@ -11360,7 +12542,7 @@
                 <a:avLst/>
               </a:prstGeom>
               <a:blipFill rotWithShape="1">
-                <a:blip r:embed="rId10"/>
+                <a:blip r:embed="rId11"/>
                 <a:stretch>
                   <a:fillRect l="-2496" t="-2403" r="-2242" b="-2335"/>
                 </a:stretch>
@@ -12072,11 +13254,6 @@
               </a:rPr>
               <a:t>(r):</a:t>
             </a:r>
-            <a:endParaRPr lang="en-GB" b="1" u="sng" dirty="0">
-              <a:solidFill>
-                <a:schemeClr val="tx1"/>
-              </a:solidFill>
-            </a:endParaRPr>
           </a:p>
           <a:p>
             <a:pPr>
@@ -12094,13 +13271,6 @@
               </a:rPr>
               <a:t>if (r != NULL)</a:t>
             </a:r>
-            <a:endParaRPr lang="en-GB" dirty="0">
-              <a:solidFill>
-                <a:schemeClr val="tx1"/>
-              </a:solidFill>
-              <a:latin typeface="Courier New" panose="02070309020205020404" pitchFamily="49" charset="0"/>
-              <a:cs typeface="Courier New" panose="02070309020205020404" pitchFamily="49" charset="0"/>
-            </a:endParaRPr>
           </a:p>
           <a:p>
             <a:pPr>
@@ -12158,13 +13328,6 @@
               </a:rPr>
               <a:t>)</a:t>
             </a:r>
-            <a:endParaRPr lang="en-GB" dirty="0">
-              <a:solidFill>
-                <a:schemeClr val="tx1"/>
-              </a:solidFill>
-              <a:latin typeface="Courier New" panose="02070309020205020404" pitchFamily="49" charset="0"/>
-              <a:cs typeface="Courier New" panose="02070309020205020404" pitchFamily="49" charset="0"/>
-            </a:endParaRPr>
           </a:p>
           <a:p>
             <a:pPr>
@@ -12182,13 +13345,6 @@
               </a:rPr>
               <a:t>  Visit(r)</a:t>
             </a:r>
-            <a:endParaRPr lang="en-GB" dirty="0">
-              <a:solidFill>
-                <a:schemeClr val="tx1"/>
-              </a:solidFill>
-              <a:latin typeface="Courier New" panose="02070309020205020404" pitchFamily="49" charset="0"/>
-              <a:cs typeface="Courier New" panose="02070309020205020404" pitchFamily="49" charset="0"/>
-            </a:endParaRPr>
           </a:p>
           <a:p>
             <a:pPr>
@@ -12246,13 +13402,6 @@
               </a:rPr>
               <a:t>)</a:t>
             </a:r>
-            <a:endParaRPr lang="en-GB" dirty="0">
-              <a:solidFill>
-                <a:schemeClr val="tx1"/>
-              </a:solidFill>
-              <a:latin typeface="Courier New" panose="02070309020205020404" pitchFamily="49" charset="0"/>
-              <a:cs typeface="Courier New" panose="02070309020205020404" pitchFamily="49" charset="0"/>
-            </a:endParaRPr>
           </a:p>
         </p:txBody>
       </p:sp>
@@ -13286,7 +14435,7 @@
 </p:sld>
 </file>
 
-<file path=ppt/slides/slide13.xml><?xml version="1.0" encoding="utf-8"?>
+<file path=ppt/slides/slide14.xml><?xml version="1.0" encoding="utf-8"?>
 <p:sld xmlns:a="http://schemas.openxmlformats.org/drawingml/2006/main" xmlns:r="http://schemas.openxmlformats.org/officeDocument/2006/relationships" xmlns:p="http://schemas.openxmlformats.org/presentationml/2006/main">
   <p:cSld>
     <p:spTree>
@@ -13322,7 +14471,6 @@
               <a:rPr lang="en-US" dirty="0"/>
               <a:t>Complexity of recursive traversal</a:t>
             </a:r>
-            <a:endParaRPr lang="en-US" dirty="0"/>
           </a:p>
         </p:txBody>
       </p:sp>
@@ -13392,11 +14540,6 @@
               </a:rPr>
               <a:t>(r):</a:t>
             </a:r>
-            <a:endParaRPr lang="en-GB" b="1" u="sng" dirty="0">
-              <a:solidFill>
-                <a:schemeClr val="tx1"/>
-              </a:solidFill>
-            </a:endParaRPr>
           </a:p>
           <a:p>
             <a:pPr>
@@ -13414,13 +14557,6 @@
               </a:rPr>
               <a:t>if (r != NULL)</a:t>
             </a:r>
-            <a:endParaRPr lang="en-GB" dirty="0">
-              <a:solidFill>
-                <a:schemeClr val="tx1"/>
-              </a:solidFill>
-              <a:latin typeface="Courier New" panose="02070309020205020404" pitchFamily="49" charset="0"/>
-              <a:cs typeface="Courier New" panose="02070309020205020404" pitchFamily="49" charset="0"/>
-            </a:endParaRPr>
           </a:p>
           <a:p>
             <a:pPr>
@@ -13438,13 +14574,6 @@
               </a:rPr>
               <a:t>  Visit(r)</a:t>
             </a:r>
-            <a:endParaRPr lang="en-GB" dirty="0">
-              <a:solidFill>
-                <a:schemeClr val="tx1"/>
-              </a:solidFill>
-              <a:latin typeface="Courier New" panose="02070309020205020404" pitchFamily="49" charset="0"/>
-              <a:cs typeface="Courier New" panose="02070309020205020404" pitchFamily="49" charset="0"/>
-            </a:endParaRPr>
           </a:p>
           <a:p>
             <a:pPr>
@@ -13462,13 +14591,6 @@
               </a:rPr>
               <a:t>  for (each child u of r)</a:t>
             </a:r>
-            <a:endParaRPr lang="en-GB" dirty="0">
-              <a:solidFill>
-                <a:schemeClr val="tx1"/>
-              </a:solidFill>
-              <a:latin typeface="Courier New" panose="02070309020205020404" pitchFamily="49" charset="0"/>
-              <a:cs typeface="Courier New" panose="02070309020205020404" pitchFamily="49" charset="0"/>
-            </a:endParaRPr>
           </a:p>
           <a:p>
             <a:pPr>
@@ -13506,13 +14628,6 @@
               </a:rPr>
               <a:t>(u)</a:t>
             </a:r>
-            <a:endParaRPr lang="en-GB" dirty="0">
-              <a:solidFill>
-                <a:schemeClr val="tx1"/>
-              </a:solidFill>
-              <a:latin typeface="Courier New" panose="02070309020205020404" pitchFamily="49" charset="0"/>
-              <a:cs typeface="Courier New" panose="02070309020205020404" pitchFamily="49" charset="0"/>
-            </a:endParaRPr>
           </a:p>
         </p:txBody>
       </p:sp>
@@ -13582,11 +14697,6 @@
               </a:rPr>
               <a:t>(r):</a:t>
             </a:r>
-            <a:endParaRPr lang="en-GB" b="1" u="sng" dirty="0">
-              <a:solidFill>
-                <a:schemeClr val="tx1"/>
-              </a:solidFill>
-            </a:endParaRPr>
           </a:p>
           <a:p>
             <a:pPr>
@@ -13604,13 +14714,6 @@
               </a:rPr>
               <a:t>if (r != NULL)</a:t>
             </a:r>
-            <a:endParaRPr lang="en-GB" dirty="0">
-              <a:solidFill>
-                <a:schemeClr val="tx1"/>
-              </a:solidFill>
-              <a:latin typeface="Courier New" panose="02070309020205020404" pitchFamily="49" charset="0"/>
-              <a:cs typeface="Courier New" panose="02070309020205020404" pitchFamily="49" charset="0"/>
-            </a:endParaRPr>
           </a:p>
           <a:p>
             <a:pPr>
@@ -13628,13 +14731,6 @@
               </a:rPr>
               <a:t>  for (each child u of r)</a:t>
             </a:r>
-            <a:endParaRPr lang="en-GB" dirty="0">
-              <a:solidFill>
-                <a:schemeClr val="tx1"/>
-              </a:solidFill>
-              <a:latin typeface="Courier New" panose="02070309020205020404" pitchFamily="49" charset="0"/>
-              <a:cs typeface="Courier New" panose="02070309020205020404" pitchFamily="49" charset="0"/>
-            </a:endParaRPr>
           </a:p>
           <a:p>
             <a:pPr>
@@ -13672,13 +14768,6 @@
               </a:rPr>
               <a:t>(u)</a:t>
             </a:r>
-            <a:endParaRPr lang="en-GB" dirty="0">
-              <a:solidFill>
-                <a:schemeClr val="tx1"/>
-              </a:solidFill>
-              <a:latin typeface="Courier New" panose="02070309020205020404" pitchFamily="49" charset="0"/>
-              <a:cs typeface="Courier New" panose="02070309020205020404" pitchFamily="49" charset="0"/>
-            </a:endParaRPr>
           </a:p>
           <a:p>
             <a:pPr>
@@ -13696,13 +14785,6 @@
               </a:rPr>
               <a:t>  Visit(r)</a:t>
             </a:r>
-            <a:endParaRPr lang="en-GB" dirty="0">
-              <a:solidFill>
-                <a:schemeClr val="tx1"/>
-              </a:solidFill>
-              <a:latin typeface="Courier New" panose="02070309020205020404" pitchFamily="49" charset="0"/>
-              <a:cs typeface="Courier New" panose="02070309020205020404" pitchFamily="49" charset="0"/>
-            </a:endParaRPr>
           </a:p>
         </p:txBody>
       </p:sp>
@@ -13772,11 +14854,6 @@
               </a:rPr>
               <a:t>(r):</a:t>
             </a:r>
-            <a:endParaRPr lang="en-GB" b="1" u="sng" dirty="0">
-              <a:solidFill>
-                <a:schemeClr val="tx1"/>
-              </a:solidFill>
-            </a:endParaRPr>
           </a:p>
           <a:p>
             <a:pPr>
@@ -13794,13 +14871,6 @@
               </a:rPr>
               <a:t>if (r != NULL)</a:t>
             </a:r>
-            <a:endParaRPr lang="en-GB" dirty="0">
-              <a:solidFill>
-                <a:schemeClr val="tx1"/>
-              </a:solidFill>
-              <a:latin typeface="Courier New" panose="02070309020205020404" pitchFamily="49" charset="0"/>
-              <a:cs typeface="Courier New" panose="02070309020205020404" pitchFamily="49" charset="0"/>
-            </a:endParaRPr>
           </a:p>
           <a:p>
             <a:pPr>
@@ -13858,13 +14928,6 @@
               </a:rPr>
               <a:t>)</a:t>
             </a:r>
-            <a:endParaRPr lang="en-GB" dirty="0">
-              <a:solidFill>
-                <a:schemeClr val="tx1"/>
-              </a:solidFill>
-              <a:latin typeface="Courier New" panose="02070309020205020404" pitchFamily="49" charset="0"/>
-              <a:cs typeface="Courier New" panose="02070309020205020404" pitchFamily="49" charset="0"/>
-            </a:endParaRPr>
           </a:p>
           <a:p>
             <a:pPr>
@@ -13882,13 +14945,6 @@
               </a:rPr>
               <a:t>  Visit(r)</a:t>
             </a:r>
-            <a:endParaRPr lang="en-GB" dirty="0">
-              <a:solidFill>
-                <a:schemeClr val="tx1"/>
-              </a:solidFill>
-              <a:latin typeface="Courier New" panose="02070309020205020404" pitchFamily="49" charset="0"/>
-              <a:cs typeface="Courier New" panose="02070309020205020404" pitchFamily="49" charset="0"/>
-            </a:endParaRPr>
           </a:p>
           <a:p>
             <a:pPr>
@@ -13946,18 +15002,11 @@
               </a:rPr>
               <a:t>)</a:t>
             </a:r>
-            <a:endParaRPr lang="en-GB" dirty="0">
-              <a:solidFill>
-                <a:schemeClr val="tx1"/>
-              </a:solidFill>
-              <a:latin typeface="Courier New" panose="02070309020205020404" pitchFamily="49" charset="0"/>
-              <a:cs typeface="Courier New" panose="02070309020205020404" pitchFamily="49" charset="0"/>
-            </a:endParaRPr>
           </a:p>
         </p:txBody>
       </p:sp>
-      <mc:AlternateContent xmlns:mc="http://schemas.openxmlformats.org/markup-compatibility/2006">
-        <mc:Choice xmlns:a14="http://schemas.microsoft.com/office/drawing/2010/main" Requires="a14">
+      <mc:AlternateContent xmlns:mc="http://schemas.openxmlformats.org/markup-compatibility/2006" xmlns:a14="http://schemas.microsoft.com/office/drawing/2010/main">
+        <mc:Choice Requires="a14">
           <p:sp>
             <p:nvSpPr>
               <p:cNvPr id="8" name="文本框 7"/>
@@ -14009,16 +15058,11 @@
                   </a:rPr>
                   <a:t> tree?</a:t>
                 </a:r>
-                <a:endParaRPr lang="en-US" sz="2000" b="1" dirty="0">
-                  <a:solidFill>
-                    <a:schemeClr val="accent1"/>
-                  </a:solidFill>
-                </a:endParaRPr>
               </a:p>
             </p:txBody>
           </p:sp>
         </mc:Choice>
-        <mc:Fallback>
+        <mc:Fallback xmlns="">
           <p:sp>
             <p:nvSpPr>
               <p:cNvPr id="8" name="文本框 7"/>
@@ -14036,7 +15080,7 @@
                 <a:avLst/>
               </a:prstGeom>
               <a:blipFill rotWithShape="1">
-                <a:blip r:embed="rId1"/>
+                <a:blip r:embed="rId2"/>
                 <a:stretch>
                   <a:fillRect t="-80" r="-33636" b="95"/>
                 </a:stretch>
@@ -14057,8 +15101,8 @@
           </p:sp>
         </mc:Fallback>
       </mc:AlternateContent>
-      <mc:AlternateContent xmlns:mc="http://schemas.openxmlformats.org/markup-compatibility/2006">
-        <mc:Choice xmlns:a14="http://schemas.microsoft.com/office/drawing/2010/main" Requires="a14">
+      <mc:AlternateContent xmlns:mc="http://schemas.openxmlformats.org/markup-compatibility/2006" xmlns:a14="http://schemas.microsoft.com/office/drawing/2010/main">
+        <mc:Choice Requires="a14">
           <p:sp>
             <p:nvSpPr>
               <p:cNvPr id="9" name="文本框 8"/>
@@ -14131,19 +15175,7 @@
                       <a:rPr lang="en-US" sz="2000" b="0" i="1" smtClean="0">
                         <a:latin typeface="Cambria Math" panose="02040503050406030204" pitchFamily="18" charset="0"/>
                       </a:rPr>
-                      <m:t>(</m:t>
-                    </m:r>
-                    <m:r>
-                      <a:rPr lang="en-US" sz="2000" b="0" i="1" smtClean="0">
-                        <a:latin typeface="Cambria Math" panose="02040503050406030204" pitchFamily="18" charset="0"/>
-                      </a:rPr>
-                      <m:t>1</m:t>
-                    </m:r>
-                    <m:r>
-                      <a:rPr lang="en-US" sz="2000" b="0" i="1" smtClean="0">
-                        <a:latin typeface="Cambria Math" panose="02040503050406030204" pitchFamily="18" charset="0"/>
-                      </a:rPr>
-                      <m:t>)</m:t>
+                      <m:t>(1)</m:t>
                     </m:r>
                   </m:oMath>
                 </a14:m>
@@ -14151,12 +15183,11 @@
                   <a:rPr lang="en-US" sz="2000" dirty="0"/>
                   <a:t>.</a:t>
                 </a:r>
-                <a:endParaRPr lang="en-US" sz="2000" dirty="0"/>
               </a:p>
             </p:txBody>
           </p:sp>
         </mc:Choice>
-        <mc:Fallback>
+        <mc:Fallback xmlns="">
           <p:sp>
             <p:nvSpPr>
               <p:cNvPr id="9" name="文本框 8"/>
@@ -14174,7 +15205,7 @@
                 <a:avLst/>
               </a:prstGeom>
               <a:blipFill rotWithShape="1">
-                <a:blip r:embed="rId2"/>
+                <a:blip r:embed="rId3"/>
                 <a:stretch>
                   <a:fillRect t="-95" r="-11746" b="110"/>
                 </a:stretch>
@@ -14195,8 +15226,8 @@
           </p:sp>
         </mc:Fallback>
       </mc:AlternateContent>
-      <mc:AlternateContent xmlns:mc="http://schemas.openxmlformats.org/markup-compatibility/2006">
-        <mc:Choice xmlns:a14="http://schemas.microsoft.com/office/drawing/2010/main" Requires="a14">
+      <mc:AlternateContent xmlns:mc="http://schemas.openxmlformats.org/markup-compatibility/2006" xmlns:a14="http://schemas.microsoft.com/office/drawing/2010/main">
+        <mc:Choice Requires="a14">
           <p:sp>
             <p:nvSpPr>
               <p:cNvPr id="10" name="文本框 9"/>
@@ -14248,16 +15279,11 @@
                   </a:rPr>
                   <a:t> tree?</a:t>
                 </a:r>
-                <a:endParaRPr lang="en-US" sz="2000" b="1" dirty="0">
-                  <a:solidFill>
-                    <a:schemeClr val="accent1"/>
-                  </a:solidFill>
-                </a:endParaRPr>
               </a:p>
             </p:txBody>
           </p:sp>
         </mc:Choice>
-        <mc:Fallback>
+        <mc:Fallback xmlns="">
           <p:sp>
             <p:nvSpPr>
               <p:cNvPr id="10" name="文本框 9"/>
@@ -14275,7 +15301,7 @@
                 <a:avLst/>
               </a:prstGeom>
               <a:blipFill rotWithShape="1">
-                <a:blip r:embed="rId3"/>
+                <a:blip r:embed="rId4"/>
                 <a:stretch>
                   <a:fillRect t="-152" r="-34482" b="8"/>
                 </a:stretch>
@@ -14296,8 +15322,8 @@
           </p:sp>
         </mc:Fallback>
       </mc:AlternateContent>
-      <mc:AlternateContent xmlns:mc="http://schemas.openxmlformats.org/markup-compatibility/2006">
-        <mc:Choice xmlns:a14="http://schemas.microsoft.com/office/drawing/2010/main" Requires="a14">
+      <mc:AlternateContent xmlns:mc="http://schemas.openxmlformats.org/markup-compatibility/2006" xmlns:a14="http://schemas.microsoft.com/office/drawing/2010/main">
+        <mc:Choice Requires="a14">
           <p:sp>
             <p:nvSpPr>
               <p:cNvPr id="11" name="文本框 10"/>
@@ -14390,12 +15416,11 @@
                   <a:rPr lang="en-US" sz="2000" dirty="0"/>
                   <a:t>.</a:t>
                 </a:r>
-                <a:endParaRPr lang="en-US" sz="2000" dirty="0"/>
               </a:p>
             </p:txBody>
           </p:sp>
         </mc:Choice>
-        <mc:Fallback>
+        <mc:Fallback xmlns="">
           <p:sp>
             <p:nvSpPr>
               <p:cNvPr id="11" name="文本框 10"/>
@@ -14413,7 +15438,7 @@
                 <a:avLst/>
               </a:prstGeom>
               <a:blipFill rotWithShape="1">
-                <a:blip r:embed="rId4"/>
+                <a:blip r:embed="rId5"/>
                 <a:stretch>
                   <a:fillRect t="-8" r="-12002" b="23"/>
                 </a:stretch>
@@ -14612,7 +15637,7 @@
 </p:sld>
 </file>
 
-<file path=ppt/slides/slide14.xml><?xml version="1.0" encoding="utf-8"?>
+<file path=ppt/slides/slide15.xml><?xml version="1.0" encoding="utf-8"?>
 <p:sld xmlns:a="http://schemas.openxmlformats.org/drawingml/2006/main" xmlns:r="http://schemas.openxmlformats.org/officeDocument/2006/relationships" xmlns:p="http://schemas.openxmlformats.org/presentationml/2006/main">
   <p:cSld>
     <p:spTree>
@@ -14695,11 +15720,6 @@
               </a:rPr>
               <a:t>(r):</a:t>
             </a:r>
-            <a:endParaRPr lang="en-GB" b="1" u="sng" dirty="0">
-              <a:solidFill>
-                <a:schemeClr val="tx1"/>
-              </a:solidFill>
-            </a:endParaRPr>
           </a:p>
           <a:p>
             <a:pPr>
@@ -14717,13 +15737,6 @@
               </a:rPr>
               <a:t>if (r != NULL)</a:t>
             </a:r>
-            <a:endParaRPr lang="en-GB" dirty="0">
-              <a:solidFill>
-                <a:schemeClr val="tx1"/>
-              </a:solidFill>
-              <a:latin typeface="Courier New" panose="02070309020205020404" pitchFamily="49" charset="0"/>
-              <a:cs typeface="Courier New" panose="02070309020205020404" pitchFamily="49" charset="0"/>
-            </a:endParaRPr>
           </a:p>
           <a:p>
             <a:pPr>
@@ -14741,13 +15754,6 @@
               </a:rPr>
               <a:t>  Visit(r)</a:t>
             </a:r>
-            <a:endParaRPr lang="en-GB" dirty="0">
-              <a:solidFill>
-                <a:schemeClr val="tx1"/>
-              </a:solidFill>
-              <a:latin typeface="Courier New" panose="02070309020205020404" pitchFamily="49" charset="0"/>
-              <a:cs typeface="Courier New" panose="02070309020205020404" pitchFamily="49" charset="0"/>
-            </a:endParaRPr>
           </a:p>
           <a:p>
             <a:pPr>
@@ -14765,13 +15771,6 @@
               </a:rPr>
               <a:t>  for (each child u of r)</a:t>
             </a:r>
-            <a:endParaRPr lang="en-GB" dirty="0">
-              <a:solidFill>
-                <a:schemeClr val="tx1"/>
-              </a:solidFill>
-              <a:latin typeface="Courier New" panose="02070309020205020404" pitchFamily="49" charset="0"/>
-              <a:cs typeface="Courier New" panose="02070309020205020404" pitchFamily="49" charset="0"/>
-            </a:endParaRPr>
           </a:p>
           <a:p>
             <a:pPr>
@@ -14809,13 +15808,6 @@
               </a:rPr>
               <a:t>(u)</a:t>
             </a:r>
-            <a:endParaRPr lang="en-GB" dirty="0">
-              <a:solidFill>
-                <a:schemeClr val="tx1"/>
-              </a:solidFill>
-              <a:latin typeface="Courier New" panose="02070309020205020404" pitchFamily="49" charset="0"/>
-              <a:cs typeface="Courier New" panose="02070309020205020404" pitchFamily="49" charset="0"/>
-            </a:endParaRPr>
           </a:p>
         </p:txBody>
       </p:sp>
@@ -14845,7 +15837,6 @@
               <a:rPr lang="en-US" dirty="0"/>
               <a:t>Directory Listing</a:t>
             </a:r>
-            <a:endParaRPr lang="en-US" dirty="0"/>
           </a:p>
         </p:txBody>
       </p:sp>
@@ -14858,7 +15849,7 @@
           <p:nvPr/>
         </p:nvPicPr>
         <p:blipFill>
-          <a:blip r:embed="rId1"/>
+          <a:blip r:embed="rId2"/>
           <a:stretch>
             <a:fillRect/>
           </a:stretch>
@@ -14898,7 +15889,7 @@
           <p:nvPr/>
         </p:nvPicPr>
         <p:blipFill>
-          <a:blip r:embed="rId2"/>
+          <a:blip r:embed="rId3"/>
           <a:stretch>
             <a:fillRect/>
           </a:stretch>
@@ -15011,11 +16002,6 @@
               </a:rPr>
               <a:t>, depth):</a:t>
             </a:r>
-            <a:endParaRPr lang="en-GB" b="1" u="sng" dirty="0">
-              <a:solidFill>
-                <a:schemeClr val="tx1"/>
-              </a:solidFill>
-            </a:endParaRPr>
           </a:p>
           <a:p>
             <a:pPr>
@@ -15053,13 +16039,6 @@
               </a:rPr>
               <a:t> != NULL)</a:t>
             </a:r>
-            <a:endParaRPr lang="en-GB" dirty="0">
-              <a:solidFill>
-                <a:schemeClr val="tx1"/>
-              </a:solidFill>
-              <a:latin typeface="Courier New" panose="02070309020205020404" pitchFamily="49" charset="0"/>
-              <a:cs typeface="Courier New" panose="02070309020205020404" pitchFamily="49" charset="0"/>
-            </a:endParaRPr>
           </a:p>
           <a:p>
             <a:pPr>
@@ -15117,13 +16096,6 @@
               </a:rPr>
               <a:t>)</a:t>
             </a:r>
-            <a:endParaRPr lang="en-GB" dirty="0">
-              <a:solidFill>
-                <a:schemeClr val="tx1"/>
-              </a:solidFill>
-              <a:latin typeface="Courier New" panose="02070309020205020404" pitchFamily="49" charset="0"/>
-              <a:cs typeface="Courier New" panose="02070309020205020404" pitchFamily="49" charset="0"/>
-            </a:endParaRPr>
           </a:p>
           <a:p>
             <a:pPr>
@@ -15181,13 +16153,6 @@
               </a:rPr>
               <a:t>))</a:t>
             </a:r>
-            <a:endParaRPr lang="en-GB" dirty="0">
-              <a:solidFill>
-                <a:schemeClr val="tx1"/>
-              </a:solidFill>
-              <a:latin typeface="Courier New" panose="02070309020205020404" pitchFamily="49" charset="0"/>
-              <a:cs typeface="Courier New" panose="02070309020205020404" pitchFamily="49" charset="0"/>
-            </a:endParaRPr>
           </a:p>
           <a:p>
             <a:pPr>
@@ -15225,13 +16190,6 @@
               </a:rPr>
               <a:t> in directory)</a:t>
             </a:r>
-            <a:endParaRPr lang="en-GB" dirty="0">
-              <a:solidFill>
-                <a:schemeClr val="tx1"/>
-              </a:solidFill>
-              <a:latin typeface="Courier New" panose="02070309020205020404" pitchFamily="49" charset="0"/>
-              <a:cs typeface="Courier New" panose="02070309020205020404" pitchFamily="49" charset="0"/>
-            </a:endParaRPr>
           </a:p>
           <a:p>
             <a:pPr>
@@ -15269,13 +16227,6 @@
               </a:rPr>
               <a:t>(obj,depth+1)</a:t>
             </a:r>
-            <a:endParaRPr lang="en-GB" dirty="0">
-              <a:solidFill>
-                <a:schemeClr val="tx1"/>
-              </a:solidFill>
-              <a:latin typeface="Courier New" panose="02070309020205020404" pitchFamily="49" charset="0"/>
-              <a:cs typeface="Courier New" panose="02070309020205020404" pitchFamily="49" charset="0"/>
-            </a:endParaRPr>
           </a:p>
         </p:txBody>
       </p:sp>
@@ -15456,7 +16407,7 @@
 </p:sld>
 </file>
 
-<file path=ppt/slides/slide15.xml><?xml version="1.0" encoding="utf-8"?>
+<file path=ppt/slides/slide16.xml><?xml version="1.0" encoding="utf-8"?>
 <p:sld xmlns:a="http://schemas.openxmlformats.org/drawingml/2006/main" xmlns:r="http://schemas.openxmlformats.org/officeDocument/2006/relationships" xmlns:p="http://schemas.openxmlformats.org/presentationml/2006/main">
   <p:cSld>
     <p:spTree>
@@ -15492,7 +16443,6 @@
               <a:rPr lang="en-US" dirty="0"/>
               <a:t>Iterative tree traversal</a:t>
             </a:r>
-            <a:endParaRPr lang="en-US" dirty="0"/>
           </a:p>
         </p:txBody>
       </p:sp>
@@ -15522,7 +16472,6 @@
               <a:rPr lang="en-US" sz="2000" dirty="0"/>
               <a:t>Basic idea: simulate the recursive process with the help of a stack.</a:t>
             </a:r>
-            <a:endParaRPr lang="en-US" sz="2000" dirty="0"/>
           </a:p>
         </p:txBody>
       </p:sp>
@@ -15592,11 +16541,6 @@
               </a:rPr>
               <a:t>(r):</a:t>
             </a:r>
-            <a:endParaRPr lang="en-GB" sz="1600" b="1" u="sng" dirty="0">
-              <a:solidFill>
-                <a:schemeClr val="tx1"/>
-              </a:solidFill>
-            </a:endParaRPr>
           </a:p>
           <a:p>
             <a:pPr>
@@ -15614,13 +16558,6 @@
               </a:rPr>
               <a:t>if (r != NULL)</a:t>
             </a:r>
-            <a:endParaRPr lang="en-GB" sz="1600" dirty="0">
-              <a:solidFill>
-                <a:schemeClr val="tx1"/>
-              </a:solidFill>
-              <a:latin typeface="Courier New" panose="02070309020205020404" pitchFamily="49" charset="0"/>
-              <a:cs typeface="Courier New" panose="02070309020205020404" pitchFamily="49" charset="0"/>
-            </a:endParaRPr>
           </a:p>
           <a:p>
             <a:pPr>
@@ -15638,13 +16575,6 @@
               </a:rPr>
               <a:t>  Visit(r)</a:t>
             </a:r>
-            <a:endParaRPr lang="en-GB" sz="1600" dirty="0">
-              <a:solidFill>
-                <a:schemeClr val="tx1"/>
-              </a:solidFill>
-              <a:latin typeface="Courier New" panose="02070309020205020404" pitchFamily="49" charset="0"/>
-              <a:cs typeface="Courier New" panose="02070309020205020404" pitchFamily="49" charset="0"/>
-            </a:endParaRPr>
           </a:p>
           <a:p>
             <a:pPr>
@@ -15662,13 +16592,6 @@
               </a:rPr>
               <a:t>  for (each child u of r)</a:t>
             </a:r>
-            <a:endParaRPr lang="en-GB" sz="1600" dirty="0">
-              <a:solidFill>
-                <a:schemeClr val="tx1"/>
-              </a:solidFill>
-              <a:latin typeface="Courier New" panose="02070309020205020404" pitchFamily="49" charset="0"/>
-              <a:cs typeface="Courier New" panose="02070309020205020404" pitchFamily="49" charset="0"/>
-            </a:endParaRPr>
           </a:p>
           <a:p>
             <a:pPr>
@@ -15706,13 +16629,6 @@
               </a:rPr>
               <a:t>(u)</a:t>
             </a:r>
-            <a:endParaRPr lang="en-GB" sz="1600" dirty="0">
-              <a:solidFill>
-                <a:schemeClr val="tx1"/>
-              </a:solidFill>
-              <a:latin typeface="Courier New" panose="02070309020205020404" pitchFamily="49" charset="0"/>
-              <a:cs typeface="Courier New" panose="02070309020205020404" pitchFamily="49" charset="0"/>
-            </a:endParaRPr>
           </a:p>
         </p:txBody>
       </p:sp>
@@ -15782,11 +16698,6 @@
               </a:rPr>
               <a:t>(root):</a:t>
             </a:r>
-            <a:endParaRPr lang="en-GB" sz="1600" b="1" u="sng" dirty="0">
-              <a:solidFill>
-                <a:schemeClr val="tx1"/>
-              </a:solidFill>
-            </a:endParaRPr>
           </a:p>
           <a:p>
             <a:pPr>
@@ -15804,13 +16715,6 @@
               </a:rPr>
               <a:t>Stack s</a:t>
             </a:r>
-            <a:endParaRPr lang="en-GB" sz="1600" dirty="0">
-              <a:solidFill>
-                <a:schemeClr val="tx1"/>
-              </a:solidFill>
-              <a:latin typeface="Courier New" panose="02070309020205020404" pitchFamily="49" charset="0"/>
-              <a:cs typeface="Courier New" panose="02070309020205020404" pitchFamily="49" charset="0"/>
-            </a:endParaRPr>
           </a:p>
           <a:p>
             <a:pPr>
@@ -15858,13 +16762,6 @@
               </a:rPr>
               <a:t>))</a:t>
             </a:r>
-            <a:endParaRPr lang="en-GB" sz="1600" dirty="0">
-              <a:solidFill>
-                <a:schemeClr val="tx1"/>
-              </a:solidFill>
-              <a:latin typeface="Courier New" panose="02070309020205020404" pitchFamily="49" charset="0"/>
-              <a:cs typeface="Courier New" panose="02070309020205020404" pitchFamily="49" charset="0"/>
-            </a:endParaRPr>
           </a:p>
           <a:p>
             <a:pPr>
@@ -15902,13 +16799,6 @@
               </a:rPr>
               <a:t>())</a:t>
             </a:r>
-            <a:endParaRPr lang="en-GB" sz="1600" dirty="0">
-              <a:solidFill>
-                <a:schemeClr val="tx1"/>
-              </a:solidFill>
-              <a:latin typeface="Courier New" panose="02070309020205020404" pitchFamily="49" charset="0"/>
-              <a:cs typeface="Courier New" panose="02070309020205020404" pitchFamily="49" charset="0"/>
-            </a:endParaRPr>
           </a:p>
           <a:p>
             <a:pPr>
@@ -15946,13 +16836,6 @@
               </a:rPr>
               <a:t>()</a:t>
             </a:r>
-            <a:endParaRPr lang="en-GB" sz="1600" dirty="0">
-              <a:solidFill>
-                <a:schemeClr val="tx1"/>
-              </a:solidFill>
-              <a:latin typeface="Courier New" panose="02070309020205020404" pitchFamily="49" charset="0"/>
-              <a:cs typeface="Courier New" panose="02070309020205020404" pitchFamily="49" charset="0"/>
-            </a:endParaRPr>
           </a:p>
           <a:p>
             <a:pPr>
@@ -15990,13 +16873,6 @@
               </a:rPr>
               <a:t> != NULL)</a:t>
             </a:r>
-            <a:endParaRPr lang="en-GB" sz="1600" dirty="0">
-              <a:solidFill>
-                <a:schemeClr val="tx1"/>
-              </a:solidFill>
-              <a:latin typeface="Courier New" panose="02070309020205020404" pitchFamily="49" charset="0"/>
-              <a:cs typeface="Courier New" panose="02070309020205020404" pitchFamily="49" charset="0"/>
-            </a:endParaRPr>
           </a:p>
           <a:p>
             <a:pPr>
@@ -16034,13 +16910,6 @@
               </a:rPr>
               <a:t>)</a:t>
             </a:r>
-            <a:endParaRPr lang="en-GB" sz="1600" dirty="0">
-              <a:solidFill>
-                <a:schemeClr val="tx1"/>
-              </a:solidFill>
-              <a:latin typeface="Courier New" panose="02070309020205020404" pitchFamily="49" charset="0"/>
-              <a:cs typeface="Courier New" panose="02070309020205020404" pitchFamily="49" charset="0"/>
-            </a:endParaRPr>
           </a:p>
           <a:p>
             <a:pPr>
@@ -16078,13 +16947,6 @@
               </a:rPr>
               <a:t>)</a:t>
             </a:r>
-            <a:endParaRPr lang="en-GB" sz="1600" dirty="0">
-              <a:solidFill>
-                <a:schemeClr val="tx1"/>
-              </a:solidFill>
-              <a:latin typeface="Courier New" panose="02070309020205020404" pitchFamily="49" charset="0"/>
-              <a:cs typeface="Courier New" panose="02070309020205020404" pitchFamily="49" charset="0"/>
-            </a:endParaRPr>
           </a:p>
           <a:p>
             <a:pPr>
@@ -16102,13 +16964,6 @@
               </a:rPr>
               <a:t>    else</a:t>
             </a:r>
-            <a:endParaRPr lang="en-GB" sz="1600" dirty="0">
-              <a:solidFill>
-                <a:schemeClr val="tx1"/>
-              </a:solidFill>
-              <a:latin typeface="Courier New" panose="02070309020205020404" pitchFamily="49" charset="0"/>
-              <a:cs typeface="Courier New" panose="02070309020205020404" pitchFamily="49" charset="0"/>
-            </a:endParaRPr>
           </a:p>
           <a:p>
             <a:pPr>
@@ -16146,13 +17001,6 @@
               </a:rPr>
               <a:t>)</a:t>
             </a:r>
-            <a:endParaRPr lang="en-GB" sz="1600" dirty="0">
-              <a:solidFill>
-                <a:schemeClr val="tx1"/>
-              </a:solidFill>
-              <a:latin typeface="Courier New" panose="02070309020205020404" pitchFamily="49" charset="0"/>
-              <a:cs typeface="Courier New" panose="02070309020205020404" pitchFamily="49" charset="0"/>
-            </a:endParaRPr>
           </a:p>
           <a:p>
             <a:pPr>
@@ -16210,13 +17058,6 @@
               </a:rPr>
               <a:t>))</a:t>
             </a:r>
-            <a:endParaRPr lang="en-GB" sz="1600" dirty="0">
-              <a:solidFill>
-                <a:schemeClr val="tx1"/>
-              </a:solidFill>
-              <a:latin typeface="Courier New" panose="02070309020205020404" pitchFamily="49" charset="0"/>
-              <a:cs typeface="Courier New" panose="02070309020205020404" pitchFamily="49" charset="0"/>
-            </a:endParaRPr>
           </a:p>
           <a:p>
             <a:pPr>
@@ -16274,13 +17115,6 @@
               </a:rPr>
               <a:t>))</a:t>
             </a:r>
-            <a:endParaRPr lang="en-GB" sz="1600" dirty="0">
-              <a:solidFill>
-                <a:schemeClr val="tx1"/>
-              </a:solidFill>
-              <a:latin typeface="Courier New" panose="02070309020205020404" pitchFamily="49" charset="0"/>
-              <a:cs typeface="Courier New" panose="02070309020205020404" pitchFamily="49" charset="0"/>
-            </a:endParaRPr>
           </a:p>
         </p:txBody>
       </p:sp>
@@ -16344,13 +17178,6 @@
               </a:rPr>
               <a:t>struct Frame {</a:t>
             </a:r>
-            <a:endParaRPr lang="en-GB" sz="1600" dirty="0">
-              <a:solidFill>
-                <a:schemeClr val="tx1"/>
-              </a:solidFill>
-              <a:latin typeface="Courier New" panose="02070309020205020404" pitchFamily="49" charset="0"/>
-              <a:cs typeface="Courier New" panose="02070309020205020404" pitchFamily="49" charset="0"/>
-            </a:endParaRPr>
           </a:p>
           <a:p>
             <a:pPr>
@@ -16368,13 +17195,6 @@
               </a:rPr>
               <a:t>  Node *node;</a:t>
             </a:r>
-            <a:endParaRPr lang="en-GB" sz="1600" dirty="0">
-              <a:solidFill>
-                <a:schemeClr val="tx1"/>
-              </a:solidFill>
-              <a:latin typeface="Courier New" panose="02070309020205020404" pitchFamily="49" charset="0"/>
-              <a:cs typeface="Courier New" panose="02070309020205020404" pitchFamily="49" charset="0"/>
-            </a:endParaRPr>
           </a:p>
           <a:p>
             <a:pPr>
@@ -16392,13 +17212,6 @@
               </a:rPr>
               <a:t>  bool visit;</a:t>
             </a:r>
-            <a:endParaRPr lang="en-GB" sz="1600" dirty="0">
-              <a:solidFill>
-                <a:schemeClr val="tx1"/>
-              </a:solidFill>
-              <a:latin typeface="Courier New" panose="02070309020205020404" pitchFamily="49" charset="0"/>
-              <a:cs typeface="Courier New" panose="02070309020205020404" pitchFamily="49" charset="0"/>
-            </a:endParaRPr>
           </a:p>
           <a:p>
             <a:pPr>
@@ -16436,13 +17249,6 @@
               </a:rPr>
               <a:t> v) {</a:t>
             </a:r>
-            <a:endParaRPr lang="en-GB" sz="1600" dirty="0">
-              <a:solidFill>
-                <a:schemeClr val="tx1"/>
-              </a:solidFill>
-              <a:latin typeface="Courier New" panose="02070309020205020404" pitchFamily="49" charset="0"/>
-              <a:cs typeface="Courier New" panose="02070309020205020404" pitchFamily="49" charset="0"/>
-            </a:endParaRPr>
           </a:p>
           <a:p>
             <a:pPr>
@@ -16460,13 +17266,6 @@
               </a:rPr>
               <a:t>    node = n;</a:t>
             </a:r>
-            <a:endParaRPr lang="en-GB" sz="1600" dirty="0">
-              <a:solidFill>
-                <a:schemeClr val="tx1"/>
-              </a:solidFill>
-              <a:latin typeface="Courier New" panose="02070309020205020404" pitchFamily="49" charset="0"/>
-              <a:cs typeface="Courier New" panose="02070309020205020404" pitchFamily="49" charset="0"/>
-            </a:endParaRPr>
           </a:p>
           <a:p>
             <a:pPr>
@@ -16484,13 +17283,6 @@
               </a:rPr>
               <a:t>    visit = v;</a:t>
             </a:r>
-            <a:endParaRPr lang="en-GB" sz="1600" dirty="0">
-              <a:solidFill>
-                <a:schemeClr val="tx1"/>
-              </a:solidFill>
-              <a:latin typeface="Courier New" panose="02070309020205020404" pitchFamily="49" charset="0"/>
-              <a:cs typeface="Courier New" panose="02070309020205020404" pitchFamily="49" charset="0"/>
-            </a:endParaRPr>
           </a:p>
           <a:p>
             <a:pPr>
@@ -16508,13 +17300,6 @@
               </a:rPr>
               <a:t>  }</a:t>
             </a:r>
-            <a:endParaRPr lang="en-GB" sz="1600" dirty="0">
-              <a:solidFill>
-                <a:schemeClr val="tx1"/>
-              </a:solidFill>
-              <a:latin typeface="Courier New" panose="02070309020205020404" pitchFamily="49" charset="0"/>
-              <a:cs typeface="Courier New" panose="02070309020205020404" pitchFamily="49" charset="0"/>
-            </a:endParaRPr>
           </a:p>
           <a:p>
             <a:pPr>
@@ -16532,13 +17317,6 @@
               </a:rPr>
               <a:t>}</a:t>
             </a:r>
-            <a:endParaRPr lang="en-GB" sz="1600" dirty="0">
-              <a:solidFill>
-                <a:schemeClr val="tx1"/>
-              </a:solidFill>
-              <a:latin typeface="Courier New" panose="02070309020205020404" pitchFamily="49" charset="0"/>
-              <a:cs typeface="Courier New" panose="02070309020205020404" pitchFamily="49" charset="0"/>
-            </a:endParaRPr>
           </a:p>
         </p:txBody>
       </p:sp>
@@ -16760,11 +17538,6 @@
               </a:rPr>
               <a:t>What about postorder traversal?</a:t>
             </a:r>
-            <a:endParaRPr lang="en-US" sz="2000" dirty="0">
-              <a:solidFill>
-                <a:srgbClr val="C00000"/>
-              </a:solidFill>
-            </a:endParaRPr>
           </a:p>
         </p:txBody>
       </p:sp>
@@ -16952,11 +17725,6 @@
               </a:rPr>
               <a:t>What about inorder traversal?</a:t>
             </a:r>
-            <a:endParaRPr lang="en-US" sz="2000" dirty="0">
-              <a:solidFill>
-                <a:srgbClr val="C00000"/>
-              </a:solidFill>
-            </a:endParaRPr>
           </a:p>
         </p:txBody>
       </p:sp>
@@ -17301,7 +18069,7 @@
 </p:sld>
 </file>
 
-<file path=ppt/slides/slide16.xml><?xml version="1.0" encoding="utf-8"?>
+<file path=ppt/slides/slide17.xml><?xml version="1.0" encoding="utf-8"?>
 <p:sld xmlns:a="http://schemas.openxmlformats.org/drawingml/2006/main" xmlns:r="http://schemas.openxmlformats.org/officeDocument/2006/relationships" xmlns:p="http://schemas.openxmlformats.org/presentationml/2006/main">
   <p:cSld>
     <p:spTree>
@@ -17337,7 +18105,6 @@
               <a:rPr lang="en-US" dirty="0"/>
               <a:t>Iterative inorder tree traversal</a:t>
             </a:r>
-            <a:endParaRPr lang="en-US" dirty="0"/>
           </a:p>
         </p:txBody>
       </p:sp>
@@ -17407,11 +18174,6 @@
               </a:rPr>
               <a:t>(root):</a:t>
             </a:r>
-            <a:endParaRPr lang="en-GB" sz="1600" b="1" u="sng" dirty="0">
-              <a:solidFill>
-                <a:schemeClr val="tx1"/>
-              </a:solidFill>
-            </a:endParaRPr>
           </a:p>
           <a:p>
             <a:pPr>
@@ -17429,13 +18191,6 @@
               </a:rPr>
               <a:t>Stack s</a:t>
             </a:r>
-            <a:endParaRPr lang="en-GB" sz="1600" dirty="0">
-              <a:solidFill>
-                <a:schemeClr val="tx1"/>
-              </a:solidFill>
-              <a:latin typeface="Courier New" panose="02070309020205020404" pitchFamily="49" charset="0"/>
-              <a:cs typeface="Courier New" panose="02070309020205020404" pitchFamily="49" charset="0"/>
-            </a:endParaRPr>
           </a:p>
           <a:p>
             <a:pPr>
@@ -17483,13 +18238,6 @@
               </a:rPr>
               <a:t>))</a:t>
             </a:r>
-            <a:endParaRPr lang="en-GB" sz="1600" dirty="0">
-              <a:solidFill>
-                <a:schemeClr val="tx1"/>
-              </a:solidFill>
-              <a:latin typeface="Courier New" panose="02070309020205020404" pitchFamily="49" charset="0"/>
-              <a:cs typeface="Courier New" panose="02070309020205020404" pitchFamily="49" charset="0"/>
-            </a:endParaRPr>
           </a:p>
           <a:p>
             <a:pPr>
@@ -17527,13 +18275,6 @@
               </a:rPr>
               <a:t>())</a:t>
             </a:r>
-            <a:endParaRPr lang="en-GB" sz="1600" dirty="0">
-              <a:solidFill>
-                <a:schemeClr val="tx1"/>
-              </a:solidFill>
-              <a:latin typeface="Courier New" panose="02070309020205020404" pitchFamily="49" charset="0"/>
-              <a:cs typeface="Courier New" panose="02070309020205020404" pitchFamily="49" charset="0"/>
-            </a:endParaRPr>
           </a:p>
           <a:p>
             <a:pPr>
@@ -17571,13 +18312,6 @@
               </a:rPr>
               <a:t>()</a:t>
             </a:r>
-            <a:endParaRPr lang="en-GB" sz="1600" dirty="0">
-              <a:solidFill>
-                <a:schemeClr val="tx1"/>
-              </a:solidFill>
-              <a:latin typeface="Courier New" panose="02070309020205020404" pitchFamily="49" charset="0"/>
-              <a:cs typeface="Courier New" panose="02070309020205020404" pitchFamily="49" charset="0"/>
-            </a:endParaRPr>
           </a:p>
           <a:p>
             <a:pPr>
@@ -17615,13 +18349,6 @@
               </a:rPr>
               <a:t> != NULL)</a:t>
             </a:r>
-            <a:endParaRPr lang="en-GB" sz="1600" dirty="0">
-              <a:solidFill>
-                <a:schemeClr val="tx1"/>
-              </a:solidFill>
-              <a:latin typeface="Courier New" panose="02070309020205020404" pitchFamily="49" charset="0"/>
-              <a:cs typeface="Courier New" panose="02070309020205020404" pitchFamily="49" charset="0"/>
-            </a:endParaRPr>
           </a:p>
           <a:p>
             <a:pPr>
@@ -17659,13 +18386,6 @@
               </a:rPr>
               <a:t>)</a:t>
             </a:r>
-            <a:endParaRPr lang="en-GB" sz="1600" dirty="0">
-              <a:solidFill>
-                <a:schemeClr val="tx1"/>
-              </a:solidFill>
-              <a:latin typeface="Courier New" panose="02070309020205020404" pitchFamily="49" charset="0"/>
-              <a:cs typeface="Courier New" panose="02070309020205020404" pitchFamily="49" charset="0"/>
-            </a:endParaRPr>
           </a:p>
           <a:p>
             <a:pPr>
@@ -17703,13 +18423,6 @@
               </a:rPr>
               <a:t>)</a:t>
             </a:r>
-            <a:endParaRPr lang="en-GB" sz="1600" dirty="0">
-              <a:solidFill>
-                <a:schemeClr val="tx1"/>
-              </a:solidFill>
-              <a:latin typeface="Courier New" panose="02070309020205020404" pitchFamily="49" charset="0"/>
-              <a:cs typeface="Courier New" panose="02070309020205020404" pitchFamily="49" charset="0"/>
-            </a:endParaRPr>
           </a:p>
           <a:p>
             <a:pPr>
@@ -17727,13 +18440,6 @@
               </a:rPr>
               <a:t>    else</a:t>
             </a:r>
-            <a:endParaRPr lang="en-GB" sz="1600" dirty="0">
-              <a:solidFill>
-                <a:schemeClr val="tx1"/>
-              </a:solidFill>
-              <a:latin typeface="Courier New" panose="02070309020205020404" pitchFamily="49" charset="0"/>
-              <a:cs typeface="Courier New" panose="02070309020205020404" pitchFamily="49" charset="0"/>
-            </a:endParaRPr>
           </a:p>
           <a:p>
             <a:pPr>
@@ -17811,13 +18517,6 @@
               </a:rPr>
               <a:t>))</a:t>
             </a:r>
-            <a:endParaRPr lang="en-GB" sz="1600" dirty="0">
-              <a:solidFill>
-                <a:schemeClr val="tx1"/>
-              </a:solidFill>
-              <a:latin typeface="Courier New" panose="02070309020205020404" pitchFamily="49" charset="0"/>
-              <a:cs typeface="Courier New" panose="02070309020205020404" pitchFamily="49" charset="0"/>
-            </a:endParaRPr>
           </a:p>
           <a:p>
             <a:pPr>
@@ -17875,13 +18574,6 @@
               </a:rPr>
               <a:t>))</a:t>
             </a:r>
-            <a:endParaRPr lang="en-GB" sz="1600" dirty="0">
-              <a:solidFill>
-                <a:schemeClr val="tx1"/>
-              </a:solidFill>
-              <a:latin typeface="Courier New" panose="02070309020205020404" pitchFamily="49" charset="0"/>
-              <a:cs typeface="Courier New" panose="02070309020205020404" pitchFamily="49" charset="0"/>
-            </a:endParaRPr>
           </a:p>
           <a:p>
             <a:pPr>
@@ -17959,13 +18651,6 @@
               </a:rPr>
               <a:t>))</a:t>
             </a:r>
-            <a:endParaRPr lang="en-GB" sz="1600" dirty="0">
-              <a:solidFill>
-                <a:schemeClr val="tx1"/>
-              </a:solidFill>
-              <a:latin typeface="Courier New" panose="02070309020205020404" pitchFamily="49" charset="0"/>
-              <a:cs typeface="Courier New" panose="02070309020205020404" pitchFamily="49" charset="0"/>
-            </a:endParaRPr>
           </a:p>
         </p:txBody>
       </p:sp>
@@ -18029,13 +18714,6 @@
               </a:rPr>
               <a:t>struct Frame {</a:t>
             </a:r>
-            <a:endParaRPr lang="en-GB" sz="1600" dirty="0">
-              <a:solidFill>
-                <a:schemeClr val="tx1"/>
-              </a:solidFill>
-              <a:latin typeface="Courier New" panose="02070309020205020404" pitchFamily="49" charset="0"/>
-              <a:cs typeface="Courier New" panose="02070309020205020404" pitchFamily="49" charset="0"/>
-            </a:endParaRPr>
           </a:p>
           <a:p>
             <a:pPr>
@@ -18053,13 +18731,6 @@
               </a:rPr>
               <a:t>  Node *node;</a:t>
             </a:r>
-            <a:endParaRPr lang="en-GB" sz="1600" dirty="0">
-              <a:solidFill>
-                <a:schemeClr val="tx1"/>
-              </a:solidFill>
-              <a:latin typeface="Courier New" panose="02070309020205020404" pitchFamily="49" charset="0"/>
-              <a:cs typeface="Courier New" panose="02070309020205020404" pitchFamily="49" charset="0"/>
-            </a:endParaRPr>
           </a:p>
           <a:p>
             <a:pPr>
@@ -18077,13 +18748,6 @@
               </a:rPr>
               <a:t>  bool visit;</a:t>
             </a:r>
-            <a:endParaRPr lang="en-GB" sz="1600" dirty="0">
-              <a:solidFill>
-                <a:schemeClr val="tx1"/>
-              </a:solidFill>
-              <a:latin typeface="Courier New" panose="02070309020205020404" pitchFamily="49" charset="0"/>
-              <a:cs typeface="Courier New" panose="02070309020205020404" pitchFamily="49" charset="0"/>
-            </a:endParaRPr>
           </a:p>
           <a:p>
             <a:pPr>
@@ -18121,13 +18785,6 @@
               </a:rPr>
               <a:t> v) {</a:t>
             </a:r>
-            <a:endParaRPr lang="en-GB" sz="1600" dirty="0">
-              <a:solidFill>
-                <a:schemeClr val="tx1"/>
-              </a:solidFill>
-              <a:latin typeface="Courier New" panose="02070309020205020404" pitchFamily="49" charset="0"/>
-              <a:cs typeface="Courier New" panose="02070309020205020404" pitchFamily="49" charset="0"/>
-            </a:endParaRPr>
           </a:p>
           <a:p>
             <a:pPr>
@@ -18145,13 +18802,6 @@
               </a:rPr>
               <a:t>    node = n;</a:t>
             </a:r>
-            <a:endParaRPr lang="en-GB" sz="1600" dirty="0">
-              <a:solidFill>
-                <a:schemeClr val="tx1"/>
-              </a:solidFill>
-              <a:latin typeface="Courier New" panose="02070309020205020404" pitchFamily="49" charset="0"/>
-              <a:cs typeface="Courier New" panose="02070309020205020404" pitchFamily="49" charset="0"/>
-            </a:endParaRPr>
           </a:p>
           <a:p>
             <a:pPr>
@@ -18169,13 +18819,6 @@
               </a:rPr>
               <a:t>    visit = v;</a:t>
             </a:r>
-            <a:endParaRPr lang="en-GB" sz="1600" dirty="0">
-              <a:solidFill>
-                <a:schemeClr val="tx1"/>
-              </a:solidFill>
-              <a:latin typeface="Courier New" panose="02070309020205020404" pitchFamily="49" charset="0"/>
-              <a:cs typeface="Courier New" panose="02070309020205020404" pitchFamily="49" charset="0"/>
-            </a:endParaRPr>
           </a:p>
           <a:p>
             <a:pPr>
@@ -18193,13 +18836,6 @@
               </a:rPr>
               <a:t>  }</a:t>
             </a:r>
-            <a:endParaRPr lang="en-GB" sz="1600" dirty="0">
-              <a:solidFill>
-                <a:schemeClr val="tx1"/>
-              </a:solidFill>
-              <a:latin typeface="Courier New" panose="02070309020205020404" pitchFamily="49" charset="0"/>
-              <a:cs typeface="Courier New" panose="02070309020205020404" pitchFamily="49" charset="0"/>
-            </a:endParaRPr>
           </a:p>
           <a:p>
             <a:pPr>
@@ -18217,13 +18853,6 @@
               </a:rPr>
               <a:t>}</a:t>
             </a:r>
-            <a:endParaRPr lang="en-GB" sz="1600" dirty="0">
-              <a:solidFill>
-                <a:schemeClr val="tx1"/>
-              </a:solidFill>
-              <a:latin typeface="Courier New" panose="02070309020205020404" pitchFamily="49" charset="0"/>
-              <a:cs typeface="Courier New" panose="02070309020205020404" pitchFamily="49" charset="0"/>
-            </a:endParaRPr>
           </a:p>
         </p:txBody>
       </p:sp>
@@ -18253,7 +18882,6 @@
               <a:rPr lang="en-US" sz="2000" dirty="0"/>
               <a:t>What is the time complexity?</a:t>
             </a:r>
-            <a:endParaRPr lang="en-US" sz="2000" dirty="0"/>
           </a:p>
         </p:txBody>
       </p:sp>
@@ -18283,12 +18911,11 @@
               <a:rPr lang="en-US" sz="2000" dirty="0"/>
               <a:t>What is the space complexity?</a:t>
             </a:r>
-            <a:endParaRPr lang="en-US" sz="2000" dirty="0"/>
           </a:p>
         </p:txBody>
       </p:sp>
-      <mc:AlternateContent xmlns:mc="http://schemas.openxmlformats.org/markup-compatibility/2006">
-        <mc:Choice xmlns:a14="http://schemas.microsoft.com/office/drawing/2010/main" Requires="a14">
+      <mc:AlternateContent xmlns:mc="http://schemas.openxmlformats.org/markup-compatibility/2006" xmlns:a14="http://schemas.microsoft.com/office/drawing/2010/main">
+        <mc:Choice Requires="a14">
           <p:sp>
             <p:nvSpPr>
               <p:cNvPr id="21" name="文本框 20"/>
@@ -18350,12 +18977,11 @@
                   <a:rPr lang="en-US" sz="2000" dirty="0"/>
                   <a:t> space?</a:t>
                 </a:r>
-                <a:endParaRPr lang="en-US" sz="2000" dirty="0"/>
               </a:p>
             </p:txBody>
           </p:sp>
         </mc:Choice>
-        <mc:Fallback>
+        <mc:Fallback xmlns="">
           <p:sp>
             <p:nvSpPr>
               <p:cNvPr id="21" name="文本框 20"/>
@@ -18373,7 +18999,7 @@
                 <a:avLst/>
               </a:prstGeom>
               <a:blipFill rotWithShape="1">
-                <a:blip r:embed="rId1"/>
+                <a:blip r:embed="rId3"/>
                 <a:stretch>
                   <a:fillRect t="-45" r="-8832" b="60"/>
                 </a:stretch>
@@ -18394,8 +19020,8 @@
           </p:sp>
         </mc:Fallback>
       </mc:AlternateContent>
-      <mc:AlternateContent xmlns:mc="http://schemas.openxmlformats.org/markup-compatibility/2006">
-        <mc:Choice xmlns:a14="http://schemas.microsoft.com/office/drawing/2010/main" Requires="a14">
+      <mc:AlternateContent xmlns:mc="http://schemas.openxmlformats.org/markup-compatibility/2006" xmlns:a14="http://schemas.microsoft.com/office/drawing/2010/main">
+        <mc:Choice Requires="a14">
           <p:sp>
             <p:nvSpPr>
               <p:cNvPr id="11" name="矩形 10"/>
@@ -18417,6 +19043,7 @@
               </a:bodyPr>
               <a:lstStyle/>
               <a:p>
+                <a:pPr/>
                 <a14:m>
                   <m:oMathPara xmlns:m="http://schemas.openxmlformats.org/officeDocument/2006/math">
                     <m:oMathParaPr>
@@ -18458,7 +19085,7 @@
             </p:txBody>
           </p:sp>
         </mc:Choice>
-        <mc:Fallback>
+        <mc:Fallback xmlns="">
           <p:sp>
             <p:nvSpPr>
               <p:cNvPr id="11" name="矩形 10"/>
@@ -18476,7 +19103,7 @@
                 <a:avLst/>
               </a:prstGeom>
               <a:blipFill rotWithShape="1">
-                <a:blip r:embed="rId2"/>
+                <a:blip r:embed="rId4"/>
                 <a:stretch>
                   <a:fillRect l="-49" t="-15" r="56" b="30"/>
                 </a:stretch>
@@ -18497,8 +19124,8 @@
           </p:sp>
         </mc:Fallback>
       </mc:AlternateContent>
-      <mc:AlternateContent xmlns:mc="http://schemas.openxmlformats.org/markup-compatibility/2006">
-        <mc:Choice xmlns:a14="http://schemas.microsoft.com/office/drawing/2010/main" Requires="a14">
+      <mc:AlternateContent xmlns:mc="http://schemas.openxmlformats.org/markup-compatibility/2006" xmlns:a14="http://schemas.microsoft.com/office/drawing/2010/main">
+        <mc:Choice Requires="a14">
           <p:sp>
             <p:nvSpPr>
               <p:cNvPr id="22" name="矩形 21"/>
@@ -18520,6 +19147,7 @@
               </a:bodyPr>
               <a:lstStyle/>
               <a:p>
+                <a:pPr/>
                 <a14:m>
                   <m:oMathPara xmlns:m="http://schemas.openxmlformats.org/officeDocument/2006/math">
                     <m:oMathParaPr>
@@ -18558,7 +19186,7 @@
             </p:txBody>
           </p:sp>
         </mc:Choice>
-        <mc:Fallback>
+        <mc:Fallback xmlns="">
           <p:sp>
             <p:nvSpPr>
               <p:cNvPr id="22" name="矩形 21"/>
@@ -18576,7 +19204,7 @@
                 <a:avLst/>
               </a:prstGeom>
               <a:blipFill rotWithShape="1">
-                <a:blip r:embed="rId3"/>
+                <a:blip r:embed="rId5"/>
                 <a:stretch>
                   <a:fillRect l="-71" t="-30" r="35" b="45"/>
                 </a:stretch>
@@ -18611,8 +19239,8 @@
             <a:chExt cx="1615112" cy="2533654"/>
           </a:xfrm>
         </p:grpSpPr>
-        <mc:AlternateContent xmlns:mc="http://schemas.openxmlformats.org/markup-compatibility/2006">
-          <mc:Choice xmlns:a14="http://schemas.microsoft.com/office/drawing/2010/main" Requires="a14">
+        <mc:AlternateContent xmlns:mc="http://schemas.openxmlformats.org/markup-compatibility/2006" xmlns:a14="http://schemas.microsoft.com/office/drawing/2010/main">
+          <mc:Choice Requires="a14">
             <p:sp>
               <p:nvSpPr>
                 <p:cNvPr id="23" name="椭圆 22"/>
@@ -18682,7 +19310,7 @@
               </p:txBody>
             </p:sp>
           </mc:Choice>
-          <mc:Fallback>
+          <mc:Fallback xmlns="">
             <p:sp>
               <p:nvSpPr>
                 <p:cNvPr id="23" name="椭圆 22"/>
@@ -18700,7 +19328,7 @@
                   <a:avLst/>
                 </a:prstGeom>
                 <a:blipFill rotWithShape="1">
-                  <a:blip r:embed="rId4"/>
+                  <a:blip r:embed="rId6"/>
                 </a:blipFill>
                 <a:ln w="19050">
                   <a:solidFill>
@@ -19035,11 +19663,6 @@
               </a:rPr>
               <a:t>Can we have better space complexity?</a:t>
             </a:r>
-            <a:endParaRPr lang="en-US" sz="2000" b="1" dirty="0">
-              <a:solidFill>
-                <a:srgbClr val="C00000"/>
-              </a:solidFill>
-            </a:endParaRPr>
           </a:p>
         </p:txBody>
       </p:sp>
@@ -19075,13 +19698,6 @@
               </a:rPr>
               <a:t>Yes! Knowing last visited node tells us what to do next.</a:t>
             </a:r>
-            <a:endParaRPr lang="en-US" sz="2000" dirty="0">
-              <a:solidFill>
-                <a:schemeClr val="accent1">
-                  <a:lumMod val="75000"/>
-                </a:schemeClr>
-              </a:solidFill>
-            </a:endParaRPr>
           </a:p>
         </p:txBody>
       </p:sp>
@@ -19492,7 +20108,7 @@
 </p:sld>
 </file>
 
-<file path=ppt/slides/slide17.xml><?xml version="1.0" encoding="utf-8"?>
+<file path=ppt/slides/slide18.xml><?xml version="1.0" encoding="utf-8"?>
 <p:sld xmlns:a="http://schemas.openxmlformats.org/drawingml/2006/main" xmlns:r="http://schemas.openxmlformats.org/officeDocument/2006/relationships" xmlns:p="http://schemas.openxmlformats.org/presentationml/2006/main">
   <p:cSld>
     <p:spTree>
@@ -19528,7 +20144,6 @@
               <a:rPr lang="en-US" dirty="0"/>
               <a:t>Level-order traversal of trees</a:t>
             </a:r>
-            <a:endParaRPr lang="en-US" dirty="0"/>
           </a:p>
         </p:txBody>
       </p:sp>
@@ -19541,7 +20156,7 @@
           <p:nvPr/>
         </p:nvPicPr>
         <p:blipFill>
-          <a:blip r:embed="rId1"/>
+          <a:blip r:embed="rId2"/>
           <a:stretch>
             <a:fillRect/>
           </a:stretch>
@@ -19609,7 +20224,6 @@
               <a:rPr lang="en-US" sz="2000" dirty="0"/>
               <a:t> is somewhat like a postorder traversal of the recursion tree.</a:t>
             </a:r>
-            <a:endParaRPr lang="en-US" sz="2000" dirty="0"/>
           </a:p>
         </p:txBody>
       </p:sp>
@@ -19650,7 +20264,6 @@
               <a:rPr lang="en-US" sz="2000" dirty="0"/>
               <a:t> is somewhat like a level-order traversal of the recursion tree, but bottom-up… </a:t>
             </a:r>
-            <a:endParaRPr lang="en-US" sz="2000" dirty="0"/>
           </a:p>
         </p:txBody>
       </p:sp>
@@ -19720,11 +20333,6 @@
               </a:rPr>
               <a:t>(r):</a:t>
             </a:r>
-            <a:endParaRPr lang="en-GB" b="1" u="sng" dirty="0">
-              <a:solidFill>
-                <a:schemeClr val="tx1"/>
-              </a:solidFill>
-            </a:endParaRPr>
           </a:p>
           <a:p>
             <a:pPr>
@@ -19742,13 +20350,6 @@
               </a:rPr>
               <a:t>Queue q</a:t>
             </a:r>
-            <a:endParaRPr lang="en-GB" dirty="0">
-              <a:solidFill>
-                <a:schemeClr val="tx1"/>
-              </a:solidFill>
-              <a:latin typeface="Courier New" panose="02070309020205020404" pitchFamily="49" charset="0"/>
-              <a:cs typeface="Courier New" panose="02070309020205020404" pitchFamily="49" charset="0"/>
-            </a:endParaRPr>
           </a:p>
           <a:p>
             <a:pPr>
@@ -19776,13 +20377,6 @@
               </a:rPr>
               <a:t>(r)</a:t>
             </a:r>
-            <a:endParaRPr lang="en-GB" dirty="0">
-              <a:solidFill>
-                <a:schemeClr val="tx1"/>
-              </a:solidFill>
-              <a:latin typeface="Courier New" panose="02070309020205020404" pitchFamily="49" charset="0"/>
-              <a:cs typeface="Courier New" panose="02070309020205020404" pitchFamily="49" charset="0"/>
-            </a:endParaRPr>
           </a:p>
           <a:p>
             <a:pPr>
@@ -19820,13 +20414,6 @@
               </a:rPr>
               <a:t>())</a:t>
             </a:r>
-            <a:endParaRPr lang="en-GB" dirty="0">
-              <a:solidFill>
-                <a:schemeClr val="tx1"/>
-              </a:solidFill>
-              <a:latin typeface="Courier New" panose="02070309020205020404" pitchFamily="49" charset="0"/>
-              <a:cs typeface="Courier New" panose="02070309020205020404" pitchFamily="49" charset="0"/>
-            </a:endParaRPr>
           </a:p>
           <a:p>
             <a:pPr>
@@ -19864,13 +20451,6 @@
               </a:rPr>
               <a:t>()</a:t>
             </a:r>
-            <a:endParaRPr lang="en-GB" dirty="0">
-              <a:solidFill>
-                <a:schemeClr val="tx1"/>
-              </a:solidFill>
-              <a:latin typeface="Courier New" panose="02070309020205020404" pitchFamily="49" charset="0"/>
-              <a:cs typeface="Courier New" panose="02070309020205020404" pitchFamily="49" charset="0"/>
-            </a:endParaRPr>
           </a:p>
           <a:p>
             <a:pPr>
@@ -19888,13 +20468,6 @@
               </a:rPr>
               <a:t>  if (node != NULL)</a:t>
             </a:r>
-            <a:endParaRPr lang="en-GB" dirty="0">
-              <a:solidFill>
-                <a:schemeClr val="tx1"/>
-              </a:solidFill>
-              <a:latin typeface="Courier New" panose="02070309020205020404" pitchFamily="49" charset="0"/>
-              <a:cs typeface="Courier New" panose="02070309020205020404" pitchFamily="49" charset="0"/>
-            </a:endParaRPr>
           </a:p>
           <a:p>
             <a:pPr>
@@ -19912,13 +20485,6 @@
               </a:rPr>
               <a:t>    Visit(node)</a:t>
             </a:r>
-            <a:endParaRPr lang="en-GB" dirty="0">
-              <a:solidFill>
-                <a:schemeClr val="tx1"/>
-              </a:solidFill>
-              <a:latin typeface="Courier New" panose="02070309020205020404" pitchFamily="49" charset="0"/>
-              <a:cs typeface="Courier New" panose="02070309020205020404" pitchFamily="49" charset="0"/>
-            </a:endParaRPr>
           </a:p>
           <a:p>
             <a:pPr>
@@ -19956,13 +20522,6 @@
               </a:rPr>
               <a:t>(node-&gt;left)</a:t>
             </a:r>
-            <a:endParaRPr lang="en-GB" dirty="0">
-              <a:solidFill>
-                <a:schemeClr val="tx1"/>
-              </a:solidFill>
-              <a:latin typeface="Courier New" panose="02070309020205020404" pitchFamily="49" charset="0"/>
-              <a:cs typeface="Courier New" panose="02070309020205020404" pitchFamily="49" charset="0"/>
-            </a:endParaRPr>
           </a:p>
           <a:p>
             <a:pPr>
@@ -20000,13 +20559,6 @@
               </a:rPr>
               <a:t>(node-&gt;right)</a:t>
             </a:r>
-            <a:endParaRPr lang="en-GB" dirty="0">
-              <a:solidFill>
-                <a:schemeClr val="tx1"/>
-              </a:solidFill>
-              <a:latin typeface="Courier New" panose="02070309020205020404" pitchFamily="49" charset="0"/>
-              <a:cs typeface="Courier New" panose="02070309020205020404" pitchFamily="49" charset="0"/>
-            </a:endParaRPr>
           </a:p>
         </p:txBody>
       </p:sp>
@@ -20036,7 +20588,6 @@
               <a:rPr lang="en-US" sz="2000" dirty="0"/>
               <a:t>What is the time complexity?</a:t>
             </a:r>
-            <a:endParaRPr lang="en-US" sz="2000" dirty="0"/>
           </a:p>
         </p:txBody>
       </p:sp>
@@ -20066,12 +20617,11 @@
               <a:rPr lang="en-US" sz="2000" dirty="0"/>
               <a:t>What is the space complexity?</a:t>
             </a:r>
-            <a:endParaRPr lang="en-US" sz="2000" dirty="0"/>
           </a:p>
         </p:txBody>
       </p:sp>
-      <mc:AlternateContent xmlns:mc="http://schemas.openxmlformats.org/markup-compatibility/2006">
-        <mc:Choice xmlns:a14="http://schemas.microsoft.com/office/drawing/2010/main" Requires="a14">
+      <mc:AlternateContent xmlns:mc="http://schemas.openxmlformats.org/markup-compatibility/2006" xmlns:a14="http://schemas.microsoft.com/office/drawing/2010/main">
+        <mc:Choice Requires="a14">
           <p:sp>
             <p:nvSpPr>
               <p:cNvPr id="11" name="矩形 10"/>
@@ -20093,6 +20643,7 @@
               </a:bodyPr>
               <a:lstStyle/>
               <a:p>
+                <a:pPr/>
                 <a14:m>
                   <m:oMathPara xmlns:m="http://schemas.openxmlformats.org/officeDocument/2006/math">
                     <m:oMathParaPr>
@@ -20134,7 +20685,7 @@
             </p:txBody>
           </p:sp>
         </mc:Choice>
-        <mc:Fallback>
+        <mc:Fallback xmlns="">
           <p:sp>
             <p:nvSpPr>
               <p:cNvPr id="11" name="矩形 10"/>
@@ -20152,7 +20703,7 @@
                 <a:avLst/>
               </a:prstGeom>
               <a:blipFill rotWithShape="1">
-                <a:blip r:embed="rId2"/>
+                <a:blip r:embed="rId3"/>
                 <a:stretch>
                   <a:fillRect l="-49" t="-57" r="56" b="72"/>
                 </a:stretch>
@@ -20173,8 +20724,8 @@
           </p:sp>
         </mc:Fallback>
       </mc:AlternateContent>
-      <mc:AlternateContent xmlns:mc="http://schemas.openxmlformats.org/markup-compatibility/2006">
-        <mc:Choice xmlns:a14="http://schemas.microsoft.com/office/drawing/2010/main" Requires="a14">
+      <mc:AlternateContent xmlns:mc="http://schemas.openxmlformats.org/markup-compatibility/2006" xmlns:a14="http://schemas.microsoft.com/office/drawing/2010/main">
+        <mc:Choice Requires="a14">
           <p:sp>
             <p:nvSpPr>
               <p:cNvPr id="12" name="矩形 11"/>
@@ -20231,12 +20782,11 @@
                   <a:rPr lang="en-US" sz="2000" dirty="0"/>
                   <a:t> in the worst-case.</a:t>
                 </a:r>
-                <a:endParaRPr lang="en-US" sz="2000" dirty="0"/>
               </a:p>
             </p:txBody>
           </p:sp>
         </mc:Choice>
-        <mc:Fallback>
+        <mc:Fallback xmlns="">
           <p:sp>
             <p:nvSpPr>
               <p:cNvPr id="12" name="矩形 11"/>
@@ -20254,7 +20804,7 @@
                 <a:avLst/>
               </a:prstGeom>
               <a:blipFill rotWithShape="1">
-                <a:blip r:embed="rId3"/>
+                <a:blip r:embed="rId4"/>
                 <a:stretch>
                   <a:fillRect l="-21" t="-72" r="-9517" b="87"/>
                 </a:stretch>
@@ -20619,7 +21169,7 @@
 </p:sld>
 </file>
 
-<file path=ppt/slides/slide18.xml><?xml version="1.0" encoding="utf-8"?>
+<file path=ppt/slides/slide19.xml><?xml version="1.0" encoding="utf-8"?>
 <p:sld xmlns:a="http://schemas.openxmlformats.org/drawingml/2006/main" xmlns:r="http://schemas.openxmlformats.org/officeDocument/2006/relationships" xmlns:p="http://schemas.openxmlformats.org/presentationml/2006/main">
   <p:cSld>
     <p:spTree>
@@ -20680,14 +21230,12 @@
               <a:rPr lang="en-GB" sz="2400" dirty="0"/>
               <a:t>[CLRS] Ch.10 (10.4)</a:t>
             </a:r>
-            <a:endParaRPr lang="en-GB" sz="2400" dirty="0"/>
           </a:p>
           <a:p>
             <a:r>
               <a:rPr lang="en-GB" sz="2400" dirty="0"/>
               <a:t>[Weiss] Ch.4 (4.1-4.2)</a:t>
             </a:r>
-            <a:endParaRPr lang="en-GB" sz="2400" dirty="0"/>
           </a:p>
           <a:p>
             <a:r>
@@ -20707,7 +21255,7 @@
           <p:nvPr/>
         </p:nvPicPr>
         <p:blipFill>
-          <a:blip r:embed="rId1">
+          <a:blip r:embed="rId2">
             <a:extLst>
               <a:ext uri="{28A0092B-C50C-407E-A947-70E740481C1C}">
                 <a14:useLocalDpi xmlns:a14="http://schemas.microsoft.com/office/drawing/2010/main" val="0"/>
@@ -20763,7 +21311,7 @@
           <p:nvPr/>
         </p:nvPicPr>
         <p:blipFill>
-          <a:blip r:embed="rId2"/>
+          <a:blip r:embed="rId3"/>
           <a:stretch>
             <a:fillRect/>
           </a:stretch>
@@ -20838,7 +21386,6 @@
               <a:rPr lang="en-US" dirty="0"/>
               <a:t>Trees</a:t>
             </a:r>
-            <a:endParaRPr lang="en-US" dirty="0"/>
           </a:p>
         </p:txBody>
       </p:sp>
@@ -20863,7 +21410,6 @@
               <a:rPr lang="en-US" sz="2400" dirty="0"/>
               <a:t>A tree is a connected, acyclic undirected graph.</a:t>
             </a:r>
-            <a:endParaRPr lang="en-US" sz="2400" dirty="0"/>
           </a:p>
           <a:p>
             <a:r>
@@ -20882,7 +21428,6 @@
               <a:rPr lang="en-US" sz="2400" dirty="0"/>
               <a:t> trees.</a:t>
             </a:r>
-            <a:endParaRPr lang="en-US" sz="2400" dirty="0"/>
           </a:p>
         </p:txBody>
       </p:sp>
@@ -21663,11 +22208,6 @@
                 </a:rPr>
                 <a:t>root</a:t>
               </a:r>
-              <a:endParaRPr lang="en-US" sz="2000" b="1" dirty="0">
-                <a:solidFill>
-                  <a:srgbClr val="C00000"/>
-                </a:solidFill>
-              </a:endParaRPr>
             </a:p>
           </p:txBody>
         </p:sp>
@@ -22980,12 +23520,11 @@
               <a:rPr lang="en-US" dirty="0"/>
               <a:t>Trees</a:t>
             </a:r>
-            <a:endParaRPr lang="en-US" dirty="0"/>
           </a:p>
         </p:txBody>
       </p:sp>
-      <mc:AlternateContent xmlns:mc="http://schemas.openxmlformats.org/markup-compatibility/2006">
-        <mc:Choice xmlns:a14="http://schemas.microsoft.com/office/drawing/2010/main" Requires="a14">
+      <mc:AlternateContent xmlns:mc="http://schemas.openxmlformats.org/markup-compatibility/2006" xmlns:a14="http://schemas.microsoft.com/office/drawing/2010/main">
+        <mc:Choice Requires="a14">
           <p:sp>
             <p:nvSpPr>
               <p:cNvPr id="3" name="内容占位符 2"/>
@@ -23030,7 +23569,6 @@
                   <a:rPr lang="en-US" altLang="zh-CN" sz="2400" dirty="0"/>
                   <a:t> that connects to the roots of zero or more non-empty (sub)trees.</a:t>
                 </a:r>
-                <a:endParaRPr lang="en-US" altLang="zh-CN" sz="2400" dirty="0"/>
               </a:p>
               <a:p>
                 <a:pPr lvl="1"/>
@@ -23097,7 +23635,6 @@
                   <a:rPr lang="en-US" sz="2000" dirty="0"/>
                   <a:t> of each subtree’s root.</a:t>
                 </a:r>
-                <a:endParaRPr lang="en-US" sz="2000" dirty="0"/>
               </a:p>
               <a:p>
                 <a:pPr lvl="1"/>
@@ -23117,7 +23654,6 @@
                   <a:rPr lang="en-US" sz="2000" dirty="0"/>
                   <a:t>.</a:t>
                 </a:r>
-                <a:endParaRPr lang="en-US" sz="2000" dirty="0"/>
               </a:p>
               <a:p>
                 <a:pPr lvl="1"/>
@@ -23137,7 +23673,6 @@
                   <a:rPr lang="en-US" sz="2000" dirty="0"/>
                   <a:t>.</a:t>
                 </a:r>
-                <a:endParaRPr lang="en-US" sz="2000" dirty="0"/>
               </a:p>
               <a:p>
                 <a:pPr lvl="1"/>
@@ -23281,12 +23816,11 @@
                   <a:rPr lang="en-US" sz="2000" dirty="0"/>
                   <a:t>.</a:t>
                 </a:r>
-                <a:endParaRPr lang="en-US" sz="2000" dirty="0"/>
               </a:p>
             </p:txBody>
           </p:sp>
         </mc:Choice>
-        <mc:Fallback>
+        <mc:Fallback xmlns="">
           <p:sp>
             <p:nvSpPr>
               <p:cNvPr id="3" name="内容占位符 2"/>
@@ -23303,7 +23837,7 @@
                 <a:ext cx="7886700" cy="4351338"/>
               </a:xfrm>
               <a:blipFill rotWithShape="1">
-                <a:blip r:embed="rId1"/>
+                <a:blip r:embed="rId2"/>
                 <a:stretch>
                   <a:fillRect l="-8" t="-7" r="8"/>
                 </a:stretch>
@@ -25204,12 +25738,11 @@
               <a:rPr lang="en-US" dirty="0"/>
               <a:t>Trees</a:t>
             </a:r>
-            <a:endParaRPr lang="en-US" dirty="0"/>
           </a:p>
         </p:txBody>
       </p:sp>
-      <mc:AlternateContent xmlns:mc="http://schemas.openxmlformats.org/markup-compatibility/2006">
-        <mc:Choice xmlns:a14="http://schemas.microsoft.com/office/drawing/2010/main" Requires="a14">
+      <mc:AlternateContent xmlns:mc="http://schemas.openxmlformats.org/markup-compatibility/2006" xmlns:a14="http://schemas.microsoft.com/office/drawing/2010/main">
+        <mc:Choice Requires="a14">
           <p:sp>
             <p:nvSpPr>
               <p:cNvPr id="3" name="内容占位符 2"/>
@@ -25296,7 +25829,6 @@
                   <a:rPr lang="en-US" sz="2400" dirty="0"/>
                   <a:t>.</a:t>
                 </a:r>
-                <a:endParaRPr lang="en-US" sz="2400" dirty="0"/>
               </a:p>
               <a:p>
                 <a:r>
@@ -25343,7 +25875,6 @@
                   <a:rPr lang="en-US" sz="2400" dirty="0"/>
                   <a:t> to one of its descendants.</a:t>
                 </a:r>
-                <a:endParaRPr lang="en-US" sz="2400" dirty="0"/>
               </a:p>
               <a:p>
                 <a:pPr lvl="1"/>
@@ -25351,7 +25882,6 @@
                   <a:rPr lang="en-US" sz="2000" dirty="0"/>
                   <a:t>Height of a leaf node is zero.</a:t>
                 </a:r>
-                <a:endParaRPr lang="en-US" sz="2000" dirty="0"/>
               </a:p>
               <a:p>
                 <a:pPr lvl="1"/>
@@ -25366,12 +25896,11 @@
                   <a:rPr lang="en-US" sz="2000" dirty="0"/>
                   <a:t>height of its children plus one.</a:t>
                 </a:r>
-                <a:endParaRPr lang="en-US" sz="2000" dirty="0"/>
               </a:p>
             </p:txBody>
           </p:sp>
         </mc:Choice>
-        <mc:Fallback>
+        <mc:Fallback xmlns="">
           <p:sp>
             <p:nvSpPr>
               <p:cNvPr id="3" name="内容占位符 2"/>
@@ -25388,7 +25917,7 @@
                 <a:ext cx="7886700" cy="4351338"/>
               </a:xfrm>
               <a:blipFill rotWithShape="1">
-                <a:blip r:embed="rId1"/>
+                <a:blip r:embed="rId2"/>
                 <a:stretch>
                   <a:fillRect b="7"/>
                 </a:stretch>
@@ -25791,8 +26320,8 @@
             </a:p>
           </p:txBody>
         </p:sp>
-        <mc:AlternateContent xmlns:mc="http://schemas.openxmlformats.org/markup-compatibility/2006">
-          <mc:Choice xmlns:a14="http://schemas.microsoft.com/office/drawing/2010/main" Requires="a14">
+        <mc:AlternateContent xmlns:mc="http://schemas.openxmlformats.org/markup-compatibility/2006" xmlns:a14="http://schemas.microsoft.com/office/drawing/2010/main">
+          <mc:Choice Requires="a14">
             <p:sp>
               <p:nvSpPr>
                 <p:cNvPr id="13" name="椭圆 12"/>
@@ -25862,7 +26391,7 @@
               </p:txBody>
             </p:sp>
           </mc:Choice>
-          <mc:Fallback>
+          <mc:Fallback xmlns="">
             <p:sp>
               <p:nvSpPr>
                 <p:cNvPr id="13" name="椭圆 12"/>
@@ -25880,7 +26409,7 @@
                   <a:avLst/>
                 </a:prstGeom>
                 <a:blipFill rotWithShape="1">
-                  <a:blip r:embed="rId2"/>
+                  <a:blip r:embed="rId3"/>
                 </a:blipFill>
                 <a:ln w="19050">
                   <a:solidFill>
@@ -26476,8 +27005,8 @@
           </p:style>
         </p:cxnSp>
       </p:grpSp>
-      <mc:AlternateContent xmlns:mc="http://schemas.openxmlformats.org/markup-compatibility/2006">
-        <mc:Choice xmlns:a14="http://schemas.microsoft.com/office/drawing/2010/main" Requires="a14">
+      <mc:AlternateContent xmlns:mc="http://schemas.openxmlformats.org/markup-compatibility/2006" xmlns:a14="http://schemas.microsoft.com/office/drawing/2010/main">
+        <mc:Choice Requires="a14">
           <p:sp>
             <p:nvSpPr>
               <p:cNvPr id="45" name="文本框 44"/>
@@ -26500,6 +27029,7 @@
               </a:bodyPr>
               <a:lstStyle/>
               <a:p>
+                <a:pPr/>
                 <a14:m>
                   <m:oMathPara xmlns:m="http://schemas.openxmlformats.org/officeDocument/2006/math">
                     <m:oMathParaPr>
@@ -26522,16 +27052,7 @@
                           </a:solidFill>
                           <a:latin typeface="Cambria Math" panose="02040503050406030204" pitchFamily="18" charset="0"/>
                         </a:rPr>
-                        <m:t>=</m:t>
-                      </m:r>
-                      <m:r>
-                        <a:rPr lang="en-US" sz="2000" b="0" i="1" smtClean="0">
-                          <a:solidFill>
-                            <a:srgbClr val="C00000"/>
-                          </a:solidFill>
-                          <a:latin typeface="Cambria Math" panose="02040503050406030204" pitchFamily="18" charset="0"/>
-                        </a:rPr>
-                        <m:t>1</m:t>
+                        <m:t>=1</m:t>
                       </m:r>
                     </m:oMath>
                   </m:oMathPara>
@@ -26545,7 +27066,7 @@
             </p:txBody>
           </p:sp>
         </mc:Choice>
-        <mc:Fallback>
+        <mc:Fallback xmlns="">
           <p:sp>
             <p:nvSpPr>
               <p:cNvPr id="45" name="文本框 44"/>
@@ -26563,7 +27084,7 @@
                 <a:avLst/>
               </a:prstGeom>
               <a:blipFill rotWithShape="1">
-                <a:blip r:embed="rId3"/>
+                <a:blip r:embed="rId4"/>
                 <a:stretch>
                   <a:fillRect l="-14" t="-163" r="-9024" b="99"/>
                 </a:stretch>
@@ -26584,8 +27105,8 @@
           </p:sp>
         </mc:Fallback>
       </mc:AlternateContent>
-      <mc:AlternateContent xmlns:mc="http://schemas.openxmlformats.org/markup-compatibility/2006">
-        <mc:Choice xmlns:a14="http://schemas.microsoft.com/office/drawing/2010/main" Requires="a14">
+      <mc:AlternateContent xmlns:mc="http://schemas.openxmlformats.org/markup-compatibility/2006" xmlns:a14="http://schemas.microsoft.com/office/drawing/2010/main">
+        <mc:Choice Requires="a14">
           <p:sp>
             <p:nvSpPr>
               <p:cNvPr id="46" name="文本框 45"/>
@@ -26608,6 +27129,7 @@
               </a:bodyPr>
               <a:lstStyle/>
               <a:p>
+                <a:pPr/>
                 <a14:m>
                   <m:oMathPara xmlns:m="http://schemas.openxmlformats.org/officeDocument/2006/math">
                     <m:oMathParaPr>
@@ -26630,16 +27152,7 @@
                           </a:solidFill>
                           <a:latin typeface="Cambria Math" panose="02040503050406030204" pitchFamily="18" charset="0"/>
                         </a:rPr>
-                        <m:t>=</m:t>
-                      </m:r>
-                      <m:r>
-                        <a:rPr lang="en-US" sz="2000" b="0" i="1" smtClean="0">
-                          <a:solidFill>
-                            <a:srgbClr val="C00000"/>
-                          </a:solidFill>
-                          <a:latin typeface="Cambria Math" panose="02040503050406030204" pitchFamily="18" charset="0"/>
-                        </a:rPr>
-                        <m:t>3</m:t>
+                        <m:t>=3</m:t>
                       </m:r>
                     </m:oMath>
                   </m:oMathPara>
@@ -26653,7 +27166,7 @@
             </p:txBody>
           </p:sp>
         </mc:Choice>
-        <mc:Fallback>
+        <mc:Fallback xmlns="">
           <p:sp>
             <p:nvSpPr>
               <p:cNvPr id="46" name="文本框 45"/>
@@ -26671,7 +27184,7 @@
                 <a:avLst/>
               </a:prstGeom>
               <a:blipFill rotWithShape="1">
-                <a:blip r:embed="rId4"/>
+                <a:blip r:embed="rId5"/>
                 <a:stretch>
                   <a:fillRect l="-40" t="-108" r="-8998" b="44"/>
                 </a:stretch>
@@ -26692,8 +27205,8 @@
           </p:sp>
         </mc:Fallback>
       </mc:AlternateContent>
-      <mc:AlternateContent xmlns:mc="http://schemas.openxmlformats.org/markup-compatibility/2006">
-        <mc:Choice xmlns:a14="http://schemas.microsoft.com/office/drawing/2010/main" Requires="a14">
+      <mc:AlternateContent xmlns:mc="http://schemas.openxmlformats.org/markup-compatibility/2006" xmlns:a14="http://schemas.microsoft.com/office/drawing/2010/main">
+        <mc:Choice Requires="a14">
           <p:sp>
             <p:nvSpPr>
               <p:cNvPr id="47" name="文本框 46"/>
@@ -26716,6 +27229,7 @@
               </a:bodyPr>
               <a:lstStyle/>
               <a:p>
+                <a:pPr/>
                 <a14:m>
                   <m:oMathPara xmlns:m="http://schemas.openxmlformats.org/officeDocument/2006/math">
                     <m:oMathParaPr>
@@ -26729,7 +27243,7 @@
                           </a:solidFill>
                           <a:latin typeface="Cambria Math" panose="02040503050406030204" pitchFamily="18" charset="0"/>
                         </a:rPr>
-                        <m:t>ℎ</m:t>
+                        <m:t>h</m:t>
                       </m:r>
                       <m:r>
                         <a:rPr lang="en-US" sz="2000" b="0" i="1" smtClean="0">
@@ -26738,16 +27252,7 @@
                           </a:solidFill>
                           <a:latin typeface="Cambria Math" panose="02040503050406030204" pitchFamily="18" charset="0"/>
                         </a:rPr>
-                        <m:t>=</m:t>
-                      </m:r>
-                      <m:r>
-                        <a:rPr lang="en-US" sz="2000" b="0" i="1" smtClean="0">
-                          <a:solidFill>
-                            <a:srgbClr val="C00000"/>
-                          </a:solidFill>
-                          <a:latin typeface="Cambria Math" panose="02040503050406030204" pitchFamily="18" charset="0"/>
-                        </a:rPr>
-                        <m:t>0</m:t>
+                        <m:t>=0</m:t>
                       </m:r>
                     </m:oMath>
                   </m:oMathPara>
@@ -26761,7 +27266,7 @@
             </p:txBody>
           </p:sp>
         </mc:Choice>
-        <mc:Fallback>
+        <mc:Fallback xmlns="">
           <p:sp>
             <p:nvSpPr>
               <p:cNvPr id="47" name="文本框 46"/>
@@ -26779,7 +27284,7 @@
                 <a:avLst/>
               </a:prstGeom>
               <a:blipFill rotWithShape="1">
-                <a:blip r:embed="rId5"/>
+                <a:blip r:embed="rId6"/>
                 <a:stretch>
                   <a:fillRect l="-13" t="-108" r="-8514" b="44"/>
                 </a:stretch>
@@ -26800,8 +27305,8 @@
           </p:sp>
         </mc:Fallback>
       </mc:AlternateContent>
-      <mc:AlternateContent xmlns:mc="http://schemas.openxmlformats.org/markup-compatibility/2006">
-        <mc:Choice xmlns:a14="http://schemas.microsoft.com/office/drawing/2010/main" Requires="a14">
+      <mc:AlternateContent xmlns:mc="http://schemas.openxmlformats.org/markup-compatibility/2006" xmlns:a14="http://schemas.microsoft.com/office/drawing/2010/main">
+        <mc:Choice Requires="a14">
           <p:sp>
             <p:nvSpPr>
               <p:cNvPr id="48" name="文本框 47"/>
@@ -26824,6 +27329,7 @@
               </a:bodyPr>
               <a:lstStyle/>
               <a:p>
+                <a:pPr/>
                 <a14:m>
                   <m:oMathPara xmlns:m="http://schemas.openxmlformats.org/officeDocument/2006/math">
                     <m:oMathParaPr>
@@ -26837,7 +27343,7 @@
                           </a:solidFill>
                           <a:latin typeface="Cambria Math" panose="02040503050406030204" pitchFamily="18" charset="0"/>
                         </a:rPr>
-                        <m:t>ℎ</m:t>
+                        <m:t>h</m:t>
                       </m:r>
                       <m:r>
                         <a:rPr lang="en-US" sz="2000" b="0" i="1" smtClean="0">
@@ -26846,16 +27352,7 @@
                           </a:solidFill>
                           <a:latin typeface="Cambria Math" panose="02040503050406030204" pitchFamily="18" charset="0"/>
                         </a:rPr>
-                        <m:t>=</m:t>
-                      </m:r>
-                      <m:r>
-                        <a:rPr lang="en-US" sz="2000" b="0" i="1" smtClean="0">
-                          <a:solidFill>
-                            <a:srgbClr val="C00000"/>
-                          </a:solidFill>
-                          <a:latin typeface="Cambria Math" panose="02040503050406030204" pitchFamily="18" charset="0"/>
-                        </a:rPr>
-                        <m:t>2</m:t>
+                        <m:t>=2</m:t>
                       </m:r>
                     </m:oMath>
                   </m:oMathPara>
@@ -26869,7 +27366,7 @@
             </p:txBody>
           </p:sp>
         </mc:Choice>
-        <mc:Fallback>
+        <mc:Fallback xmlns="">
           <p:sp>
             <p:nvSpPr>
               <p:cNvPr id="48" name="文本框 47"/>
@@ -26887,7 +27384,7 @@
                 <a:avLst/>
               </a:prstGeom>
               <a:blipFill rotWithShape="1">
-                <a:blip r:embed="rId6"/>
+                <a:blip r:embed="rId7"/>
                 <a:stretch>
                   <a:fillRect l="-23" t="-166" r="-8503" b="102"/>
                 </a:stretch>
@@ -27261,7 +27758,6 @@
               <a:rPr lang="en-US" dirty="0"/>
               <a:t>Binary Trees</a:t>
             </a:r>
-            <a:endParaRPr lang="en-US" dirty="0"/>
           </a:p>
         </p:txBody>
       </p:sp>
@@ -27298,7 +27794,6 @@
               <a:rPr lang="en-US" dirty="0"/>
               <a:t> is a tree in which each node has at most two children.</a:t>
             </a:r>
-            <a:endParaRPr lang="en-US" dirty="0"/>
           </a:p>
           <a:p>
             <a:pPr lvl="1"/>
@@ -27330,7 +27825,6 @@
               <a:rPr lang="en-US" dirty="0"/>
               <a:t>.</a:t>
             </a:r>
-            <a:endParaRPr lang="en-US" dirty="0"/>
           </a:p>
         </p:txBody>
       </p:sp>
@@ -27624,8 +28118,8 @@
             </a:p>
           </p:txBody>
         </p:sp>
-        <mc:AlternateContent xmlns:mc="http://schemas.openxmlformats.org/markup-compatibility/2006">
-          <mc:Choice xmlns:a14="http://schemas.microsoft.com/office/drawing/2010/main" Requires="a14">
+        <mc:AlternateContent xmlns:mc="http://schemas.openxmlformats.org/markup-compatibility/2006" xmlns:a14="http://schemas.microsoft.com/office/drawing/2010/main">
+          <mc:Choice Requires="a14">
             <p:sp>
               <p:nvSpPr>
                 <p:cNvPr id="13" name="椭圆 12"/>
@@ -27695,7 +28189,7 @@
               </p:txBody>
             </p:sp>
           </mc:Choice>
-          <mc:Fallback>
+          <mc:Fallback xmlns="">
             <p:sp>
               <p:nvSpPr>
                 <p:cNvPr id="13" name="椭圆 12"/>
@@ -27713,7 +28207,7 @@
                   <a:avLst/>
                 </a:prstGeom>
                 <a:blipFill rotWithShape="1">
-                  <a:blip r:embed="rId1"/>
+                  <a:blip r:embed="rId2"/>
                 </a:blipFill>
                 <a:ln w="19050">
                   <a:solidFill>
@@ -28284,7 +28778,6 @@
               <a:rPr lang="en-US" dirty="0"/>
               <a:t>Binary Trees</a:t>
             </a:r>
-            <a:endParaRPr lang="en-US" dirty="0"/>
           </a:p>
         </p:txBody>
       </p:sp>
@@ -28327,7 +28820,6 @@
               <a:rPr lang="en-US" sz="2200" dirty="0"/>
               <a:t> is a binary tree where each node has either zero or two children.</a:t>
             </a:r>
-            <a:endParaRPr lang="en-US" sz="2200" dirty="0"/>
           </a:p>
           <a:p>
             <a:pPr lvl="1"/>
@@ -28335,7 +28827,6 @@
               <a:rPr lang="en-US" sz="2000" dirty="0"/>
               <a:t>A full binary tree is either a single node, or a tree in which the two subtrees of the root are full binary trees.</a:t>
             </a:r>
-            <a:endParaRPr lang="en-US" sz="2000" dirty="0"/>
           </a:p>
           <a:p>
             <a:pPr marL="179705" indent="-179705"/>
@@ -28367,7 +28858,6 @@
               <a:rPr lang="en-US" sz="2200" dirty="0"/>
               <a:t> is a binary tree where every level, except possibly the last, is completely filled, and all nodes in the last level are as far left as possible.</a:t>
             </a:r>
-            <a:endParaRPr lang="en-US" sz="2200" dirty="0"/>
           </a:p>
           <a:p>
             <a:pPr lvl="1"/>
@@ -28375,7 +28865,6 @@
               <a:rPr lang="en-US" sz="2000" dirty="0"/>
               <a:t>A complete binary tree can be efficiently represented using an array.</a:t>
             </a:r>
-            <a:endParaRPr lang="en-US" sz="2000" dirty="0"/>
           </a:p>
           <a:p>
             <a:pPr marL="179705" indent="-179705"/>
@@ -28395,7 +28884,6 @@
               <a:rPr lang="en-US" sz="2200" dirty="0"/>
               <a:t> is a binary tree where all non-leaf nodes have two children and all leaves have same depth.</a:t>
             </a:r>
-            <a:endParaRPr lang="en-US" sz="2200" dirty="0"/>
           </a:p>
           <a:p>
             <a:pPr lvl="1"/>
@@ -28403,7 +28891,6 @@
               <a:rPr lang="en-US" sz="2000" dirty="0"/>
               <a:t>CLRS call perfect binary trees as complete binary trees.</a:t>
             </a:r>
-            <a:endParaRPr lang="en-US" sz="2000" dirty="0"/>
           </a:p>
         </p:txBody>
       </p:sp>
@@ -28416,7 +28903,7 @@
           <p:nvPr/>
         </p:nvPicPr>
         <p:blipFill>
-          <a:blip r:embed="rId1">
+          <a:blip r:embed="rId2">
             <a:extLst>
               <a:ext uri="{28A0092B-C50C-407E-A947-70E740481C1C}">
                 <a14:useLocalDpi xmlns:a14="http://schemas.microsoft.com/office/drawing/2010/main" val="0"/>
@@ -28457,7 +28944,7 @@
           <p:nvPr/>
         </p:nvPicPr>
         <p:blipFill>
-          <a:blip r:embed="rId2">
+          <a:blip r:embed="rId3">
             <a:extLst>
               <a:ext uri="{28A0092B-C50C-407E-A947-70E740481C1C}">
                 <a14:useLocalDpi xmlns:a14="http://schemas.microsoft.com/office/drawing/2010/main" val="0"/>
@@ -28498,7 +28985,7 @@
           <p:nvPr/>
         </p:nvPicPr>
         <p:blipFill rotWithShape="1">
-          <a:blip r:embed="rId2">
+          <a:blip r:embed="rId3">
             <a:extLst>
               <a:ext uri="{28A0092B-C50C-407E-A947-70E740481C1C}">
                 <a14:useLocalDpi xmlns:a14="http://schemas.microsoft.com/office/drawing/2010/main" val="0"/>
@@ -28925,7 +29412,6 @@
               <a:rPr lang="en-US" dirty="0"/>
               <a:t>Representing Binary Trees</a:t>
             </a:r>
-            <a:endParaRPr lang="en-US" dirty="0"/>
           </a:p>
         </p:txBody>
       </p:sp>
@@ -28938,7 +29424,7 @@
           <p:nvPr/>
         </p:nvPicPr>
         <p:blipFill>
-          <a:blip r:embed="rId1"/>
+          <a:blip r:embed="rId2"/>
           <a:stretch>
             <a:fillRect/>
           </a:stretch>
@@ -29013,13 +29499,6 @@
               </a:rPr>
               <a:t>struct Node {</a:t>
             </a:r>
-            <a:endParaRPr lang="en-GB" dirty="0">
-              <a:solidFill>
-                <a:schemeClr val="tx1"/>
-              </a:solidFill>
-              <a:latin typeface="Courier New" panose="02070309020205020404" pitchFamily="49" charset="0"/>
-              <a:cs typeface="Courier New" panose="02070309020205020404" pitchFamily="49" charset="0"/>
-            </a:endParaRPr>
           </a:p>
           <a:p>
             <a:pPr>
@@ -29057,13 +29536,6 @@
               </a:rPr>
               <a:t>;</a:t>
             </a:r>
-            <a:endParaRPr lang="en-GB" dirty="0">
-              <a:solidFill>
-                <a:schemeClr val="tx1"/>
-              </a:solidFill>
-              <a:latin typeface="Courier New" panose="02070309020205020404" pitchFamily="49" charset="0"/>
-              <a:cs typeface="Courier New" panose="02070309020205020404" pitchFamily="49" charset="0"/>
-            </a:endParaRPr>
           </a:p>
           <a:p>
             <a:pPr>
@@ -29081,13 +29553,6 @@
               </a:rPr>
               <a:t>  Node *parent;</a:t>
             </a:r>
-            <a:endParaRPr lang="en-GB" dirty="0">
-              <a:solidFill>
-                <a:schemeClr val="tx1"/>
-              </a:solidFill>
-              <a:latin typeface="Courier New" panose="02070309020205020404" pitchFamily="49" charset="0"/>
-              <a:cs typeface="Courier New" panose="02070309020205020404" pitchFamily="49" charset="0"/>
-            </a:endParaRPr>
           </a:p>
           <a:p>
             <a:pPr>
@@ -29105,13 +29570,6 @@
               </a:rPr>
               <a:t>  Node *left;</a:t>
             </a:r>
-            <a:endParaRPr lang="en-GB" dirty="0">
-              <a:solidFill>
-                <a:schemeClr val="tx1"/>
-              </a:solidFill>
-              <a:latin typeface="Courier New" panose="02070309020205020404" pitchFamily="49" charset="0"/>
-              <a:cs typeface="Courier New" panose="02070309020205020404" pitchFamily="49" charset="0"/>
-            </a:endParaRPr>
           </a:p>
           <a:p>
             <a:pPr>
@@ -29129,13 +29587,6 @@
               </a:rPr>
               <a:t>  Node *right;</a:t>
             </a:r>
-            <a:endParaRPr lang="en-GB" dirty="0">
-              <a:solidFill>
-                <a:schemeClr val="tx1"/>
-              </a:solidFill>
-              <a:latin typeface="Courier New" panose="02070309020205020404" pitchFamily="49" charset="0"/>
-              <a:cs typeface="Courier New" panose="02070309020205020404" pitchFamily="49" charset="0"/>
-            </a:endParaRPr>
           </a:p>
           <a:p>
             <a:pPr>
@@ -29153,13 +29604,6 @@
               </a:rPr>
               <a:t>}</a:t>
             </a:r>
-            <a:endParaRPr lang="en-GB" dirty="0">
-              <a:solidFill>
-                <a:schemeClr val="tx1"/>
-              </a:solidFill>
-              <a:latin typeface="Courier New" panose="02070309020205020404" pitchFamily="49" charset="0"/>
-              <a:cs typeface="Courier New" panose="02070309020205020404" pitchFamily="49" charset="0"/>
-            </a:endParaRPr>
           </a:p>
         </p:txBody>
       </p:sp>
@@ -29193,11 +29637,6 @@
               </a:rPr>
               <a:t>What if nodes have more children?</a:t>
             </a:r>
-            <a:endParaRPr lang="en-US" sz="2000" dirty="0">
-              <a:solidFill>
-                <a:srgbClr val="C00000"/>
-              </a:solidFill>
-            </a:endParaRPr>
           </a:p>
         </p:txBody>
       </p:sp>
@@ -29323,7 +29762,6 @@
               <a:rPr lang="en-US" dirty="0"/>
               <a:t>Representing General Trees</a:t>
             </a:r>
-            <a:endParaRPr lang="en-US" dirty="0"/>
           </a:p>
         </p:txBody>
       </p:sp>
@@ -29336,7 +29774,7 @@
           <p:nvPr/>
         </p:nvPicPr>
         <p:blipFill>
-          <a:blip r:embed="rId1"/>
+          <a:blip r:embed="rId2"/>
           <a:stretch>
             <a:fillRect/>
           </a:stretch>
@@ -29411,13 +29849,6 @@
               </a:rPr>
               <a:t>struct Node {</a:t>
             </a:r>
-            <a:endParaRPr lang="en-GB" dirty="0">
-              <a:solidFill>
-                <a:schemeClr val="tx1"/>
-              </a:solidFill>
-              <a:latin typeface="Courier New" panose="02070309020205020404" pitchFamily="49" charset="0"/>
-              <a:cs typeface="Courier New" panose="02070309020205020404" pitchFamily="49" charset="0"/>
-            </a:endParaRPr>
           </a:p>
           <a:p>
             <a:pPr>
@@ -29455,13 +29886,6 @@
               </a:rPr>
               <a:t>;</a:t>
             </a:r>
-            <a:endParaRPr lang="en-GB" dirty="0">
-              <a:solidFill>
-                <a:schemeClr val="tx1"/>
-              </a:solidFill>
-              <a:latin typeface="Courier New" panose="02070309020205020404" pitchFamily="49" charset="0"/>
-              <a:cs typeface="Courier New" panose="02070309020205020404" pitchFamily="49" charset="0"/>
-            </a:endParaRPr>
           </a:p>
           <a:p>
             <a:pPr>
@@ -29479,13 +29903,6 @@
               </a:rPr>
               <a:t>  Node *parent;</a:t>
             </a:r>
-            <a:endParaRPr lang="en-GB" dirty="0">
-              <a:solidFill>
-                <a:schemeClr val="tx1"/>
-              </a:solidFill>
-              <a:latin typeface="Courier New" panose="02070309020205020404" pitchFamily="49" charset="0"/>
-              <a:cs typeface="Courier New" panose="02070309020205020404" pitchFamily="49" charset="0"/>
-            </a:endParaRPr>
           </a:p>
           <a:p>
             <a:pPr>
@@ -29523,13 +29940,6 @@
               </a:rPr>
               <a:t>;</a:t>
             </a:r>
-            <a:endParaRPr lang="en-GB" dirty="0">
-              <a:solidFill>
-                <a:schemeClr val="tx1"/>
-              </a:solidFill>
-              <a:latin typeface="Courier New" panose="02070309020205020404" pitchFamily="49" charset="0"/>
-              <a:cs typeface="Courier New" panose="02070309020205020404" pitchFamily="49" charset="0"/>
-            </a:endParaRPr>
           </a:p>
           <a:p>
             <a:pPr>
@@ -29567,13 +29977,6 @@
               </a:rPr>
               <a:t>;</a:t>
             </a:r>
-            <a:endParaRPr lang="en-GB" dirty="0">
-              <a:solidFill>
-                <a:schemeClr val="tx1"/>
-              </a:solidFill>
-              <a:latin typeface="Courier New" panose="02070309020205020404" pitchFamily="49" charset="0"/>
-              <a:cs typeface="Courier New" panose="02070309020205020404" pitchFamily="49" charset="0"/>
-            </a:endParaRPr>
           </a:p>
           <a:p>
             <a:pPr>
@@ -29591,13 +29994,6 @@
               </a:rPr>
               <a:t>}</a:t>
             </a:r>
-            <a:endParaRPr lang="en-GB" dirty="0">
-              <a:solidFill>
-                <a:schemeClr val="tx1"/>
-              </a:solidFill>
-              <a:latin typeface="Courier New" panose="02070309020205020404" pitchFamily="49" charset="0"/>
-              <a:cs typeface="Courier New" panose="02070309020205020404" pitchFamily="49" charset="0"/>
-            </a:endParaRPr>
           </a:p>
         </p:txBody>
       </p:sp>
@@ -29630,11 +30026,6 @@
               </a:rPr>
               <a:t>“Left-child, right-sibling representation.”</a:t>
             </a:r>
-            <a:endParaRPr lang="en-US" sz="2000" b="1" dirty="0">
-              <a:solidFill>
-                <a:srgbClr val="C00000"/>
-              </a:solidFill>
-            </a:endParaRPr>
           </a:p>
         </p:txBody>
       </p:sp>
@@ -29760,12 +30151,11 @@
               <a:rPr lang="en-US" dirty="0"/>
               <a:t>Tree Traversals</a:t>
             </a:r>
-            <a:endParaRPr lang="en-US" dirty="0"/>
           </a:p>
         </p:txBody>
       </p:sp>
-      <mc:AlternateContent xmlns:mc="http://schemas.openxmlformats.org/markup-compatibility/2006">
-        <mc:Choice xmlns:a14="http://schemas.microsoft.com/office/drawing/2010/main" Requires="a14">
+      <mc:AlternateContent xmlns:mc="http://schemas.openxmlformats.org/markup-compatibility/2006" xmlns:a14="http://schemas.microsoft.com/office/drawing/2010/main">
+        <mc:Choice Requires="a14">
           <p:sp>
             <p:nvSpPr>
               <p:cNvPr id="3" name="内容占位符 2"/>
@@ -29797,7 +30187,6 @@
                   <a:rPr lang="en-US" sz="2400" dirty="0"/>
                   <a:t>Suppose we want to visit all nodes of a tree…</a:t>
                 </a:r>
-                <a:endParaRPr lang="en-US" sz="2400" dirty="0"/>
               </a:p>
               <a:p>
                 <a:pPr>
@@ -29821,7 +30210,6 @@
                   <a:rPr lang="en-US" sz="2000" dirty="0"/>
                   <a:t>a tree is either empty, or has a root connecting to the roots of zero or more non-empty subtrees.</a:t>
                 </a:r>
-                <a:endParaRPr lang="en-US" sz="2000" dirty="0"/>
               </a:p>
               <a:p>
                 <a:pPr>
@@ -29833,7 +30221,6 @@
                   <a:rPr lang="en-US" sz="2400" dirty="0"/>
                   <a:t>Many ways to traverse a tree (recursively):</a:t>
                 </a:r>
-                <a:endParaRPr lang="en-US" sz="2400" dirty="0"/>
               </a:p>
               <a:p>
                 <a:pPr lvl="1">
@@ -29895,7 +30282,6 @@
                   <a:rPr lang="en-US" sz="2000" dirty="0"/>
                   <a:t>’s children, using preorder traversal.</a:t>
                 </a:r>
-                <a:endParaRPr lang="en-US" sz="2000" dirty="0"/>
               </a:p>
               <a:p>
                 <a:pPr lvl="1">
@@ -29957,7 +30343,6 @@
                   <a:rPr lang="en-US" sz="2000" dirty="0"/>
                   <a:t>.</a:t>
                 </a:r>
-                <a:endParaRPr lang="en-US" sz="2000" dirty="0"/>
               </a:p>
               <a:p>
                 <a:pPr lvl="1">
@@ -30063,7 +30448,7 @@
                       <a:rPr lang="en-US" sz="2000" b="0" i="1" smtClean="0">
                         <a:latin typeface="Cambria Math" panose="02040503050406030204" pitchFamily="18" charset="0"/>
                       </a:rPr>
-                      <m:t>𝑟𝑖𝑔ℎ𝑡</m:t>
+                      <m:t>𝑟𝑖𝑔h𝑡</m:t>
                     </m:r>
                   </m:oMath>
                 </a14:m>
@@ -30071,12 +30456,11 @@
                   <a:rPr lang="en-US" sz="2000" dirty="0"/>
                   <a:t>.</a:t>
                 </a:r>
-                <a:endParaRPr lang="en-US" sz="2000" dirty="0"/>
               </a:p>
             </p:txBody>
           </p:sp>
         </mc:Choice>
-        <mc:Fallback>
+        <mc:Fallback xmlns="">
           <p:sp>
             <p:nvSpPr>
               <p:cNvPr id="3" name="内容占位符 2"/>
@@ -30093,7 +30477,7 @@
                 <a:ext cx="7886700" cy="4802185"/>
               </a:xfrm>
               <a:blipFill rotWithShape="1">
-                <a:blip r:embed="rId1"/>
+                <a:blip r:embed="rId2"/>
                 <a:stretch>
                   <a:fillRect t="-7" b="13"/>
                 </a:stretch>
@@ -30114,386 +30498,6 @@
           </p:sp>
         </mc:Fallback>
       </mc:AlternateContent>
-      <p:sp>
-        <p:nvSpPr>
-          <p:cNvPr id="4" name="矩形 3"/>
-          <p:cNvSpPr/>
-          <p:nvPr/>
-        </p:nvSpPr>
-        <p:spPr>
-          <a:xfrm>
-            <a:off x="628650" y="1381991"/>
-            <a:ext cx="3642014" cy="1401329"/>
-          </a:xfrm>
-          <a:prstGeom prst="rect">
-            <a:avLst/>
-          </a:prstGeom>
-          <a:solidFill>
-            <a:schemeClr val="bg1">
-              <a:lumMod val="95000"/>
-            </a:schemeClr>
-          </a:solidFill>
-          <a:ln>
-            <a:solidFill>
-              <a:schemeClr val="tx1"/>
-            </a:solidFill>
-          </a:ln>
-        </p:spPr>
-        <p:style>
-          <a:lnRef idx="2">
-            <a:schemeClr val="accent1">
-              <a:shade val="50000"/>
-            </a:schemeClr>
-          </a:lnRef>
-          <a:fillRef idx="1">
-            <a:schemeClr val="accent1"/>
-          </a:fillRef>
-          <a:effectRef idx="0">
-            <a:schemeClr val="accent1"/>
-          </a:effectRef>
-          <a:fontRef idx="minor">
-            <a:schemeClr val="lt1"/>
-          </a:fontRef>
-        </p:style>
-        <p:txBody>
-          <a:bodyPr rtlCol="0" anchor="t"/>
-          <a:lstStyle/>
-          <a:p>
-            <a:pPr>
-              <a:spcAft>
-                <a:spcPts val="600"/>
-              </a:spcAft>
-            </a:pPr>
-            <a:r>
-              <a:rPr lang="en-GB" b="1" u="sng" dirty="0" err="1">
-                <a:solidFill>
-                  <a:schemeClr val="tx1"/>
-                </a:solidFill>
-              </a:rPr>
-              <a:t>PreorderTrav</a:t>
-            </a:r>
-            <a:r>
-              <a:rPr lang="en-GB" b="1" u="sng" dirty="0">
-                <a:solidFill>
-                  <a:schemeClr val="tx1"/>
-                </a:solidFill>
-              </a:rPr>
-              <a:t>(r):</a:t>
-            </a:r>
-            <a:endParaRPr lang="en-GB" b="1" u="sng" dirty="0">
-              <a:solidFill>
-                <a:schemeClr val="tx1"/>
-              </a:solidFill>
-            </a:endParaRPr>
-          </a:p>
-          <a:p>
-            <a:pPr>
-              <a:lnSpc>
-                <a:spcPct val="90000"/>
-              </a:lnSpc>
-            </a:pPr>
-            <a:r>
-              <a:rPr lang="en-GB" dirty="0">
-                <a:solidFill>
-                  <a:schemeClr val="tx1"/>
-                </a:solidFill>
-                <a:latin typeface="Courier New" panose="02070309020205020404" pitchFamily="49" charset="0"/>
-                <a:cs typeface="Courier New" panose="02070309020205020404" pitchFamily="49" charset="0"/>
-              </a:rPr>
-              <a:t>if (r != NULL)</a:t>
-            </a:r>
-            <a:endParaRPr lang="en-GB" dirty="0">
-              <a:solidFill>
-                <a:schemeClr val="tx1"/>
-              </a:solidFill>
-              <a:latin typeface="Courier New" panose="02070309020205020404" pitchFamily="49" charset="0"/>
-              <a:cs typeface="Courier New" panose="02070309020205020404" pitchFamily="49" charset="0"/>
-            </a:endParaRPr>
-          </a:p>
-          <a:p>
-            <a:pPr>
-              <a:lnSpc>
-                <a:spcPct val="90000"/>
-              </a:lnSpc>
-            </a:pPr>
-            <a:r>
-              <a:rPr lang="en-GB" dirty="0">
-                <a:solidFill>
-                  <a:schemeClr val="tx1"/>
-                </a:solidFill>
-                <a:latin typeface="Courier New" panose="02070309020205020404" pitchFamily="49" charset="0"/>
-                <a:cs typeface="Courier New" panose="02070309020205020404" pitchFamily="49" charset="0"/>
-              </a:rPr>
-              <a:t>  Visit(r)</a:t>
-            </a:r>
-            <a:endParaRPr lang="en-GB" dirty="0">
-              <a:solidFill>
-                <a:schemeClr val="tx1"/>
-              </a:solidFill>
-              <a:latin typeface="Courier New" panose="02070309020205020404" pitchFamily="49" charset="0"/>
-              <a:cs typeface="Courier New" panose="02070309020205020404" pitchFamily="49" charset="0"/>
-            </a:endParaRPr>
-          </a:p>
-          <a:p>
-            <a:pPr>
-              <a:lnSpc>
-                <a:spcPct val="90000"/>
-              </a:lnSpc>
-            </a:pPr>
-            <a:r>
-              <a:rPr lang="en-GB" dirty="0">
-                <a:solidFill>
-                  <a:schemeClr val="tx1"/>
-                </a:solidFill>
-                <a:latin typeface="Courier New" panose="02070309020205020404" pitchFamily="49" charset="0"/>
-                <a:cs typeface="Courier New" panose="02070309020205020404" pitchFamily="49" charset="0"/>
-              </a:rPr>
-              <a:t>  for (each child u of r)</a:t>
-            </a:r>
-            <a:endParaRPr lang="en-GB" dirty="0">
-              <a:solidFill>
-                <a:schemeClr val="tx1"/>
-              </a:solidFill>
-              <a:latin typeface="Courier New" panose="02070309020205020404" pitchFamily="49" charset="0"/>
-              <a:cs typeface="Courier New" panose="02070309020205020404" pitchFamily="49" charset="0"/>
-            </a:endParaRPr>
-          </a:p>
-          <a:p>
-            <a:pPr>
-              <a:lnSpc>
-                <a:spcPct val="90000"/>
-              </a:lnSpc>
-            </a:pPr>
-            <a:r>
-              <a:rPr lang="en-GB" dirty="0">
-                <a:solidFill>
-                  <a:schemeClr val="tx1"/>
-                </a:solidFill>
-                <a:latin typeface="Courier New" panose="02070309020205020404" pitchFamily="49" charset="0"/>
-                <a:cs typeface="Courier New" panose="02070309020205020404" pitchFamily="49" charset="0"/>
-              </a:rPr>
-              <a:t>    </a:t>
-            </a:r>
-            <a:r>
-              <a:rPr lang="en-GB" dirty="0" err="1">
-                <a:solidFill>
-                  <a:schemeClr val="tx1"/>
-                </a:solidFill>
-                <a:latin typeface="Courier New" panose="02070309020205020404" pitchFamily="49" charset="0"/>
-                <a:cs typeface="Courier New" panose="02070309020205020404" pitchFamily="49" charset="0"/>
-              </a:rPr>
-              <a:t>PreorderTrav</a:t>
-            </a:r>
-            <a:r>
-              <a:rPr lang="en-GB" dirty="0">
-                <a:solidFill>
-                  <a:schemeClr val="tx1"/>
-                </a:solidFill>
-                <a:latin typeface="Courier New" panose="02070309020205020404" pitchFamily="49" charset="0"/>
-                <a:cs typeface="Courier New" panose="02070309020205020404" pitchFamily="49" charset="0"/>
-              </a:rPr>
-              <a:t>(u)</a:t>
-            </a:r>
-            <a:endParaRPr lang="en-GB" dirty="0">
-              <a:solidFill>
-                <a:schemeClr val="tx1"/>
-              </a:solidFill>
-              <a:latin typeface="Courier New" panose="02070309020205020404" pitchFamily="49" charset="0"/>
-              <a:cs typeface="Courier New" panose="02070309020205020404" pitchFamily="49" charset="0"/>
-            </a:endParaRPr>
-          </a:p>
-        </p:txBody>
-      </p:sp>
-      <p:sp>
-        <p:nvSpPr>
-          <p:cNvPr id="5" name="矩形 4"/>
-          <p:cNvSpPr/>
-          <p:nvPr/>
-        </p:nvSpPr>
-        <p:spPr>
-          <a:xfrm>
-            <a:off x="4873338" y="1381991"/>
-            <a:ext cx="3642014" cy="1401329"/>
-          </a:xfrm>
-          <a:prstGeom prst="rect">
-            <a:avLst/>
-          </a:prstGeom>
-          <a:solidFill>
-            <a:schemeClr val="bg1">
-              <a:lumMod val="95000"/>
-            </a:schemeClr>
-          </a:solidFill>
-          <a:ln>
-            <a:solidFill>
-              <a:schemeClr val="tx1"/>
-            </a:solidFill>
-          </a:ln>
-        </p:spPr>
-        <p:style>
-          <a:lnRef idx="2">
-            <a:schemeClr val="accent1">
-              <a:shade val="50000"/>
-            </a:schemeClr>
-          </a:lnRef>
-          <a:fillRef idx="1">
-            <a:schemeClr val="accent1"/>
-          </a:fillRef>
-          <a:effectRef idx="0">
-            <a:schemeClr val="accent1"/>
-          </a:effectRef>
-          <a:fontRef idx="minor">
-            <a:schemeClr val="lt1"/>
-          </a:fontRef>
-        </p:style>
-        <p:txBody>
-          <a:bodyPr rtlCol="0" anchor="t"/>
-          <a:lstStyle/>
-          <a:p>
-            <a:pPr>
-              <a:spcAft>
-                <a:spcPts val="600"/>
-              </a:spcAft>
-            </a:pPr>
-            <a:r>
-              <a:rPr lang="en-GB" b="1" u="sng" dirty="0" err="1">
-                <a:solidFill>
-                  <a:schemeClr val="tx1"/>
-                </a:solidFill>
-              </a:rPr>
-              <a:t>PostorderTrav</a:t>
-            </a:r>
-            <a:r>
-              <a:rPr lang="en-GB" b="1" u="sng" dirty="0">
-                <a:solidFill>
-                  <a:schemeClr val="tx1"/>
-                </a:solidFill>
-              </a:rPr>
-              <a:t>(r):</a:t>
-            </a:r>
-            <a:endParaRPr lang="en-GB" b="1" u="sng" dirty="0">
-              <a:solidFill>
-                <a:schemeClr val="tx1"/>
-              </a:solidFill>
-            </a:endParaRPr>
-          </a:p>
-          <a:p>
-            <a:pPr>
-              <a:lnSpc>
-                <a:spcPct val="90000"/>
-              </a:lnSpc>
-            </a:pPr>
-            <a:r>
-              <a:rPr lang="en-GB" dirty="0">
-                <a:solidFill>
-                  <a:schemeClr val="tx1"/>
-                </a:solidFill>
-                <a:latin typeface="Courier New" panose="02070309020205020404" pitchFamily="49" charset="0"/>
-                <a:cs typeface="Courier New" panose="02070309020205020404" pitchFamily="49" charset="0"/>
-              </a:rPr>
-              <a:t>if (r != NULL)</a:t>
-            </a:r>
-            <a:endParaRPr lang="en-GB" dirty="0">
-              <a:solidFill>
-                <a:schemeClr val="tx1"/>
-              </a:solidFill>
-              <a:latin typeface="Courier New" panose="02070309020205020404" pitchFamily="49" charset="0"/>
-              <a:cs typeface="Courier New" panose="02070309020205020404" pitchFamily="49" charset="0"/>
-            </a:endParaRPr>
-          </a:p>
-          <a:p>
-            <a:pPr>
-              <a:lnSpc>
-                <a:spcPct val="90000"/>
-              </a:lnSpc>
-            </a:pPr>
-            <a:r>
-              <a:rPr lang="en-GB" dirty="0">
-                <a:solidFill>
-                  <a:schemeClr val="tx1"/>
-                </a:solidFill>
-                <a:latin typeface="Courier New" panose="02070309020205020404" pitchFamily="49" charset="0"/>
-                <a:cs typeface="Courier New" panose="02070309020205020404" pitchFamily="49" charset="0"/>
-              </a:rPr>
-              <a:t>  for (each child u of r)</a:t>
-            </a:r>
-            <a:endParaRPr lang="en-GB" dirty="0">
-              <a:solidFill>
-                <a:schemeClr val="tx1"/>
-              </a:solidFill>
-              <a:latin typeface="Courier New" panose="02070309020205020404" pitchFamily="49" charset="0"/>
-              <a:cs typeface="Courier New" panose="02070309020205020404" pitchFamily="49" charset="0"/>
-            </a:endParaRPr>
-          </a:p>
-          <a:p>
-            <a:pPr>
-              <a:lnSpc>
-                <a:spcPct val="90000"/>
-              </a:lnSpc>
-            </a:pPr>
-            <a:r>
-              <a:rPr lang="en-GB" dirty="0">
-                <a:solidFill>
-                  <a:schemeClr val="tx1"/>
-                </a:solidFill>
-                <a:latin typeface="Courier New" panose="02070309020205020404" pitchFamily="49" charset="0"/>
-                <a:cs typeface="Courier New" panose="02070309020205020404" pitchFamily="49" charset="0"/>
-              </a:rPr>
-              <a:t>    </a:t>
-            </a:r>
-            <a:r>
-              <a:rPr lang="en-GB" dirty="0" err="1">
-                <a:solidFill>
-                  <a:schemeClr val="tx1"/>
-                </a:solidFill>
-                <a:latin typeface="Courier New" panose="02070309020205020404" pitchFamily="49" charset="0"/>
-                <a:cs typeface="Courier New" panose="02070309020205020404" pitchFamily="49" charset="0"/>
-              </a:rPr>
-              <a:t>PostorderTrav</a:t>
-            </a:r>
-            <a:r>
-              <a:rPr lang="en-GB" dirty="0">
-                <a:solidFill>
-                  <a:schemeClr val="tx1"/>
-                </a:solidFill>
-                <a:latin typeface="Courier New" panose="02070309020205020404" pitchFamily="49" charset="0"/>
-                <a:cs typeface="Courier New" panose="02070309020205020404" pitchFamily="49" charset="0"/>
-              </a:rPr>
-              <a:t>(u)</a:t>
-            </a:r>
-            <a:endParaRPr lang="en-GB" dirty="0">
-              <a:solidFill>
-                <a:schemeClr val="tx1"/>
-              </a:solidFill>
-              <a:latin typeface="Courier New" panose="02070309020205020404" pitchFamily="49" charset="0"/>
-              <a:cs typeface="Courier New" panose="02070309020205020404" pitchFamily="49" charset="0"/>
-            </a:endParaRPr>
-          </a:p>
-          <a:p>
-            <a:pPr>
-              <a:lnSpc>
-                <a:spcPct val="90000"/>
-              </a:lnSpc>
-            </a:pPr>
-            <a:r>
-              <a:rPr lang="en-GB" dirty="0">
-                <a:solidFill>
-                  <a:schemeClr val="tx1"/>
-                </a:solidFill>
-                <a:latin typeface="Courier New" panose="02070309020205020404" pitchFamily="49" charset="0"/>
-                <a:cs typeface="Courier New" panose="02070309020205020404" pitchFamily="49" charset="0"/>
-              </a:rPr>
-              <a:t>  Visit(r)</a:t>
-            </a:r>
-            <a:endParaRPr lang="en-GB" dirty="0">
-              <a:solidFill>
-                <a:schemeClr val="tx1"/>
-              </a:solidFill>
-              <a:latin typeface="Courier New" panose="02070309020205020404" pitchFamily="49" charset="0"/>
-              <a:cs typeface="Courier New" panose="02070309020205020404" pitchFamily="49" charset="0"/>
-            </a:endParaRPr>
-          </a:p>
-        </p:txBody>
-      </p:sp>
       <p:sp>
         <p:nvSpPr>
           <p:cNvPr id="6" name="矩形 5"/>
@@ -30560,11 +30564,6 @@
               </a:rPr>
               <a:t>(r):</a:t>
             </a:r>
-            <a:endParaRPr lang="en-GB" b="1" u="sng" dirty="0">
-              <a:solidFill>
-                <a:schemeClr val="tx1"/>
-              </a:solidFill>
-            </a:endParaRPr>
           </a:p>
           <a:p>
             <a:pPr>
@@ -30582,13 +30581,6 @@
               </a:rPr>
               <a:t>if (r != NULL)</a:t>
             </a:r>
-            <a:endParaRPr lang="en-GB" dirty="0">
-              <a:solidFill>
-                <a:schemeClr val="tx1"/>
-              </a:solidFill>
-              <a:latin typeface="Courier New" panose="02070309020205020404" pitchFamily="49" charset="0"/>
-              <a:cs typeface="Courier New" panose="02070309020205020404" pitchFamily="49" charset="0"/>
-            </a:endParaRPr>
           </a:p>
           <a:p>
             <a:pPr>
@@ -30646,13 +30638,6 @@
               </a:rPr>
               <a:t>)</a:t>
             </a:r>
-            <a:endParaRPr lang="en-GB" dirty="0">
-              <a:solidFill>
-                <a:schemeClr val="tx1"/>
-              </a:solidFill>
-              <a:latin typeface="Courier New" panose="02070309020205020404" pitchFamily="49" charset="0"/>
-              <a:cs typeface="Courier New" panose="02070309020205020404" pitchFamily="49" charset="0"/>
-            </a:endParaRPr>
           </a:p>
           <a:p>
             <a:pPr>
@@ -30670,13 +30655,6 @@
               </a:rPr>
               <a:t>  Visit(r)</a:t>
             </a:r>
-            <a:endParaRPr lang="en-GB" dirty="0">
-              <a:solidFill>
-                <a:schemeClr val="tx1"/>
-              </a:solidFill>
-              <a:latin typeface="Courier New" panose="02070309020205020404" pitchFamily="49" charset="0"/>
-              <a:cs typeface="Courier New" panose="02070309020205020404" pitchFamily="49" charset="0"/>
-            </a:endParaRPr>
           </a:p>
           <a:p>
             <a:pPr>
@@ -30734,13 +30712,6 @@
               </a:rPr>
               <a:t>)</a:t>
             </a:r>
-            <a:endParaRPr lang="en-GB" dirty="0">
-              <a:solidFill>
-                <a:schemeClr val="tx1"/>
-              </a:solidFill>
-              <a:latin typeface="Courier New" panose="02070309020205020404" pitchFamily="49" charset="0"/>
-              <a:cs typeface="Courier New" panose="02070309020205020404" pitchFamily="49" charset="0"/>
-            </a:endParaRPr>
           </a:p>
         </p:txBody>
       </p:sp>
@@ -30880,33 +30851,6 @@
                                   </p:childTnLst>
                                 </p:cTn>
                               </p:par>
-                              <p:par>
-                                <p:cTn id="13" presetID="1" presetClass="entr" presetSubtype="0" fill="hold" grpId="0" nodeType="withEffect">
-                                  <p:stCondLst>
-                                    <p:cond delay="0"/>
-                                  </p:stCondLst>
-                                  <p:childTnLst>
-                                    <p:set>
-                                      <p:cBhvr>
-                                        <p:cTn id="14" dur="1" fill="hold">
-                                          <p:stCondLst>
-                                            <p:cond delay="0"/>
-                                          </p:stCondLst>
-                                        </p:cTn>
-                                        <p:tgtEl>
-                                          <p:spTgt spid="4"/>
-                                        </p:tgtEl>
-                                        <p:attrNameLst>
-                                          <p:attrName>style.visibility</p:attrName>
-                                        </p:attrNameLst>
-                                      </p:cBhvr>
-                                      <p:to>
-                                        <p:strVal val="visible"/>
-                                      </p:to>
-                                    </p:set>
-                                  </p:childTnLst>
-                                </p:cTn>
-                              </p:par>
                             </p:childTnLst>
                           </p:cTn>
                         </p:par>
@@ -30914,26 +30858,26 @@
                     </p:cTn>
                   </p:par>
                   <p:par>
-                    <p:cTn id="15" fill="hold">
+                    <p:cTn id="13" fill="hold">
                       <p:stCondLst>
                         <p:cond delay="indefinite"/>
                       </p:stCondLst>
                       <p:childTnLst>
                         <p:par>
-                          <p:cTn id="16" fill="hold">
+                          <p:cTn id="14" fill="hold">
                             <p:stCondLst>
                               <p:cond delay="0"/>
                             </p:stCondLst>
                             <p:childTnLst>
                               <p:par>
-                                <p:cTn id="17" presetID="1" presetClass="entr" presetSubtype="0" fill="hold" nodeType="clickEffect">
+                                <p:cTn id="15" presetID="1" presetClass="entr" presetSubtype="0" fill="hold" nodeType="clickEffect">
                                   <p:stCondLst>
                                     <p:cond delay="0"/>
                                   </p:stCondLst>
                                   <p:childTnLst>
                                     <p:set>
                                       <p:cBhvr>
-                                        <p:cTn id="18" dur="1" fill="hold">
+                                        <p:cTn id="16" dur="1" fill="hold">
                                           <p:stCondLst>
                                             <p:cond delay="0"/>
                                           </p:stCondLst>
@@ -30956,8 +30900,26 @@
                                   </p:childTnLst>
                                 </p:cTn>
                               </p:par>
+                            </p:childTnLst>
+                          </p:cTn>
+                        </p:par>
+                      </p:childTnLst>
+                    </p:cTn>
+                  </p:par>
+                  <p:par>
+                    <p:cTn id="17" fill="hold">
+                      <p:stCondLst>
+                        <p:cond delay="indefinite"/>
+                      </p:stCondLst>
+                      <p:childTnLst>
+                        <p:par>
+                          <p:cTn id="18" fill="hold">
+                            <p:stCondLst>
+                              <p:cond delay="0"/>
+                            </p:stCondLst>
+                            <p:childTnLst>
                               <p:par>
-                                <p:cTn id="19" presetID="1" presetClass="entr" presetSubtype="0" fill="hold" grpId="0" nodeType="withEffect">
+                                <p:cTn id="19" presetID="1" presetClass="entr" presetSubtype="0" fill="hold" nodeType="clickEffect">
                                   <p:stCondLst>
                                     <p:cond delay="0"/>
                                   </p:stCondLst>
@@ -30965,51 +30927,6 @@
                                     <p:set>
                                       <p:cBhvr>
                                         <p:cTn id="20" dur="1" fill="hold">
-                                          <p:stCondLst>
-                                            <p:cond delay="0"/>
-                                          </p:stCondLst>
-                                        </p:cTn>
-                                        <p:tgtEl>
-                                          <p:spTgt spid="5"/>
-                                        </p:tgtEl>
-                                        <p:attrNameLst>
-                                          <p:attrName>style.visibility</p:attrName>
-                                        </p:attrNameLst>
-                                      </p:cBhvr>
-                                      <p:to>
-                                        <p:strVal val="visible"/>
-                                      </p:to>
-                                    </p:set>
-                                  </p:childTnLst>
-                                </p:cTn>
-                              </p:par>
-                            </p:childTnLst>
-                          </p:cTn>
-                        </p:par>
-                      </p:childTnLst>
-                    </p:cTn>
-                  </p:par>
-                  <p:par>
-                    <p:cTn id="21" fill="hold">
-                      <p:stCondLst>
-                        <p:cond delay="indefinite"/>
-                      </p:stCondLst>
-                      <p:childTnLst>
-                        <p:par>
-                          <p:cTn id="22" fill="hold">
-                            <p:stCondLst>
-                              <p:cond delay="0"/>
-                            </p:stCondLst>
-                            <p:childTnLst>
-                              <p:par>
-                                <p:cTn id="23" presetID="1" presetClass="entr" presetSubtype="0" fill="hold" nodeType="clickEffect">
-                                  <p:stCondLst>
-                                    <p:cond delay="0"/>
-                                  </p:stCondLst>
-                                  <p:childTnLst>
-                                    <p:set>
-                                      <p:cBhvr>
-                                        <p:cTn id="24" dur="1" fill="hold">
                                           <p:stCondLst>
                                             <p:cond delay="0"/>
                                           </p:stCondLst>
@@ -31033,14 +30950,14 @@
                                 </p:cTn>
                               </p:par>
                               <p:par>
-                                <p:cTn id="25" presetID="1" presetClass="entr" presetSubtype="0" fill="hold" grpId="0" nodeType="withEffect">
+                                <p:cTn id="21" presetID="1" presetClass="entr" presetSubtype="0" fill="hold" grpId="0" nodeType="withEffect">
                                   <p:stCondLst>
                                     <p:cond delay="0"/>
                                   </p:stCondLst>
                                   <p:childTnLst>
                                     <p:set>
                                       <p:cBhvr>
-                                        <p:cTn id="26" dur="1" fill="hold">
+                                        <p:cTn id="22" dur="1" fill="hold">
                                           <p:stCondLst>
                                             <p:cond delay="0"/>
                                           </p:stCondLst>
@@ -31087,8 +31004,6 @@
       </p:par>
     </p:tnLst>
     <p:bldLst>
-      <p:bldP spid="4" grpId="0" animBg="1"/>
-      <p:bldP spid="5" grpId="0" animBg="1"/>
       <p:bldP spid="6" grpId="0" animBg="1"/>
     </p:bldLst>
   </p:timing>
@@ -31346,6 +31261,8 @@
       </a:bgFillStyleLst>
     </a:fmtScheme>
   </a:themeElements>
+  <a:objectDefaults/>
+  <a:extraClrSchemeLst/>
   <a:extLst>
     <a:ext uri="{05A4C25C-085E-4340-85A3-A5531E510DB2}">
       <thm15:themeFamily xmlns:thm15="http://schemas.microsoft.com/office/thememl/2012/main" name="Office Theme" id="{62F939B6-93AF-4DB8-9C6B-D6C7DFDC589F}" vid="{4A3C46E8-61CC-4603-A589-7422A47A8E4A}"/>
@@ -31605,6 +31522,8 @@
       </a:bgFillStyleLst>
     </a:fmtScheme>
   </a:themeElements>
+  <a:objectDefaults/>
+  <a:extraClrSchemeLst/>
   <a:extLst>
     <a:ext uri="{05A4C25C-085E-4340-85A3-A5531E510DB2}">
       <thm15:themeFamily xmlns:thm15="http://schemas.microsoft.com/office/thememl/2012/main" name="Office Theme" id="{62F939B6-93AF-4DB8-9C6B-D6C7DFDC589F}" vid="{4A3C46E8-61CC-4603-A589-7422A47A8E4A}"/>
